--- a/Sunum.pptx
+++ b/Sunum.pptx
@@ -6,17 +6,10 @@
   </p:sldMasterIdLst>
   <p:sldIdLst>
     <p:sldId id="256" r:id="rId2"/>
-    <p:sldId id="263" r:id="rId3"/>
-    <p:sldId id="257" r:id="rId4"/>
-    <p:sldId id="262" r:id="rId5"/>
-    <p:sldId id="258" r:id="rId6"/>
-    <p:sldId id="264" r:id="rId7"/>
-    <p:sldId id="265" r:id="rId8"/>
-    <p:sldId id="259" r:id="rId9"/>
-    <p:sldId id="260" r:id="rId10"/>
-    <p:sldId id="261" r:id="rId11"/>
-    <p:sldId id="266" r:id="rId12"/>
-    <p:sldId id="267" r:id="rId13"/>
+    <p:sldId id="257" r:id="rId3"/>
+    <p:sldId id="258" r:id="rId4"/>
+    <p:sldId id="266" r:id="rId5"/>
+    <p:sldId id="267" r:id="rId6"/>
   </p:sldIdLst>
   <p:sldSz cx="12192000" cy="6858000"/>
   <p:notesSz cx="6858000" cy="9144000"/>
@@ -458,7 +451,7 @@
           <a:p>
             <a:fld id="{1407A3B7-58FE-4A18-9F42-1771B36034B8}" type="datetimeFigureOut">
               <a:rPr lang="ar-SA" smtClean="0"/>
-              <a:t>12/11/1446</a:t>
+              <a:t>14/12/1446</a:t>
             </a:fld>
             <a:endParaRPr lang="ar-SA"/>
           </a:p>
@@ -1546,7 +1539,7 @@
           <a:p>
             <a:fld id="{1407A3B7-58FE-4A18-9F42-1771B36034B8}" type="datetimeFigureOut">
               <a:rPr lang="ar-SA" smtClean="0"/>
-              <a:t>12/11/1446</a:t>
+              <a:t>14/12/1446</a:t>
             </a:fld>
             <a:endParaRPr lang="ar-SA"/>
           </a:p>
@@ -2526,7 +2519,7 @@
           <a:p>
             <a:fld id="{1407A3B7-58FE-4A18-9F42-1771B36034B8}" type="datetimeFigureOut">
               <a:rPr lang="ar-SA" smtClean="0"/>
-              <a:t>12/11/1446</a:t>
+              <a:t>14/12/1446</a:t>
             </a:fld>
             <a:endParaRPr lang="ar-SA"/>
           </a:p>
@@ -3660,7 +3653,7 @@
           <a:p>
             <a:fld id="{1407A3B7-58FE-4A18-9F42-1771B36034B8}" type="datetimeFigureOut">
               <a:rPr lang="ar-SA" smtClean="0"/>
-              <a:t>12/11/1446</a:t>
+              <a:t>14/12/1446</a:t>
             </a:fld>
             <a:endParaRPr lang="ar-SA"/>
           </a:p>
@@ -4693,7 +4686,7 @@
           <a:p>
             <a:fld id="{1407A3B7-58FE-4A18-9F42-1771B36034B8}" type="datetimeFigureOut">
               <a:rPr lang="ar-SA" smtClean="0"/>
-              <a:t>12/11/1446</a:t>
+              <a:t>14/12/1446</a:t>
             </a:fld>
             <a:endParaRPr lang="ar-SA"/>
           </a:p>
@@ -5353,7 +5346,7 @@
           <a:p>
             <a:fld id="{1407A3B7-58FE-4A18-9F42-1771B36034B8}" type="datetimeFigureOut">
               <a:rPr lang="ar-SA" smtClean="0"/>
-              <a:t>12/11/1446</a:t>
+              <a:t>14/12/1446</a:t>
             </a:fld>
             <a:endParaRPr lang="ar-SA"/>
           </a:p>
@@ -6214,7 +6207,7 @@
           <a:p>
             <a:fld id="{1407A3B7-58FE-4A18-9F42-1771B36034B8}" type="datetimeFigureOut">
               <a:rPr lang="ar-SA" smtClean="0"/>
-              <a:t>12/11/1446</a:t>
+              <a:t>14/12/1446</a:t>
             </a:fld>
             <a:endParaRPr lang="ar-SA"/>
           </a:p>
@@ -6404,7 +6397,7 @@
           <a:p>
             <a:fld id="{1407A3B7-58FE-4A18-9F42-1771B36034B8}" type="datetimeFigureOut">
               <a:rPr lang="ar-SA" smtClean="0"/>
-              <a:t>12/11/1446</a:t>
+              <a:t>14/12/1446</a:t>
             </a:fld>
             <a:endParaRPr lang="ar-SA"/>
           </a:p>
@@ -7376,7 +7369,7 @@
           <a:p>
             <a:fld id="{1407A3B7-58FE-4A18-9F42-1771B36034B8}" type="datetimeFigureOut">
               <a:rPr lang="ar-SA" smtClean="0"/>
-              <a:t>12/11/1446</a:t>
+              <a:t>14/12/1446</a:t>
             </a:fld>
             <a:endParaRPr lang="ar-SA"/>
           </a:p>
@@ -7587,7 +7580,7 @@
           <a:p>
             <a:fld id="{1407A3B7-58FE-4A18-9F42-1771B36034B8}" type="datetimeFigureOut">
               <a:rPr lang="ar-SA" smtClean="0"/>
-              <a:t>12/11/1446</a:t>
+              <a:t>14/12/1446</a:t>
             </a:fld>
             <a:endParaRPr lang="ar-SA"/>
           </a:p>
@@ -8621,7 +8614,7 @@
           <a:p>
             <a:fld id="{1407A3B7-58FE-4A18-9F42-1771B36034B8}" type="datetimeFigureOut">
               <a:rPr lang="ar-SA" smtClean="0"/>
-              <a:t>12/11/1446</a:t>
+              <a:t>14/12/1446</a:t>
             </a:fld>
             <a:endParaRPr lang="ar-SA"/>
           </a:p>
@@ -8893,7 +8886,7 @@
           <a:p>
             <a:fld id="{1407A3B7-58FE-4A18-9F42-1771B36034B8}" type="datetimeFigureOut">
               <a:rPr lang="ar-SA" smtClean="0"/>
-              <a:t>12/11/1446</a:t>
+              <a:t>14/12/1446</a:t>
             </a:fld>
             <a:endParaRPr lang="ar-SA"/>
           </a:p>
@@ -9303,7 +9296,7 @@
           <a:p>
             <a:fld id="{1407A3B7-58FE-4A18-9F42-1771B36034B8}" type="datetimeFigureOut">
               <a:rPr lang="ar-SA" smtClean="0"/>
-              <a:t>12/11/1446</a:t>
+              <a:t>14/12/1446</a:t>
             </a:fld>
             <a:endParaRPr lang="ar-SA"/>
           </a:p>
@@ -9430,7 +9423,7 @@
           <a:p>
             <a:fld id="{1407A3B7-58FE-4A18-9F42-1771B36034B8}" type="datetimeFigureOut">
               <a:rPr lang="ar-SA" smtClean="0"/>
-              <a:t>12/11/1446</a:t>
+              <a:t>14/12/1446</a:t>
             </a:fld>
             <a:endParaRPr lang="ar-SA"/>
           </a:p>
@@ -9525,7 +9518,7 @@
           <a:p>
             <a:fld id="{1407A3B7-58FE-4A18-9F42-1771B36034B8}" type="datetimeFigureOut">
               <a:rPr lang="ar-SA" smtClean="0"/>
-              <a:t>12/11/1446</a:t>
+              <a:t>14/12/1446</a:t>
             </a:fld>
             <a:endParaRPr lang="ar-SA"/>
           </a:p>
@@ -10606,7 +10599,7 @@
           <a:p>
             <a:fld id="{1407A3B7-58FE-4A18-9F42-1771B36034B8}" type="datetimeFigureOut">
               <a:rPr lang="ar-SA" smtClean="0"/>
-              <a:t>12/11/1446</a:t>
+              <a:t>14/12/1446</a:t>
             </a:fld>
             <a:endParaRPr lang="ar-SA"/>
           </a:p>
@@ -11714,7 +11707,7 @@
           <a:p>
             <a:fld id="{1407A3B7-58FE-4A18-9F42-1771B36034B8}" type="datetimeFigureOut">
               <a:rPr lang="ar-SA" smtClean="0"/>
-              <a:t>12/11/1446</a:t>
+              <a:t>14/12/1446</a:t>
             </a:fld>
             <a:endParaRPr lang="ar-SA"/>
           </a:p>
@@ -12711,7 +12704,7 @@
           <a:p>
             <a:fld id="{1407A3B7-58FE-4A18-9F42-1771B36034B8}" type="datetimeFigureOut">
               <a:rPr lang="ar-SA" smtClean="0"/>
-              <a:t>12/11/1446</a:t>
+              <a:t>14/12/1446</a:t>
             </a:fld>
             <a:endParaRPr lang="ar-SA"/>
           </a:p>
@@ -13280,82 +13273,22 @@
             <p:ph type="ctrTitle"/>
           </p:nvPr>
         </p:nvSpPr>
-        <p:spPr/>
+        <p:spPr>
+          <a:xfrm>
+            <a:off x="2223180" y="2031366"/>
+            <a:ext cx="8825658" cy="2677648"/>
+          </a:xfrm>
+        </p:spPr>
         <p:txBody>
           <a:bodyPr/>
           <a:lstStyle/>
           <a:p>
-            <a:r>
-              <a:rPr lang="en-US" dirty="0" err="1" smtClean="0">
+            <a:pPr algn="r" rtl="0"/>
+            <a:r>
+              <a:rPr lang="ar-SA" dirty="0">
                 <a:latin typeface="Britannic Bold" panose="020B0903060703020204" pitchFamily="34" charset="0"/>
               </a:rPr>
-              <a:t>Türk</a:t>
-            </a:r>
-            <a:r>
-              <a:rPr lang="en-US" dirty="0" smtClean="0">
-                <a:latin typeface="Britannic Bold" panose="020B0903060703020204" pitchFamily="34" charset="0"/>
-              </a:rPr>
-              <a:t> </a:t>
-            </a:r>
-            <a:r>
-              <a:rPr lang="en-US" dirty="0" err="1" smtClean="0">
-                <a:latin typeface="Britannic Bold" panose="020B0903060703020204" pitchFamily="34" charset="0"/>
-              </a:rPr>
-              <a:t>İşaret</a:t>
-            </a:r>
-            <a:r>
-              <a:rPr lang="en-US" dirty="0" smtClean="0">
-                <a:latin typeface="Britannic Bold" panose="020B0903060703020204" pitchFamily="34" charset="0"/>
-              </a:rPr>
-              <a:t> </a:t>
-            </a:r>
-            <a:r>
-              <a:rPr lang="en-US" dirty="0" err="1" smtClean="0">
-                <a:latin typeface="Britannic Bold" panose="020B0903060703020204" pitchFamily="34" charset="0"/>
-              </a:rPr>
-              <a:t>Dili</a:t>
-            </a:r>
-            <a:r>
-              <a:rPr lang="en-US" dirty="0" smtClean="0">
-                <a:latin typeface="Britannic Bold" panose="020B0903060703020204" pitchFamily="34" charset="0"/>
-              </a:rPr>
-              <a:t> </a:t>
-            </a:r>
-            <a:r>
-              <a:rPr lang="en-US" dirty="0" err="1" smtClean="0">
-                <a:latin typeface="Britannic Bold" panose="020B0903060703020204" pitchFamily="34" charset="0"/>
-              </a:rPr>
-              <a:t>Alfabesi</a:t>
-            </a:r>
-            <a:r>
-              <a:rPr lang="en-US" dirty="0" smtClean="0">
-                <a:latin typeface="Britannic Bold" panose="020B0903060703020204" pitchFamily="34" charset="0"/>
-              </a:rPr>
-              <a:t> </a:t>
-            </a:r>
-            <a:r>
-              <a:rPr lang="en-US" dirty="0" err="1" smtClean="0">
-                <a:latin typeface="Britannic Bold" panose="020B0903060703020204" pitchFamily="34" charset="0"/>
-              </a:rPr>
-              <a:t>Algılama</a:t>
-            </a:r>
-            <a:r>
-              <a:rPr lang="en-US" dirty="0" smtClean="0">
-                <a:latin typeface="Britannic Bold" panose="020B0903060703020204" pitchFamily="34" charset="0"/>
-              </a:rPr>
-              <a:t> </a:t>
-            </a:r>
-            <a:r>
-              <a:rPr lang="en-US" dirty="0" err="1" smtClean="0">
-                <a:latin typeface="Britannic Bold" panose="020B0903060703020204" pitchFamily="34" charset="0"/>
-              </a:rPr>
-              <a:t>Uygulaması</a:t>
-            </a:r>
-            <a:r>
-              <a:rPr lang="en-US" dirty="0" smtClean="0">
-                <a:latin typeface="Britannic Bold" panose="020B0903060703020204" pitchFamily="34" charset="0"/>
-              </a:rPr>
-              <a:t> </a:t>
+              <a:t>تطبيق التعرف على أبجدية لغة الإشارة التركية</a:t>
             </a:r>
             <a:endParaRPr lang="ar-SA" dirty="0">
               <a:latin typeface="Britannic Bold" panose="020B0903060703020204" pitchFamily="34" charset="0"/>
@@ -13375,72 +13308,20 @@
         </p:nvSpPr>
         <p:spPr>
           <a:xfrm>
-            <a:off x="1154955" y="5059391"/>
+            <a:off x="2223180" y="4991025"/>
             <a:ext cx="8825658" cy="811570"/>
           </a:xfrm>
         </p:spPr>
         <p:txBody>
           <a:bodyPr>
-            <a:normAutofit fontScale="62500" lnSpcReduction="20000"/>
+            <a:normAutofit/>
           </a:bodyPr>
           <a:lstStyle/>
           <a:p>
-            <a:r>
-              <a:rPr lang="tr-TR" dirty="0" smtClean="0"/>
-              <a:t>Öğrenci NO</a:t>
-            </a:r>
-            <a:r>
-              <a:rPr lang="en-US" dirty="0" smtClean="0"/>
-              <a:t>: 02210224064</a:t>
-            </a:r>
-          </a:p>
-          <a:p>
-            <a:r>
-              <a:rPr lang="en-US" dirty="0" err="1" smtClean="0"/>
-              <a:t>Hazirlayan</a:t>
-            </a:r>
-            <a:r>
-              <a:rPr lang="en-US" dirty="0" smtClean="0"/>
-              <a:t>: Amr </a:t>
-            </a:r>
-            <a:r>
-              <a:rPr lang="en-US" dirty="0" err="1" smtClean="0"/>
-              <a:t>Nawaf</a:t>
-            </a:r>
-            <a:r>
-              <a:rPr lang="en-US" dirty="0" smtClean="0"/>
-              <a:t> </a:t>
-            </a:r>
-            <a:r>
-              <a:rPr lang="en-US" dirty="0" err="1" smtClean="0"/>
-              <a:t>walidi</a:t>
-            </a:r>
-            <a:r>
-              <a:rPr lang="en-US" dirty="0" smtClean="0"/>
-              <a:t> </a:t>
-            </a:r>
-            <a:endParaRPr lang="en-US" dirty="0" smtClean="0"/>
-          </a:p>
-          <a:p>
-            <a:r>
-              <a:rPr lang="en-US" dirty="0" err="1" smtClean="0"/>
-              <a:t>Ders</a:t>
-            </a:r>
-            <a:r>
-              <a:rPr lang="en-US" dirty="0" smtClean="0"/>
-              <a:t>: </a:t>
-            </a:r>
-            <a:r>
-              <a:rPr lang="en-US" dirty="0" err="1" smtClean="0"/>
-              <a:t>Yapay</a:t>
-            </a:r>
-            <a:r>
-              <a:rPr lang="en-US" dirty="0" smtClean="0"/>
-              <a:t> </a:t>
-            </a:r>
-            <a:r>
-              <a:rPr lang="en-US" dirty="0" err="1" smtClean="0"/>
-              <a:t>zeka</a:t>
+            <a:pPr algn="r" rtl="0"/>
+            <a:r>
+              <a:rPr lang="ar-SA" dirty="0"/>
+              <a:t>إعداد: عمرو نواف وليدي</a:t>
             </a:r>
             <a:endParaRPr lang="ar-SA" dirty="0"/>
           </a:p>
@@ -13466,130 +13347,7 @@
 </p:sld>
 </file>
 
-<file path=ppt/slides/slide10.xml><?xml version="1.0" encoding="utf-8"?>
-<p:sld xmlns:a="http://schemas.openxmlformats.org/drawingml/2006/main" xmlns:r="http://schemas.openxmlformats.org/officeDocument/2006/relationships" xmlns:p="http://schemas.openxmlformats.org/presentationml/2006/main">
-  <p:cSld>
-    <p:spTree>
-      <p:nvGrpSpPr>
-        <p:cNvPr id="1" name=""/>
-        <p:cNvGrpSpPr/>
-        <p:nvPr/>
-      </p:nvGrpSpPr>
-      <p:grpSpPr>
-        <a:xfrm>
-          <a:off x="0" y="0"/>
-          <a:ext cx="0" cy="0"/>
-          <a:chOff x="0" y="0"/>
-          <a:chExt cx="0" cy="0"/>
-        </a:xfrm>
-      </p:grpSpPr>
-      <p:sp>
-        <p:nvSpPr>
-          <p:cNvPr id="2" name="Title 1"/>
-          <p:cNvSpPr>
-            <a:spLocks noGrp="1"/>
-          </p:cNvSpPr>
-          <p:nvPr>
-            <p:ph type="title"/>
-          </p:nvPr>
-        </p:nvSpPr>
-        <p:spPr>
-          <a:xfrm>
-            <a:off x="736210" y="973668"/>
-            <a:ext cx="9766571" cy="706964"/>
-          </a:xfrm>
-        </p:spPr>
-        <p:txBody>
-          <a:bodyPr/>
-          <a:lstStyle/>
-          <a:p>
-            <a:r>
-              <a:rPr lang="en-US" dirty="0"/>
-              <a:t>Test </a:t>
-            </a:r>
-            <a:r>
-              <a:rPr lang="en-US" dirty="0" err="1"/>
-              <a:t>setinde</a:t>
-            </a:r>
-            <a:r>
-              <a:rPr lang="en-US" dirty="0"/>
-              <a:t> </a:t>
-            </a:r>
-            <a:r>
-              <a:rPr lang="en-US" dirty="0" err="1"/>
-              <a:t>gerçekleştirilen</a:t>
-            </a:r>
-            <a:r>
-              <a:rPr lang="en-US" dirty="0"/>
-              <a:t> </a:t>
-            </a:r>
-            <a:r>
-              <a:rPr lang="en-US" dirty="0" err="1"/>
-              <a:t>karışıklık</a:t>
-            </a:r>
-            <a:r>
-              <a:rPr lang="en-US" dirty="0"/>
-              <a:t> </a:t>
-            </a:r>
-            <a:r>
-              <a:rPr lang="en-US" dirty="0" err="1"/>
-              <a:t>matrisi</a:t>
-            </a:r>
-            <a:r>
-              <a:rPr lang="en-US" dirty="0"/>
-              <a:t> </a:t>
-            </a:r>
-            <a:endParaRPr lang="ar-SA" dirty="0"/>
-          </a:p>
-        </p:txBody>
-      </p:sp>
-      <p:pic>
-        <p:nvPicPr>
-          <p:cNvPr id="4" name="Content Placeholder 3"/>
-          <p:cNvPicPr>
-            <a:picLocks noGrp="1" noChangeAspect="1"/>
-          </p:cNvPicPr>
-          <p:nvPr>
-            <p:ph idx="1"/>
-          </p:nvPr>
-        </p:nvPicPr>
-        <p:blipFill>
-          <a:blip r:embed="rId2"/>
-          <a:stretch>
-            <a:fillRect/>
-          </a:stretch>
-        </p:blipFill>
-        <p:spPr>
-          <a:xfrm>
-            <a:off x="3725968" y="2398411"/>
-            <a:ext cx="4375445" cy="4459589"/>
-          </a:xfrm>
-          <a:prstGeom prst="rect">
-            <a:avLst/>
-          </a:prstGeom>
-        </p:spPr>
-      </p:pic>
-    </p:spTree>
-    <p:extLst>
-      <p:ext uri="{BB962C8B-B14F-4D97-AF65-F5344CB8AC3E}">
-        <p14:creationId xmlns:p14="http://schemas.microsoft.com/office/powerpoint/2010/main" val="2788679734"/>
-      </p:ext>
-    </p:extLst>
-  </p:cSld>
-  <p:clrMapOvr>
-    <a:masterClrMapping/>
-  </p:clrMapOvr>
-  <p:timing>
-    <p:tnLst>
-      <p:par>
-        <p:cTn id="1" dur="indefinite" restart="never" nodeType="tmRoot"/>
-      </p:par>
-    </p:tnLst>
-  </p:timing>
-</p:sld>
-</file>
-
-<file path=ppt/slides/slide11.xml><?xml version="1.0" encoding="utf-8"?>
+<file path=ppt/slides/slide2.xml><?xml version="1.0" encoding="utf-8"?>
 <p:sld xmlns:a="http://schemas.openxmlformats.org/drawingml/2006/main" xmlns:r="http://schemas.openxmlformats.org/officeDocument/2006/relationships" xmlns:p="http://schemas.openxmlformats.org/presentationml/2006/main">
   <p:cSld>
     <p:spTree>
@@ -13621,20 +13379,13 @@
           <a:bodyPr/>
           <a:lstStyle/>
           <a:p>
-            <a:r>
-              <a:rPr lang="en-US" dirty="0" err="1"/>
-              <a:t>Sistem</a:t>
-            </a:r>
-            <a:r>
-              <a:rPr lang="en-US" dirty="0"/>
-              <a:t> </a:t>
-            </a:r>
-            <a:r>
-              <a:rPr lang="en-US" dirty="0" err="1"/>
-              <a:t>Dağıtımı</a:t>
-            </a:r>
-            <a:r>
-              <a:rPr lang="en-US" dirty="0"/>
+            <a:pPr algn="r" rtl="0"/>
+            <a:r>
+              <a:rPr lang="en-US" dirty="0" err="1" smtClean="0"/>
+              <a:t>Giriş</a:t>
+            </a:r>
+            <a:r>
+              <a:rPr lang="en-US" dirty="0" smtClean="0"/>
               <a:t> </a:t>
             </a:r>
             <a:endParaRPr lang="ar-SA" dirty="0"/>
@@ -13651,473 +13402,199 @@
             <p:ph idx="1"/>
           </p:nvPr>
         </p:nvSpPr>
-        <p:spPr/>
+        <p:spPr>
+          <a:xfrm>
+            <a:off x="1090708" y="2367186"/>
+            <a:ext cx="8825659" cy="4170348"/>
+          </a:xfrm>
+        </p:spPr>
         <p:txBody>
-          <a:bodyPr/>
+          <a:bodyPr>
+            <a:normAutofit fontScale="92500" lnSpcReduction="10000"/>
+          </a:bodyPr>
           <a:lstStyle/>
           <a:p>
-            <a:pPr algn="l" rtl="0"/>
+            <a:pPr>
+              <a:lnSpc>
+                <a:spcPct val="150000"/>
+              </a:lnSpc>
+            </a:pPr>
+            <a:r>
+              <a:rPr lang="ar-SA" dirty="0"/>
+              <a:t>لغة الإشارة </a:t>
+            </a:r>
+            <a:r>
+              <a:rPr lang="ar-SA" dirty="0" smtClean="0"/>
+              <a:t>التركية </a:t>
+            </a:r>
+            <a:r>
+              <a:rPr lang="en-US" dirty="0" smtClean="0"/>
+              <a:t>(TSL)، </a:t>
+            </a:r>
+            <a:r>
+              <a:rPr lang="ar-SA" dirty="0"/>
+              <a:t>كغيرها من لغات الإشارة الوطنية، هي وسيلة تواصل أساسية للصم وضعاف السمع في تركيا. وتختلف عن اللغة التركية المنطوقة بتركيبها الغني وقواعدها النحوية الفريدة</a:t>
+            </a:r>
+            <a:r>
+              <a:rPr lang="ar-SA" dirty="0" smtClean="0"/>
+              <a:t>.</a:t>
+            </a:r>
+          </a:p>
+          <a:p>
+            <a:pPr>
+              <a:lnSpc>
+                <a:spcPct val="150000"/>
+              </a:lnSpc>
+            </a:pPr>
+            <a:endParaRPr lang="en-US" dirty="0" smtClean="0"/>
+          </a:p>
+          <a:p>
+            <a:pPr algn="r"/>
+            <a:r>
+              <a:rPr lang="ar-SA" dirty="0"/>
+              <a:t>مكّنت التطورات في التعلم العميق الآلات في مجال الرؤية الحاسوبية من تفسير البيانات المرئية بدقة عالية. وحققت الشبكات العصبية </a:t>
+            </a:r>
+            <a:r>
+              <a:rPr lang="ar-SA" dirty="0" err="1" smtClean="0"/>
+              <a:t>التلافيفية</a:t>
+            </a:r>
+            <a:r>
+              <a:rPr lang="ar-SA" dirty="0" smtClean="0"/>
+              <a:t> </a:t>
+            </a:r>
+            <a:r>
+              <a:rPr lang="en-US" dirty="0" smtClean="0"/>
+              <a:t> (CNNs</a:t>
+            </a:r>
+            <a:r>
+              <a:rPr lang="en-US" dirty="0"/>
+              <a:t>)، </a:t>
+            </a:r>
+            <a:r>
+              <a:rPr lang="ar-SA" dirty="0"/>
+              <a:t>التي قدّمها </a:t>
+            </a:r>
             <a:r>
               <a:rPr lang="en-US" dirty="0" err="1"/>
-              <a:t>Modelin</a:t>
+              <a:t>LeCun</a:t>
             </a:r>
             <a:r>
               <a:rPr lang="en-US" dirty="0"/>
               <a:t> </a:t>
             </a:r>
             <a:r>
-              <a:rPr lang="en-US" dirty="0" err="1"/>
-              <a:t>pragmatik</a:t>
-            </a:r>
-            <a:r>
-              <a:rPr lang="en-US" dirty="0"/>
+              <a:rPr lang="ar-SA" dirty="0" smtClean="0"/>
+              <a:t> عام </a:t>
+            </a:r>
+            <a:r>
+              <a:rPr lang="ar-SA" dirty="0"/>
+              <a:t>١٩٩٨ وروجت لها </a:t>
+            </a:r>
+            <a:r>
+              <a:rPr lang="en-US" dirty="0" smtClean="0"/>
               <a:t> </a:t>
             </a:r>
             <a:r>
-              <a:rPr lang="en-US" dirty="0" err="1"/>
-              <a:t>kullanılabilirliğini</a:t>
-            </a:r>
-            <a:r>
-              <a:rPr lang="en-US" dirty="0"/>
+              <a:rPr lang="en-US" dirty="0" err="1" smtClean="0"/>
+              <a:t>AlexNet</a:t>
+            </a:r>
+            <a:r>
+              <a:rPr lang="en-US" dirty="0" smtClean="0"/>
               <a:t> </a:t>
             </a:r>
             <a:r>
-              <a:rPr lang="en-US" dirty="0" err="1"/>
-              <a:t>ölçmek</a:t>
-            </a:r>
-            <a:r>
-              <a:rPr lang="en-US" dirty="0"/>
+              <a:rPr lang="ar-SA" dirty="0"/>
+              <a:t>عام ٢٠١٢، نجاحًا باهرًا في مهام تصنيف الصور، وخاصةً التعرف على إيماءات اليد</a:t>
+            </a:r>
+            <a:r>
+              <a:rPr lang="ar-SA" dirty="0" smtClean="0"/>
+              <a:t>.</a:t>
+            </a:r>
+          </a:p>
+          <a:p>
+            <a:pPr algn="r"/>
+            <a:endParaRPr lang="ar-SA" dirty="0" smtClean="0"/>
+          </a:p>
+          <a:p>
+            <a:r>
+              <a:rPr lang="ar-SA" dirty="0"/>
+              <a:t>في حين تناولت العديد من الدراسات استخدام </a:t>
+            </a:r>
+            <a:r>
+              <a:rPr lang="ar-SA" dirty="0" smtClean="0"/>
               <a:t> </a:t>
             </a:r>
             <a:r>
-              <a:rPr lang="en-US" dirty="0" err="1"/>
-              <a:t>için</a:t>
-            </a:r>
-            <a:r>
-              <a:rPr lang="en-US" dirty="0"/>
-              <a:t>, </a:t>
-            </a:r>
-            <a:r>
-              <a:rPr lang="en-US" dirty="0" err="1"/>
-              <a:t>gerçek</a:t>
-            </a:r>
-            <a:r>
-              <a:rPr lang="en-US" dirty="0"/>
-              <a:t> </a:t>
-            </a:r>
-            <a:r>
-              <a:rPr lang="en-US" dirty="0" err="1"/>
-              <a:t>bir</a:t>
-            </a:r>
-            <a:r>
-              <a:rPr lang="en-US" dirty="0"/>
-              <a:t> </a:t>
-            </a:r>
-            <a:r>
-              <a:rPr lang="en-US" dirty="0" err="1"/>
-              <a:t>algılama</a:t>
-            </a:r>
-            <a:r>
-              <a:rPr lang="en-US" dirty="0"/>
-              <a:t> </a:t>
-            </a:r>
-            <a:r>
-              <a:rPr lang="en-US" dirty="0" err="1"/>
-              <a:t>sistemine</a:t>
-            </a:r>
-            <a:r>
-              <a:rPr lang="en-US" dirty="0"/>
-              <a:t> </a:t>
-            </a:r>
-            <a:r>
-              <a:rPr lang="en-US" dirty="0" err="1"/>
-              <a:t>entegre</a:t>
-            </a:r>
-            <a:r>
-              <a:rPr lang="en-US" dirty="0"/>
-              <a:t> </a:t>
-            </a:r>
-            <a:r>
-              <a:rPr lang="en-US" dirty="0" err="1"/>
-              <a:t>edildi</a:t>
-            </a:r>
-            <a:r>
-              <a:rPr lang="en-US" dirty="0"/>
-              <a:t>. </a:t>
-            </a:r>
-            <a:endParaRPr lang="en-US" dirty="0" smtClean="0"/>
-          </a:p>
-          <a:p>
-            <a:pPr algn="l" rtl="0"/>
-            <a:r>
-              <a:rPr lang="en-US" dirty="0" err="1"/>
-              <a:t>Modeli</a:t>
-            </a:r>
-            <a:r>
-              <a:rPr lang="en-US" dirty="0"/>
-              <a:t> </a:t>
-            </a:r>
-            <a:r>
-              <a:rPr lang="en-US" dirty="0" err="1"/>
-              <a:t>barındırmak</a:t>
-            </a:r>
-            <a:r>
-              <a:rPr lang="en-US" dirty="0"/>
-              <a:t> </a:t>
-            </a:r>
-            <a:r>
-              <a:rPr lang="en-US" dirty="0" err="1"/>
-              <a:t>ve</a:t>
-            </a:r>
-            <a:r>
-              <a:rPr lang="en-US" dirty="0"/>
-              <a:t> Flutter </a:t>
-            </a:r>
-            <a:r>
-              <a:rPr lang="en-US" dirty="0" err="1"/>
-              <a:t>tabanlı</a:t>
-            </a:r>
-            <a:r>
-              <a:rPr lang="en-US" dirty="0"/>
-              <a:t> </a:t>
-            </a:r>
-            <a:r>
-              <a:rPr lang="en-US" dirty="0" err="1"/>
-              <a:t>bir</a:t>
-            </a:r>
-            <a:r>
-              <a:rPr lang="en-US" dirty="0"/>
-              <a:t> </a:t>
-            </a:r>
-            <a:r>
-              <a:rPr lang="en-US" dirty="0" err="1"/>
-              <a:t>mobil</a:t>
-            </a:r>
-            <a:r>
-              <a:rPr lang="en-US" dirty="0"/>
-              <a:t> </a:t>
-            </a:r>
-            <a:r>
-              <a:rPr lang="en-US" dirty="0" err="1"/>
-              <a:t>uygulamadan</a:t>
-            </a:r>
-            <a:r>
-              <a:rPr lang="en-US" dirty="0"/>
-              <a:t> </a:t>
-            </a:r>
-            <a:r>
-              <a:rPr lang="en-US" dirty="0" err="1"/>
-              <a:t>görüntü</a:t>
-            </a:r>
-            <a:r>
-              <a:rPr lang="en-US" dirty="0"/>
-              <a:t> </a:t>
-            </a:r>
-            <a:r>
-              <a:rPr lang="en-US" dirty="0" err="1"/>
-              <a:t>girişlerini</a:t>
-            </a:r>
-            <a:r>
-              <a:rPr lang="en-US" dirty="0"/>
-              <a:t> </a:t>
-            </a:r>
-            <a:r>
-              <a:rPr lang="en-US" dirty="0" err="1"/>
-              <a:t>kabul</a:t>
-            </a:r>
-            <a:r>
-              <a:rPr lang="en-US" dirty="0"/>
-              <a:t> </a:t>
-            </a:r>
-            <a:r>
-              <a:rPr lang="en-US" dirty="0" err="1"/>
-              <a:t>etmek</a:t>
-            </a:r>
-            <a:r>
-              <a:rPr lang="en-US" dirty="0"/>
-              <a:t> </a:t>
-            </a:r>
-            <a:r>
-              <a:rPr lang="en-US" dirty="0" err="1"/>
-              <a:t>için</a:t>
-            </a:r>
-            <a:r>
-              <a:rPr lang="en-US" dirty="0"/>
-              <a:t> </a:t>
-            </a:r>
-            <a:r>
-              <a:rPr lang="en-US" dirty="0" err="1"/>
-              <a:t>bir</a:t>
-            </a:r>
-            <a:r>
-              <a:rPr lang="en-US" dirty="0"/>
-              <a:t> Flask </a:t>
-            </a:r>
-            <a:r>
-              <a:rPr lang="en-US" dirty="0" err="1"/>
-              <a:t>sunucusu</a:t>
-            </a:r>
-            <a:r>
-              <a:rPr lang="en-US" dirty="0"/>
-              <a:t> </a:t>
-            </a:r>
-            <a:r>
-              <a:rPr lang="en-US" dirty="0" err="1"/>
-              <a:t>kullanıldı</a:t>
-            </a:r>
-            <a:r>
               <a:rPr lang="en-US" dirty="0" smtClean="0"/>
+              <a:t>CNN)</a:t>
+            </a:r>
+            <a:r>
+              <a:rPr lang="ar-SA" dirty="0" smtClean="0"/>
+              <a:t> ) في </a:t>
+            </a:r>
+            <a:r>
+              <a:rPr lang="ar-SA" dirty="0"/>
+              <a:t>التعرف على لغة الإشارة </a:t>
+            </a:r>
+            <a:r>
+              <a:rPr lang="ar-SA" dirty="0" smtClean="0"/>
+              <a:t>خاصةً </a:t>
+            </a:r>
+            <a:r>
+              <a:rPr lang="ar-SA" dirty="0"/>
+              <a:t>لغة الإشارة </a:t>
+            </a:r>
+            <a:r>
+              <a:rPr lang="ar-SA" dirty="0" smtClean="0"/>
+              <a:t>الأمريكية</a:t>
+            </a:r>
+            <a:r>
+              <a:rPr lang="en-US" dirty="0" smtClean="0"/>
+              <a:t> (ASL) ، </a:t>
+            </a:r>
+            <a:r>
+              <a:rPr lang="ar-SA" dirty="0"/>
+              <a:t>إلا أن الأبحاث ومجموعات البيانات المتاحة على نطاق واسع حول لغة الإشارة التركية قليلة</a:t>
+            </a:r>
+            <a:r>
+              <a:rPr lang="ar-SA" dirty="0" smtClean="0"/>
               <a:t>.</a:t>
             </a:r>
           </a:p>
           <a:p>
-            <a:pPr algn="l" rtl="0"/>
-            <a:r>
-              <a:rPr lang="en-US" dirty="0" err="1"/>
-              <a:t>Uygulama</a:t>
-            </a:r>
-            <a:r>
-              <a:rPr lang="en-US" dirty="0"/>
-              <a:t>, </a:t>
-            </a:r>
-            <a:r>
-              <a:rPr lang="en-US" dirty="0" err="1"/>
-              <a:t>telefon</a:t>
-            </a:r>
-            <a:r>
-              <a:rPr lang="en-US" dirty="0"/>
-              <a:t> </a:t>
-            </a:r>
-            <a:r>
-              <a:rPr lang="en-US" dirty="0" err="1"/>
-              <a:t>kamerası</a:t>
-            </a:r>
-            <a:r>
-              <a:rPr lang="en-US" dirty="0"/>
-              <a:t> </a:t>
-            </a:r>
-            <a:r>
-              <a:rPr lang="en-US" dirty="0" err="1"/>
-              <a:t>aracılığıyla</a:t>
-            </a:r>
-            <a:r>
-              <a:rPr lang="en-US" dirty="0"/>
-              <a:t> el </a:t>
-            </a:r>
-            <a:r>
-              <a:rPr lang="en-US" dirty="0" err="1"/>
-              <a:t>hareketi</a:t>
-            </a:r>
-            <a:r>
-              <a:rPr lang="en-US" dirty="0"/>
-              <a:t> </a:t>
-            </a:r>
-            <a:r>
-              <a:rPr lang="en-US" dirty="0" err="1"/>
-              <a:t>görüntüleri</a:t>
-            </a:r>
-            <a:r>
-              <a:rPr lang="en-US" dirty="0"/>
-              <a:t> </a:t>
-            </a:r>
-            <a:r>
-              <a:rPr lang="en-US" dirty="0" err="1"/>
-              <a:t>yakaladı</a:t>
-            </a:r>
-            <a:r>
-              <a:rPr lang="en-US" dirty="0"/>
-              <a:t> </a:t>
-            </a:r>
-            <a:r>
-              <a:rPr lang="en-US" dirty="0" err="1"/>
-              <a:t>ve</a:t>
-            </a:r>
-            <a:r>
-              <a:rPr lang="en-US" dirty="0"/>
-              <a:t> </a:t>
-            </a:r>
-            <a:r>
-              <a:rPr lang="en-US" dirty="0" err="1"/>
-              <a:t>tahmin</a:t>
-            </a:r>
-            <a:r>
-              <a:rPr lang="en-US" dirty="0"/>
-              <a:t> </a:t>
-            </a:r>
-            <a:r>
-              <a:rPr lang="en-US" dirty="0" err="1"/>
-              <a:t>edilmek</a:t>
-            </a:r>
-            <a:r>
-              <a:rPr lang="en-US" dirty="0"/>
-              <a:t> </a:t>
-            </a:r>
-            <a:r>
-              <a:rPr lang="en-US" dirty="0" err="1"/>
-              <a:t>üzere</a:t>
-            </a:r>
-            <a:r>
-              <a:rPr lang="en-US" dirty="0"/>
-              <a:t> </a:t>
-            </a:r>
-            <a:r>
-              <a:rPr lang="en-US" dirty="0" err="1"/>
-              <a:t>arka</a:t>
-            </a:r>
-            <a:r>
-              <a:rPr lang="en-US" dirty="0"/>
-              <a:t> </a:t>
-            </a:r>
-            <a:r>
-              <a:rPr lang="en-US" dirty="0" err="1"/>
-              <a:t>uca</a:t>
-            </a:r>
-            <a:r>
-              <a:rPr lang="en-US" dirty="0"/>
-              <a:t> </a:t>
-            </a:r>
-            <a:r>
-              <a:rPr lang="en-US" dirty="0" err="1"/>
-              <a:t>gönderdi</a:t>
+            <a:pPr marL="0" indent="0">
+              <a:buNone/>
+            </a:pPr>
+            <a:endParaRPr lang="ar-SA" dirty="0" smtClean="0"/>
+          </a:p>
+          <a:p>
+            <a:r>
+              <a:rPr lang="ar-SA" dirty="0"/>
+              <a:t>يركز هذا </a:t>
+            </a:r>
+            <a:r>
+              <a:rPr lang="ar-SA" dirty="0" err="1" smtClean="0"/>
+              <a:t>الإختراع</a:t>
+            </a:r>
+            <a:r>
+              <a:rPr lang="ar-SA" dirty="0" smtClean="0"/>
+              <a:t> على </a:t>
+            </a:r>
+            <a:r>
+              <a:rPr lang="ar-SA" dirty="0"/>
+              <a:t>بناء نظام ثابت للتعرف على إشارات أبجدية لغة الإشارة </a:t>
+            </a:r>
+            <a:r>
+              <a:rPr lang="ar-SA" dirty="0" smtClean="0"/>
+              <a:t>التركية يعتمد </a:t>
+            </a:r>
+            <a:r>
+              <a:rPr lang="ar-SA" dirty="0"/>
+              <a:t>على التعلم العميق القائم على </a:t>
             </a:r>
             <a:r>
               <a:rPr lang="en-US" dirty="0" smtClean="0"/>
-              <a:t>.</a:t>
-            </a:r>
-          </a:p>
-          <a:p>
-            <a:pPr algn="l" rtl="0"/>
-            <a:r>
-              <a:rPr lang="en-US" dirty="0" err="1"/>
-              <a:t>Sunucu</a:t>
-            </a:r>
-            <a:r>
-              <a:rPr lang="en-US" dirty="0"/>
-              <a:t>, </a:t>
-            </a:r>
-            <a:r>
-              <a:rPr lang="en-US" dirty="0" err="1"/>
-              <a:t>görüntüleri</a:t>
-            </a:r>
-            <a:r>
-              <a:rPr lang="en-US" dirty="0"/>
-              <a:t> </a:t>
-            </a:r>
-            <a:r>
-              <a:rPr lang="en-US" dirty="0" err="1"/>
-              <a:t>modelle</a:t>
-            </a:r>
-            <a:r>
-              <a:rPr lang="en-US" dirty="0"/>
-              <a:t> </a:t>
-            </a:r>
-            <a:r>
-              <a:rPr lang="en-US" dirty="0" err="1"/>
-              <a:t>uyumlu</a:t>
-            </a:r>
-            <a:r>
-              <a:rPr lang="en-US" dirty="0"/>
-              <a:t> hale </a:t>
-            </a:r>
-            <a:r>
-              <a:rPr lang="en-US" dirty="0" err="1"/>
-              <a:t>getirmek</a:t>
-            </a:r>
-            <a:r>
-              <a:rPr lang="en-US" dirty="0"/>
-              <a:t> </a:t>
-            </a:r>
-            <a:r>
-              <a:rPr lang="en-US" dirty="0" err="1"/>
-              <a:t>amacıyla</a:t>
-            </a:r>
-            <a:r>
-              <a:rPr lang="en-US" dirty="0"/>
-              <a:t> </a:t>
-            </a:r>
-            <a:r>
-              <a:rPr lang="en-US" dirty="0" err="1"/>
-              <a:t>tahminden</a:t>
-            </a:r>
-            <a:r>
-              <a:rPr lang="en-US" dirty="0"/>
-              <a:t> </a:t>
-            </a:r>
-            <a:r>
-              <a:rPr lang="en-US" dirty="0" err="1"/>
-              <a:t>önce</a:t>
-            </a:r>
-            <a:r>
-              <a:rPr lang="en-US" dirty="0"/>
-              <a:t> </a:t>
-            </a:r>
-            <a:r>
-              <a:rPr lang="en-US" dirty="0" err="1"/>
-              <a:t>görüntüleri</a:t>
-            </a:r>
-            <a:r>
-              <a:rPr lang="en-US" dirty="0"/>
-              <a:t> </a:t>
-            </a:r>
-            <a:r>
-              <a:rPr lang="en-US" dirty="0" err="1"/>
-              <a:t>önceden</a:t>
-            </a:r>
-            <a:r>
-              <a:rPr lang="en-US" dirty="0"/>
-              <a:t> </a:t>
-            </a:r>
-            <a:r>
-              <a:rPr lang="en-US" dirty="0" err="1"/>
-              <a:t>işler</a:t>
-            </a:r>
-            <a:r>
-              <a:rPr lang="en-US" dirty="0"/>
-              <a:t>. </a:t>
-            </a:r>
-            <a:endParaRPr lang="en-US" dirty="0" smtClean="0"/>
-          </a:p>
-          <a:p>
-            <a:pPr algn="l" rtl="0"/>
-            <a:r>
-              <a:rPr lang="en-US" dirty="0" err="1"/>
-              <a:t>Beklenen</a:t>
-            </a:r>
-            <a:r>
-              <a:rPr lang="en-US" dirty="0"/>
-              <a:t> </a:t>
-            </a:r>
-            <a:r>
-              <a:rPr lang="en-US" dirty="0" err="1"/>
-              <a:t>harf</a:t>
-            </a:r>
-            <a:r>
-              <a:rPr lang="en-US" dirty="0"/>
-              <a:t>, </a:t>
-            </a:r>
-            <a:r>
-              <a:rPr lang="en-US" dirty="0" err="1"/>
-              <a:t>kullanıcı</a:t>
-            </a:r>
-            <a:r>
-              <a:rPr lang="en-US" dirty="0"/>
-              <a:t> </a:t>
-            </a:r>
-            <a:r>
-              <a:rPr lang="en-US" dirty="0" err="1"/>
-              <a:t>arayüzünde</a:t>
-            </a:r>
-            <a:r>
-              <a:rPr lang="en-US" dirty="0"/>
-              <a:t> </a:t>
-            </a:r>
-            <a:r>
-              <a:rPr lang="en-US" dirty="0" err="1"/>
-              <a:t>görüntülenir</a:t>
-            </a:r>
-            <a:r>
-              <a:rPr lang="en-US" dirty="0"/>
-              <a:t>. </a:t>
+              <a:t> .(CNN)</a:t>
             </a:r>
             <a:endParaRPr lang="ar-SA" dirty="0"/>
           </a:p>
@@ -14126,7 +13603,7 @@
     </p:spTree>
     <p:extLst>
       <p:ext uri="{BB962C8B-B14F-4D97-AF65-F5344CB8AC3E}">
-        <p14:creationId xmlns:p14="http://schemas.microsoft.com/office/powerpoint/2010/main" val="524705528"/>
+        <p14:creationId xmlns:p14="http://schemas.microsoft.com/office/powerpoint/2010/main" val="3540906054"/>
       </p:ext>
     </p:extLst>
   </p:cSld>
@@ -14143,7 +13620,7 @@
 </p:sld>
 </file>
 
-<file path=ppt/slides/slide12.xml><?xml version="1.0" encoding="utf-8"?>
+<file path=ppt/slides/slide3.xml><?xml version="1.0" encoding="utf-8"?>
 <p:sld xmlns:a="http://schemas.openxmlformats.org/drawingml/2006/main" xmlns:r="http://schemas.openxmlformats.org/officeDocument/2006/relationships" xmlns:p="http://schemas.openxmlformats.org/presentationml/2006/main">
   <p:cSld>
     <p:spTree>
@@ -14175,9 +13652,318 @@
           <a:bodyPr/>
           <a:lstStyle/>
           <a:p>
-            <a:r>
-              <a:rPr lang="en-US" dirty="0" err="1" smtClean="0"/>
-              <a:t>Uygulama</a:t>
+            <a:pPr algn="r"/>
+            <a:r>
+              <a:rPr lang="ar-SA" dirty="0"/>
+              <a:t>مجموعة البيانات</a:t>
+            </a:r>
+            <a:endParaRPr lang="ar-SA" dirty="0"/>
+          </a:p>
+        </p:txBody>
+      </p:sp>
+      <p:sp>
+        <p:nvSpPr>
+          <p:cNvPr id="3" name="Content Placeholder 2"/>
+          <p:cNvSpPr>
+            <a:spLocks noGrp="1"/>
+          </p:cNvSpPr>
+          <p:nvPr>
+            <p:ph idx="1"/>
+          </p:nvPr>
+        </p:nvSpPr>
+        <p:spPr>
+          <a:xfrm>
+            <a:off x="1222050" y="2586409"/>
+            <a:ext cx="8694318" cy="3011086"/>
+          </a:xfrm>
+        </p:spPr>
+        <p:txBody>
+          <a:bodyPr>
+            <a:normAutofit/>
+          </a:bodyPr>
+          <a:lstStyle/>
+          <a:p>
+            <a:r>
+              <a:rPr lang="ar-SA" dirty="0"/>
+              <a:t>تم الحصول على مجموعة البيانات من موقع </a:t>
+            </a:r>
+            <a:r>
+              <a:rPr lang="ar-SA" dirty="0" err="1"/>
+              <a:t>كاجل</a:t>
+            </a:r>
+            <a:r>
+              <a:rPr lang="ar-SA" dirty="0"/>
+              <a:t> الإلكتروني، وهي تتكون من 29 فئة من الأبجدية التركية الـ 29، ويتألف كل فئة من حوالي 100 صورة تمثل هذه الأبجدية</a:t>
+            </a:r>
+            <a:r>
+              <a:rPr lang="ar-SA" dirty="0" smtClean="0"/>
+              <a:t>.</a:t>
+            </a:r>
+          </a:p>
+          <a:p>
+            <a:pPr marL="0" indent="0">
+              <a:buNone/>
+            </a:pPr>
+            <a:endParaRPr lang="ar-SA" dirty="0" smtClean="0"/>
+          </a:p>
+          <a:p>
+            <a:r>
+              <a:rPr lang="ar-SA" dirty="0" smtClean="0"/>
+              <a:t>تم </a:t>
+            </a:r>
+            <a:r>
+              <a:rPr lang="ar-SA" dirty="0"/>
+              <a:t>بعد ذلك تغيير حجم جميع الصور إلى حجم ثابت 400 × 400 بكسل، مع استخدام خلفية بيضاء لملء الفراغات في الصورة. تساعد هذه التقنية في الحفاظ على وضوح الصورة وهويتها</a:t>
+            </a:r>
+            <a:r>
+              <a:rPr lang="ar-SA" dirty="0" smtClean="0"/>
+              <a:t>.</a:t>
+            </a:r>
+          </a:p>
+          <a:p>
+            <a:pPr marL="0" indent="0">
+              <a:buNone/>
+            </a:pPr>
+            <a:endParaRPr lang="ar-SA" dirty="0" smtClean="0"/>
+          </a:p>
+          <a:p>
+            <a:r>
+              <a:rPr lang="ar-SA" dirty="0" smtClean="0"/>
+              <a:t>بعد </a:t>
+            </a:r>
+            <a:r>
+              <a:rPr lang="ar-SA" dirty="0"/>
+              <a:t>المعالجة المسبقة للصور لكل صورة، تم إنشاء ملف تسمية لمساعدة نموذج </a:t>
+            </a:r>
+            <a:r>
+              <a:rPr lang="en-US" dirty="0"/>
+              <a:t>YOLO </a:t>
+            </a:r>
+            <a:r>
+              <a:rPr lang="ar-SA" dirty="0"/>
+              <a:t>في تحديد معرف فئة إشارة اليد وإحداثياتها للتدريب.</a:t>
+            </a:r>
+            <a:endParaRPr lang="ar-SA" dirty="0"/>
+          </a:p>
+        </p:txBody>
+      </p:sp>
+    </p:spTree>
+    <p:extLst>
+      <p:ext uri="{BB962C8B-B14F-4D97-AF65-F5344CB8AC3E}">
+        <p14:creationId xmlns:p14="http://schemas.microsoft.com/office/powerpoint/2010/main" val="1170161912"/>
+      </p:ext>
+    </p:extLst>
+  </p:cSld>
+  <p:clrMapOvr>
+    <a:masterClrMapping/>
+  </p:clrMapOvr>
+  <p:timing>
+    <p:tnLst>
+      <p:par>
+        <p:cTn id="1" dur="indefinite" restart="never" nodeType="tmRoot"/>
+      </p:par>
+    </p:tnLst>
+  </p:timing>
+</p:sld>
+</file>
+
+<file path=ppt/slides/slide4.xml><?xml version="1.0" encoding="utf-8"?>
+<p:sld xmlns:a="http://schemas.openxmlformats.org/drawingml/2006/main" xmlns:r="http://schemas.openxmlformats.org/officeDocument/2006/relationships" xmlns:p="http://schemas.openxmlformats.org/presentationml/2006/main">
+  <p:cSld>
+    <p:spTree>
+      <p:nvGrpSpPr>
+        <p:cNvPr id="1" name=""/>
+        <p:cNvGrpSpPr/>
+        <p:nvPr/>
+      </p:nvGrpSpPr>
+      <p:grpSpPr>
+        <a:xfrm>
+          <a:off x="0" y="0"/>
+          <a:ext cx="0" cy="0"/>
+          <a:chOff x="0" y="0"/>
+          <a:chExt cx="0" cy="0"/>
+        </a:xfrm>
+      </p:grpSpPr>
+      <p:sp>
+        <p:nvSpPr>
+          <p:cNvPr id="2" name="Title 1"/>
+          <p:cNvSpPr>
+            <a:spLocks noGrp="1"/>
+          </p:cNvSpPr>
+          <p:nvPr>
+            <p:ph type="title"/>
+          </p:nvPr>
+        </p:nvSpPr>
+        <p:spPr/>
+        <p:txBody>
+          <a:bodyPr/>
+          <a:lstStyle/>
+          <a:p>
+            <a:pPr algn="r" rtl="0"/>
+            <a:r>
+              <a:rPr lang="ar-SA" dirty="0"/>
+              <a:t>توزيع النظام</a:t>
+            </a:r>
+            <a:endParaRPr lang="ar-SA" dirty="0"/>
+          </a:p>
+        </p:txBody>
+      </p:sp>
+      <p:sp>
+        <p:nvSpPr>
+          <p:cNvPr id="3" name="Content Placeholder 2"/>
+          <p:cNvSpPr>
+            <a:spLocks noGrp="1"/>
+          </p:cNvSpPr>
+          <p:nvPr>
+            <p:ph idx="1"/>
+          </p:nvPr>
+        </p:nvSpPr>
+        <p:spPr/>
+        <p:txBody>
+          <a:bodyPr>
+            <a:normAutofit lnSpcReduction="10000"/>
+          </a:bodyPr>
+          <a:lstStyle/>
+          <a:p>
+            <a:r>
+              <a:rPr lang="ar-SA" dirty="0"/>
+              <a:t>لقياس قابلية الاستخدام العملي للنموذج، دُمج في نظام </a:t>
+            </a:r>
+            <a:r>
+              <a:rPr lang="ar-SA" dirty="0" smtClean="0"/>
+              <a:t>تعرف </a:t>
+            </a:r>
+            <a:r>
+              <a:rPr lang="ar-SA" dirty="0"/>
+              <a:t>حقيقي.</a:t>
+            </a:r>
+          </a:p>
+          <a:p>
+            <a:endParaRPr lang="ar-SA" dirty="0"/>
+          </a:p>
+          <a:p>
+            <a:r>
+              <a:rPr lang="ar-SA" dirty="0"/>
+              <a:t>استُخدم خادم </a:t>
+            </a:r>
+            <a:r>
+              <a:rPr lang="en-US" dirty="0" smtClean="0"/>
+              <a:t> Flask </a:t>
+            </a:r>
+            <a:r>
+              <a:rPr lang="ar-SA" dirty="0"/>
+              <a:t>لاستضافة النموذج وقبول مدخلات الصور من تطبيق جوال قائم </a:t>
+            </a:r>
+            <a:r>
+              <a:rPr lang="ar-SA" dirty="0" smtClean="0"/>
+              <a:t>على </a:t>
+            </a:r>
+            <a:r>
+              <a:rPr lang="en-US" dirty="0" smtClean="0"/>
+              <a:t>Flutter</a:t>
+            </a:r>
+            <a:r>
+              <a:rPr lang="ar-SA" dirty="0" smtClean="0"/>
+              <a:t>.</a:t>
+            </a:r>
+          </a:p>
+          <a:p>
+            <a:pPr marL="0" indent="0">
+              <a:buNone/>
+            </a:pPr>
+            <a:endParaRPr lang="en-US" dirty="0"/>
+          </a:p>
+          <a:p>
+            <a:r>
+              <a:rPr lang="ar-SA" dirty="0"/>
+              <a:t>التقط التطبيق صورًا </a:t>
+            </a:r>
+            <a:r>
+              <a:rPr lang="ar-SA" dirty="0" smtClean="0"/>
+              <a:t>لإشارات </a:t>
+            </a:r>
+            <a:r>
+              <a:rPr lang="ar-SA" dirty="0"/>
+              <a:t>اليد عبر كاميرا الهاتف، وأرسلها إلى الواجهة الخلفية للتنبؤ بها.</a:t>
+            </a:r>
+          </a:p>
+          <a:p>
+            <a:endParaRPr lang="ar-SA" dirty="0"/>
+          </a:p>
+          <a:p>
+            <a:r>
+              <a:rPr lang="ar-SA" dirty="0"/>
+              <a:t>يُعالج الخادم الصور مسبقًا قبل التنبؤ بها لجعلها متوافقة مع النموذج.</a:t>
+            </a:r>
+          </a:p>
+          <a:p>
+            <a:endParaRPr lang="ar-SA" dirty="0"/>
+          </a:p>
+          <a:p>
+            <a:r>
+              <a:rPr lang="ar-SA" dirty="0"/>
+              <a:t>يُعرض الحرف المتوقع في واجهة المستخدم.</a:t>
+            </a:r>
+            <a:endParaRPr lang="ar-SA" dirty="0"/>
+          </a:p>
+        </p:txBody>
+      </p:sp>
+    </p:spTree>
+    <p:extLst>
+      <p:ext uri="{BB962C8B-B14F-4D97-AF65-F5344CB8AC3E}">
+        <p14:creationId xmlns:p14="http://schemas.microsoft.com/office/powerpoint/2010/main" val="524705528"/>
+      </p:ext>
+    </p:extLst>
+  </p:cSld>
+  <p:clrMapOvr>
+    <a:masterClrMapping/>
+  </p:clrMapOvr>
+  <p:timing>
+    <p:tnLst>
+      <p:par>
+        <p:cTn id="1" dur="indefinite" restart="never" nodeType="tmRoot"/>
+      </p:par>
+    </p:tnLst>
+  </p:timing>
+</p:sld>
+</file>
+
+<file path=ppt/slides/slide5.xml><?xml version="1.0" encoding="utf-8"?>
+<p:sld xmlns:a="http://schemas.openxmlformats.org/drawingml/2006/main" xmlns:r="http://schemas.openxmlformats.org/officeDocument/2006/relationships" xmlns:p="http://schemas.openxmlformats.org/presentationml/2006/main">
+  <p:cSld>
+    <p:spTree>
+      <p:nvGrpSpPr>
+        <p:cNvPr id="1" name=""/>
+        <p:cNvGrpSpPr/>
+        <p:nvPr/>
+      </p:nvGrpSpPr>
+      <p:grpSpPr>
+        <a:xfrm>
+          <a:off x="0" y="0"/>
+          <a:ext cx="0" cy="0"/>
+          <a:chOff x="0" y="0"/>
+          <a:chExt cx="0" cy="0"/>
+        </a:xfrm>
+      </p:grpSpPr>
+      <p:sp>
+        <p:nvSpPr>
+          <p:cNvPr id="2" name="Title 1"/>
+          <p:cNvSpPr>
+            <a:spLocks noGrp="1"/>
+          </p:cNvSpPr>
+          <p:nvPr>
+            <p:ph type="title"/>
+          </p:nvPr>
+        </p:nvSpPr>
+        <p:spPr/>
+        <p:txBody>
+          <a:bodyPr/>
+          <a:lstStyle/>
+          <a:p>
+            <a:pPr algn="r" rtl="0"/>
+            <a:r>
+              <a:rPr lang="ar-SA" dirty="0" smtClean="0"/>
+              <a:t>التطبيق</a:t>
             </a:r>
             <a:endParaRPr lang="ar-SA" dirty="0"/>
           </a:p>
@@ -14448,3904 +14234,6 @@
     <p:extLst>
       <p:ext uri="{BB962C8B-B14F-4D97-AF65-F5344CB8AC3E}">
         <p14:creationId xmlns:p14="http://schemas.microsoft.com/office/powerpoint/2010/main" val="3664776417"/>
-      </p:ext>
-    </p:extLst>
-  </p:cSld>
-  <p:clrMapOvr>
-    <a:masterClrMapping/>
-  </p:clrMapOvr>
-  <p:timing>
-    <p:tnLst>
-      <p:par>
-        <p:cTn id="1" dur="indefinite" restart="never" nodeType="tmRoot"/>
-      </p:par>
-    </p:tnLst>
-  </p:timing>
-</p:sld>
-</file>
-
-<file path=ppt/slides/slide2.xml><?xml version="1.0" encoding="utf-8"?>
-<p:sld xmlns:a="http://schemas.openxmlformats.org/drawingml/2006/main" xmlns:r="http://schemas.openxmlformats.org/officeDocument/2006/relationships" xmlns:p="http://schemas.openxmlformats.org/presentationml/2006/main">
-  <p:cSld>
-    <p:spTree>
-      <p:nvGrpSpPr>
-        <p:cNvPr id="1" name=""/>
-        <p:cNvGrpSpPr/>
-        <p:nvPr/>
-      </p:nvGrpSpPr>
-      <p:grpSpPr>
-        <a:xfrm>
-          <a:off x="0" y="0"/>
-          <a:ext cx="0" cy="0"/>
-          <a:chOff x="0" y="0"/>
-          <a:chExt cx="0" cy="0"/>
-        </a:xfrm>
-      </p:grpSpPr>
-      <p:sp>
-        <p:nvSpPr>
-          <p:cNvPr id="2" name="Title 1"/>
-          <p:cNvSpPr>
-            <a:spLocks noGrp="1"/>
-          </p:cNvSpPr>
-          <p:nvPr>
-            <p:ph type="title"/>
-          </p:nvPr>
-        </p:nvSpPr>
-        <p:spPr/>
-        <p:txBody>
-          <a:bodyPr/>
-          <a:lstStyle/>
-          <a:p>
-            <a:r>
-              <a:rPr lang="en-US" dirty="0" err="1" smtClean="0"/>
-              <a:t>Ama</a:t>
-            </a:r>
-            <a:r>
-              <a:rPr lang="tr-TR" dirty="0" smtClean="0"/>
-              <a:t>ç</a:t>
-            </a:r>
-            <a:endParaRPr lang="ar-SA" dirty="0"/>
-          </a:p>
-        </p:txBody>
-      </p:sp>
-      <p:sp>
-        <p:nvSpPr>
-          <p:cNvPr id="3" name="Content Placeholder 2"/>
-          <p:cNvSpPr>
-            <a:spLocks noGrp="1"/>
-          </p:cNvSpPr>
-          <p:nvPr>
-            <p:ph idx="1"/>
-          </p:nvPr>
-        </p:nvSpPr>
-        <p:spPr/>
-        <p:txBody>
-          <a:bodyPr/>
-          <a:lstStyle/>
-          <a:p>
-            <a:pPr algn="l" rtl="0">
-              <a:lnSpc>
-                <a:spcPct val="150000"/>
-              </a:lnSpc>
-            </a:pPr>
-            <a:r>
-              <a:rPr lang="en-US" dirty="0" err="1" smtClean="0"/>
-              <a:t>Kişiselleştirilmiş</a:t>
-            </a:r>
-            <a:r>
-              <a:rPr lang="en-US" dirty="0" smtClean="0"/>
-              <a:t> </a:t>
-            </a:r>
-            <a:r>
-              <a:rPr lang="en-US" dirty="0" err="1"/>
-              <a:t>bir</a:t>
-            </a:r>
-            <a:r>
-              <a:rPr lang="en-US" dirty="0"/>
-              <a:t> </a:t>
-            </a:r>
-            <a:r>
-              <a:rPr lang="en-US" dirty="0" err="1"/>
-              <a:t>veri</a:t>
-            </a:r>
-            <a:r>
-              <a:rPr lang="en-US" dirty="0"/>
-              <a:t> </a:t>
-            </a:r>
-            <a:r>
-              <a:rPr lang="en-US" dirty="0" err="1"/>
-              <a:t>kümesinin</a:t>
-            </a:r>
-            <a:r>
-              <a:rPr lang="en-US" dirty="0"/>
-              <a:t> </a:t>
-            </a:r>
-            <a:r>
-              <a:rPr lang="en-US" dirty="0" err="1"/>
-              <a:t>oluşturulması</a:t>
-            </a:r>
-            <a:r>
-              <a:rPr lang="en-US" dirty="0"/>
-              <a:t>, </a:t>
-            </a:r>
-            <a:r>
-              <a:rPr lang="en-US" dirty="0" err="1"/>
-              <a:t>genelleme</a:t>
-            </a:r>
-            <a:r>
-              <a:rPr lang="en-US" dirty="0"/>
-              <a:t> </a:t>
-            </a:r>
-            <a:r>
-              <a:rPr lang="en-US" dirty="0" err="1"/>
-              <a:t>için</a:t>
-            </a:r>
-            <a:r>
-              <a:rPr lang="en-US" dirty="0"/>
-              <a:t> </a:t>
-            </a:r>
-            <a:r>
-              <a:rPr lang="en-US" dirty="0" err="1"/>
-              <a:t>artırmanın</a:t>
-            </a:r>
-            <a:r>
-              <a:rPr lang="en-US" dirty="0"/>
-              <a:t> </a:t>
-            </a:r>
-            <a:r>
-              <a:rPr lang="en-US" dirty="0" err="1"/>
-              <a:t>uygulanması</a:t>
-            </a:r>
-            <a:r>
-              <a:rPr lang="en-US" dirty="0"/>
-              <a:t> </a:t>
-            </a:r>
-            <a:r>
-              <a:rPr lang="en-US" dirty="0" err="1"/>
-              <a:t>ve</a:t>
-            </a:r>
-            <a:r>
-              <a:rPr lang="en-US" dirty="0"/>
-              <a:t> </a:t>
-            </a:r>
-            <a:r>
-              <a:rPr lang="en-US" dirty="0" err="1"/>
-              <a:t>bir</a:t>
-            </a:r>
-            <a:r>
-              <a:rPr lang="en-US" dirty="0"/>
-              <a:t> CNN </a:t>
-            </a:r>
-            <a:r>
-              <a:rPr lang="en-US" dirty="0" err="1"/>
-              <a:t>modelinin</a:t>
-            </a:r>
-            <a:r>
-              <a:rPr lang="en-US" dirty="0"/>
-              <a:t> </a:t>
-            </a:r>
-            <a:r>
-              <a:rPr lang="en-US" dirty="0" err="1"/>
-              <a:t>eğitilmesi</a:t>
-            </a:r>
-            <a:r>
-              <a:rPr lang="en-US" dirty="0"/>
-              <a:t> </a:t>
-            </a:r>
-            <a:r>
-              <a:rPr lang="en-US" dirty="0" err="1"/>
-              <a:t>yoluyla</a:t>
-            </a:r>
-            <a:r>
-              <a:rPr lang="en-US" dirty="0"/>
-              <a:t> </a:t>
-            </a:r>
-            <a:r>
-              <a:rPr lang="en-US" dirty="0" err="1"/>
-              <a:t>sağlam</a:t>
-            </a:r>
-            <a:r>
-              <a:rPr lang="en-US" dirty="0"/>
-              <a:t> </a:t>
-            </a:r>
-            <a:r>
-              <a:rPr lang="en-US" dirty="0" err="1"/>
-              <a:t>bir</a:t>
-            </a:r>
-            <a:r>
-              <a:rPr lang="en-US" dirty="0"/>
-              <a:t> TSL </a:t>
-            </a:r>
-            <a:r>
-              <a:rPr lang="en-US" dirty="0" err="1"/>
-              <a:t>alfabe</a:t>
-            </a:r>
-            <a:r>
-              <a:rPr lang="en-US" dirty="0"/>
-              <a:t> </a:t>
-            </a:r>
-            <a:r>
-              <a:rPr lang="en-US" dirty="0" err="1"/>
-              <a:t>tanıma</a:t>
-            </a:r>
-            <a:r>
-              <a:rPr lang="en-US" dirty="0"/>
-              <a:t> </a:t>
-            </a:r>
-            <a:r>
-              <a:rPr lang="en-US" dirty="0" err="1"/>
-              <a:t>sistemi</a:t>
-            </a:r>
-            <a:r>
-              <a:rPr lang="en-US" dirty="0"/>
-              <a:t> </a:t>
-            </a:r>
-            <a:r>
-              <a:rPr lang="en-US" dirty="0" err="1"/>
-              <a:t>kurmaktır</a:t>
-            </a:r>
-            <a:r>
-              <a:rPr lang="en-US" dirty="0"/>
-              <a:t>. </a:t>
-            </a:r>
-            <a:r>
-              <a:rPr lang="en-US" dirty="0" err="1"/>
-              <a:t>Daha</a:t>
-            </a:r>
-            <a:r>
-              <a:rPr lang="en-US" dirty="0"/>
-              <a:t> </a:t>
-            </a:r>
-            <a:r>
-              <a:rPr lang="en-US" dirty="0" err="1"/>
-              <a:t>sonra</a:t>
-            </a:r>
-            <a:r>
-              <a:rPr lang="en-US" dirty="0"/>
-              <a:t> </a:t>
-            </a:r>
-            <a:r>
-              <a:rPr lang="en-US" dirty="0" err="1"/>
-              <a:t>sistem</a:t>
-            </a:r>
-            <a:r>
-              <a:rPr lang="en-US" dirty="0"/>
-              <a:t>, </a:t>
-            </a:r>
-            <a:r>
-              <a:rPr lang="en-US" dirty="0" err="1"/>
-              <a:t>uygulanabilirliğini</a:t>
-            </a:r>
-            <a:r>
-              <a:rPr lang="en-US" dirty="0"/>
-              <a:t> </a:t>
-            </a:r>
-            <a:r>
-              <a:rPr lang="en-US" dirty="0" err="1"/>
-              <a:t>göstermek</a:t>
-            </a:r>
-            <a:r>
-              <a:rPr lang="en-US" dirty="0"/>
-              <a:t> </a:t>
-            </a:r>
-            <a:r>
-              <a:rPr lang="en-US" dirty="0" err="1"/>
-              <a:t>için</a:t>
-            </a:r>
-            <a:r>
-              <a:rPr lang="en-US" dirty="0"/>
-              <a:t> </a:t>
-            </a:r>
-            <a:r>
-              <a:rPr lang="en-US" dirty="0" err="1"/>
-              <a:t>bir</a:t>
-            </a:r>
-            <a:r>
-              <a:rPr lang="en-US" dirty="0"/>
-              <a:t> </a:t>
-            </a:r>
-            <a:r>
-              <a:rPr lang="en-US" dirty="0" err="1"/>
-              <a:t>mobil</a:t>
-            </a:r>
-            <a:r>
-              <a:rPr lang="en-US" dirty="0"/>
-              <a:t> </a:t>
-            </a:r>
-            <a:r>
-              <a:rPr lang="en-US" dirty="0" err="1"/>
-              <a:t>uygulamada</a:t>
-            </a:r>
-            <a:r>
-              <a:rPr lang="en-US" dirty="0"/>
-              <a:t> </a:t>
-            </a:r>
-            <a:r>
-              <a:rPr lang="en-US" dirty="0" err="1"/>
-              <a:t>uygulama</a:t>
-            </a:r>
-            <a:r>
-              <a:rPr lang="en-US" dirty="0"/>
-              <a:t> </a:t>
-            </a:r>
-            <a:r>
-              <a:rPr lang="en-US" dirty="0" err="1"/>
-              <a:t>için</a:t>
-            </a:r>
-            <a:r>
-              <a:rPr lang="en-US" dirty="0"/>
-              <a:t> </a:t>
-            </a:r>
-            <a:r>
-              <a:rPr lang="en-US" dirty="0" err="1"/>
-              <a:t>doğruluk</a:t>
-            </a:r>
-            <a:r>
-              <a:rPr lang="en-US" dirty="0"/>
-              <a:t> </a:t>
-            </a:r>
-            <a:r>
-              <a:rPr lang="en-US" dirty="0" err="1"/>
-              <a:t>testine</a:t>
-            </a:r>
-            <a:r>
-              <a:rPr lang="en-US" dirty="0"/>
-              <a:t> </a:t>
-            </a:r>
-            <a:r>
-              <a:rPr lang="en-US" dirty="0" err="1"/>
-              <a:t>tabi</a:t>
-            </a:r>
-            <a:r>
-              <a:rPr lang="en-US" dirty="0"/>
-              <a:t> </a:t>
-            </a:r>
-            <a:r>
-              <a:rPr lang="en-US" dirty="0" err="1"/>
-              <a:t>tutulur</a:t>
-            </a:r>
-            <a:r>
-              <a:rPr lang="en-US" dirty="0"/>
-              <a:t> </a:t>
-            </a:r>
-            <a:r>
-              <a:rPr lang="en-US" dirty="0" err="1"/>
-              <a:t>ve</a:t>
-            </a:r>
-            <a:r>
-              <a:rPr lang="en-US" dirty="0"/>
-              <a:t> test </a:t>
-            </a:r>
-            <a:r>
-              <a:rPr lang="en-US" dirty="0" err="1"/>
-              <a:t>edilir</a:t>
-            </a:r>
-            <a:r>
-              <a:rPr lang="en-US" dirty="0"/>
-              <a:t>.</a:t>
-            </a:r>
-            <a:endParaRPr lang="ar-SA" dirty="0"/>
-          </a:p>
-        </p:txBody>
-      </p:sp>
-    </p:spTree>
-    <p:extLst>
-      <p:ext uri="{BB962C8B-B14F-4D97-AF65-F5344CB8AC3E}">
-        <p14:creationId xmlns:p14="http://schemas.microsoft.com/office/powerpoint/2010/main" val="1159962005"/>
-      </p:ext>
-    </p:extLst>
-  </p:cSld>
-  <p:clrMapOvr>
-    <a:masterClrMapping/>
-  </p:clrMapOvr>
-  <p:timing>
-    <p:tnLst>
-      <p:par>
-        <p:cTn id="1" dur="indefinite" restart="never" nodeType="tmRoot"/>
-      </p:par>
-    </p:tnLst>
-  </p:timing>
-</p:sld>
-</file>
-
-<file path=ppt/slides/slide3.xml><?xml version="1.0" encoding="utf-8"?>
-<p:sld xmlns:a="http://schemas.openxmlformats.org/drawingml/2006/main" xmlns:r="http://schemas.openxmlformats.org/officeDocument/2006/relationships" xmlns:p="http://schemas.openxmlformats.org/presentationml/2006/main">
-  <p:cSld>
-    <p:spTree>
-      <p:nvGrpSpPr>
-        <p:cNvPr id="1" name=""/>
-        <p:cNvGrpSpPr/>
-        <p:nvPr/>
-      </p:nvGrpSpPr>
-      <p:grpSpPr>
-        <a:xfrm>
-          <a:off x="0" y="0"/>
-          <a:ext cx="0" cy="0"/>
-          <a:chOff x="0" y="0"/>
-          <a:chExt cx="0" cy="0"/>
-        </a:xfrm>
-      </p:grpSpPr>
-      <p:sp>
-        <p:nvSpPr>
-          <p:cNvPr id="2" name="Title 1"/>
-          <p:cNvSpPr>
-            <a:spLocks noGrp="1"/>
-          </p:cNvSpPr>
-          <p:nvPr>
-            <p:ph type="title"/>
-          </p:nvPr>
-        </p:nvSpPr>
-        <p:spPr/>
-        <p:txBody>
-          <a:bodyPr/>
-          <a:lstStyle/>
-          <a:p>
-            <a:r>
-              <a:rPr lang="en-US" dirty="0" err="1" smtClean="0"/>
-              <a:t>Giriş</a:t>
-            </a:r>
-            <a:r>
-              <a:rPr lang="en-US" dirty="0" smtClean="0"/>
-              <a:t> </a:t>
-            </a:r>
-            <a:endParaRPr lang="ar-SA" dirty="0"/>
-          </a:p>
-        </p:txBody>
-      </p:sp>
-      <p:sp>
-        <p:nvSpPr>
-          <p:cNvPr id="3" name="Content Placeholder 2"/>
-          <p:cNvSpPr>
-            <a:spLocks noGrp="1"/>
-          </p:cNvSpPr>
-          <p:nvPr>
-            <p:ph idx="1"/>
-          </p:nvPr>
-        </p:nvSpPr>
-        <p:spPr/>
-        <p:txBody>
-          <a:bodyPr>
-            <a:normAutofit lnSpcReduction="10000"/>
-          </a:bodyPr>
-          <a:lstStyle/>
-          <a:p>
-            <a:pPr algn="l" rtl="0">
-              <a:lnSpc>
-                <a:spcPct val="150000"/>
-              </a:lnSpc>
-            </a:pPr>
-            <a:r>
-              <a:rPr lang="en-US" dirty="0" err="1"/>
-              <a:t>Diğer</a:t>
-            </a:r>
-            <a:r>
-              <a:rPr lang="en-US" dirty="0"/>
-              <a:t> </a:t>
-            </a:r>
-            <a:r>
-              <a:rPr lang="en-US" dirty="0" err="1"/>
-              <a:t>ulusal</a:t>
-            </a:r>
-            <a:r>
-              <a:rPr lang="en-US" dirty="0"/>
-              <a:t> </a:t>
-            </a:r>
-            <a:r>
-              <a:rPr lang="en-US" dirty="0" err="1"/>
-              <a:t>işaret</a:t>
-            </a:r>
-            <a:r>
-              <a:rPr lang="en-US" dirty="0"/>
-              <a:t> </a:t>
-            </a:r>
-            <a:r>
-              <a:rPr lang="en-US" dirty="0" err="1"/>
-              <a:t>dilleri</a:t>
-            </a:r>
-            <a:r>
-              <a:rPr lang="en-US" dirty="0"/>
-              <a:t> </a:t>
-            </a:r>
-            <a:r>
-              <a:rPr lang="en-US" dirty="0" err="1"/>
-              <a:t>gibi</a:t>
-            </a:r>
-            <a:r>
-              <a:rPr lang="en-US" dirty="0"/>
-              <a:t> </a:t>
-            </a:r>
-            <a:r>
-              <a:rPr lang="en-US" dirty="0" err="1"/>
-              <a:t>Türk</a:t>
-            </a:r>
-            <a:r>
-              <a:rPr lang="en-US" dirty="0"/>
-              <a:t> </a:t>
-            </a:r>
-            <a:r>
-              <a:rPr lang="en-US" dirty="0" err="1"/>
-              <a:t>İşaret</a:t>
-            </a:r>
-            <a:r>
-              <a:rPr lang="en-US" dirty="0"/>
-              <a:t> </a:t>
-            </a:r>
-            <a:r>
-              <a:rPr lang="en-US" dirty="0" err="1"/>
-              <a:t>Dili</a:t>
-            </a:r>
-            <a:r>
-              <a:rPr lang="en-US" dirty="0"/>
-              <a:t> (TSL), </a:t>
-            </a:r>
-            <a:r>
-              <a:rPr lang="en-US" dirty="0" err="1"/>
-              <a:t>Türkiye'nin</a:t>
-            </a:r>
-            <a:r>
-              <a:rPr lang="en-US" dirty="0"/>
-              <a:t> </a:t>
-            </a:r>
-            <a:r>
-              <a:rPr lang="en-US" dirty="0" err="1"/>
-              <a:t>sağır</a:t>
-            </a:r>
-            <a:r>
-              <a:rPr lang="en-US" dirty="0"/>
-              <a:t> </a:t>
-            </a:r>
-            <a:r>
-              <a:rPr lang="en-US" dirty="0" err="1"/>
-              <a:t>ve</a:t>
-            </a:r>
-            <a:r>
-              <a:rPr lang="en-US" dirty="0"/>
-              <a:t> </a:t>
-            </a:r>
-            <a:r>
-              <a:rPr lang="en-US" dirty="0" err="1"/>
-              <a:t>işitme</a:t>
-            </a:r>
-            <a:r>
-              <a:rPr lang="en-US" dirty="0"/>
-              <a:t> </a:t>
-            </a:r>
-            <a:r>
-              <a:rPr lang="en-US" dirty="0" err="1"/>
-              <a:t>güçlüğü</a:t>
-            </a:r>
-            <a:r>
-              <a:rPr lang="en-US" dirty="0"/>
-              <a:t> </a:t>
-            </a:r>
-            <a:r>
-              <a:rPr lang="en-US" dirty="0" err="1"/>
-              <a:t>çeken</a:t>
-            </a:r>
-            <a:r>
-              <a:rPr lang="en-US" dirty="0"/>
-              <a:t> </a:t>
-            </a:r>
-            <a:r>
-              <a:rPr lang="en-US" dirty="0" err="1"/>
-              <a:t>nüfusu</a:t>
-            </a:r>
-            <a:r>
-              <a:rPr lang="en-US" dirty="0"/>
-              <a:t> </a:t>
-            </a:r>
-            <a:r>
-              <a:rPr lang="en-US" dirty="0" err="1"/>
-              <a:t>için</a:t>
-            </a:r>
-            <a:r>
-              <a:rPr lang="en-US" dirty="0"/>
-              <a:t> </a:t>
-            </a:r>
-            <a:r>
-              <a:rPr lang="en-US" dirty="0" err="1"/>
-              <a:t>temel</a:t>
-            </a:r>
-            <a:r>
-              <a:rPr lang="en-US" dirty="0"/>
-              <a:t> </a:t>
-            </a:r>
-            <a:r>
-              <a:rPr lang="en-US" dirty="0" err="1"/>
-              <a:t>bir</a:t>
-            </a:r>
-            <a:r>
-              <a:rPr lang="en-US" dirty="0"/>
-              <a:t> </a:t>
-            </a:r>
-            <a:r>
-              <a:rPr lang="en-US" dirty="0" err="1"/>
-              <a:t>iletişim</a:t>
-            </a:r>
-            <a:r>
-              <a:rPr lang="en-US" dirty="0"/>
-              <a:t> </a:t>
-            </a:r>
-            <a:r>
-              <a:rPr lang="en-US" dirty="0" err="1"/>
-              <a:t>aracıdır</a:t>
-            </a:r>
-            <a:r>
-              <a:rPr lang="en-US" dirty="0"/>
-              <a:t>. TSL, </a:t>
-            </a:r>
-            <a:r>
-              <a:rPr lang="en-US" dirty="0" err="1"/>
-              <a:t>zengin</a:t>
-            </a:r>
-            <a:r>
-              <a:rPr lang="en-US" dirty="0"/>
-              <a:t> </a:t>
-            </a:r>
-            <a:r>
-              <a:rPr lang="en-US" dirty="0" err="1"/>
-              <a:t>yapısı</a:t>
-            </a:r>
-            <a:r>
-              <a:rPr lang="en-US" dirty="0"/>
-              <a:t>, </a:t>
-            </a:r>
-            <a:r>
-              <a:rPr lang="en-US" dirty="0" err="1"/>
-              <a:t>benzersiz</a:t>
-            </a:r>
-            <a:r>
-              <a:rPr lang="en-US" dirty="0"/>
-              <a:t> </a:t>
-            </a:r>
-            <a:r>
-              <a:rPr lang="en-US" dirty="0" err="1"/>
-              <a:t>sözdizimi</a:t>
-            </a:r>
-            <a:r>
-              <a:rPr lang="en-US" dirty="0"/>
-              <a:t> </a:t>
-            </a:r>
-            <a:r>
-              <a:rPr lang="en-US" dirty="0" err="1"/>
-              <a:t>ve</a:t>
-            </a:r>
-            <a:r>
-              <a:rPr lang="en-US" dirty="0"/>
-              <a:t> </a:t>
-            </a:r>
-            <a:r>
-              <a:rPr lang="en-US" dirty="0" err="1"/>
-              <a:t>grameri</a:t>
-            </a:r>
-            <a:r>
-              <a:rPr lang="en-US" dirty="0"/>
-              <a:t> </a:t>
-            </a:r>
-            <a:r>
-              <a:rPr lang="en-US" dirty="0" err="1"/>
-              <a:t>nedeniyle</a:t>
-            </a:r>
-            <a:r>
-              <a:rPr lang="en-US" dirty="0"/>
-              <a:t> </a:t>
-            </a:r>
-            <a:r>
-              <a:rPr lang="en-US" dirty="0" err="1"/>
-              <a:t>konuşulan</a:t>
-            </a:r>
-            <a:r>
-              <a:rPr lang="en-US" dirty="0"/>
-              <a:t> </a:t>
-            </a:r>
-            <a:r>
-              <a:rPr lang="en-US" dirty="0" err="1"/>
-              <a:t>Türkçeden</a:t>
-            </a:r>
-            <a:r>
-              <a:rPr lang="en-US" dirty="0"/>
-              <a:t> </a:t>
-            </a:r>
-            <a:r>
-              <a:rPr lang="en-US" dirty="0" err="1"/>
-              <a:t>farklıdır</a:t>
-            </a:r>
-            <a:r>
-              <a:rPr lang="en-US" dirty="0"/>
-              <a:t>. </a:t>
-            </a:r>
-            <a:endParaRPr lang="en-US" dirty="0" smtClean="0"/>
-          </a:p>
-          <a:p>
-            <a:pPr algn="l" rtl="0">
-              <a:lnSpc>
-                <a:spcPct val="150000"/>
-              </a:lnSpc>
-            </a:pPr>
-            <a:r>
-              <a:rPr lang="en-US" dirty="0" err="1"/>
-              <a:t>Derin</a:t>
-            </a:r>
-            <a:r>
-              <a:rPr lang="en-US" dirty="0"/>
-              <a:t> </a:t>
-            </a:r>
-            <a:r>
-              <a:rPr lang="en-US" dirty="0" err="1"/>
-              <a:t>öğrenmedeki</a:t>
-            </a:r>
-            <a:r>
-              <a:rPr lang="en-US" dirty="0"/>
-              <a:t> </a:t>
-            </a:r>
-            <a:r>
-              <a:rPr lang="en-US" dirty="0" err="1"/>
-              <a:t>ilerlemeler</a:t>
-            </a:r>
-            <a:r>
-              <a:rPr lang="en-US" dirty="0"/>
-              <a:t>, </a:t>
-            </a:r>
-            <a:r>
-              <a:rPr lang="en-US" dirty="0" err="1"/>
-              <a:t>bilgisayarlı</a:t>
-            </a:r>
-            <a:r>
-              <a:rPr lang="en-US" dirty="0"/>
-              <a:t> </a:t>
-            </a:r>
-            <a:r>
-              <a:rPr lang="en-US" dirty="0" err="1"/>
-              <a:t>görme</a:t>
-            </a:r>
-            <a:r>
-              <a:rPr lang="en-US" dirty="0"/>
-              <a:t> </a:t>
-            </a:r>
-            <a:r>
-              <a:rPr lang="en-US" dirty="0" err="1"/>
-              <a:t>alanında</a:t>
-            </a:r>
-            <a:r>
-              <a:rPr lang="en-US" dirty="0"/>
-              <a:t> </a:t>
-            </a:r>
-            <a:r>
-              <a:rPr lang="en-US" dirty="0" err="1"/>
-              <a:t>makinelerin</a:t>
-            </a:r>
-            <a:r>
-              <a:rPr lang="en-US" dirty="0"/>
-              <a:t> </a:t>
-            </a:r>
-            <a:r>
-              <a:rPr lang="en-US" dirty="0" err="1"/>
-              <a:t>görsel</a:t>
-            </a:r>
-            <a:r>
-              <a:rPr lang="en-US" dirty="0"/>
-              <a:t> </a:t>
-            </a:r>
-            <a:r>
-              <a:rPr lang="en-US" dirty="0" err="1"/>
-              <a:t>verileri</a:t>
-            </a:r>
-            <a:r>
-              <a:rPr lang="en-US" dirty="0"/>
-              <a:t> </a:t>
-            </a:r>
-            <a:r>
-              <a:rPr lang="en-US" dirty="0" err="1"/>
-              <a:t>yüksek</a:t>
-            </a:r>
-            <a:r>
-              <a:rPr lang="en-US" dirty="0"/>
-              <a:t> </a:t>
-            </a:r>
-            <a:r>
-              <a:rPr lang="en-US" dirty="0" err="1"/>
-              <a:t>doğrulukla</a:t>
-            </a:r>
-            <a:r>
-              <a:rPr lang="en-US" dirty="0"/>
-              <a:t> </a:t>
-            </a:r>
-            <a:r>
-              <a:rPr lang="en-US" dirty="0" err="1"/>
-              <a:t>yorumlamasını</a:t>
-            </a:r>
-            <a:r>
-              <a:rPr lang="en-US" dirty="0"/>
-              <a:t> </a:t>
-            </a:r>
-            <a:r>
-              <a:rPr lang="en-US" dirty="0" err="1"/>
-              <a:t>sağlamıştır</a:t>
-            </a:r>
-            <a:r>
-              <a:rPr lang="en-US" dirty="0"/>
-              <a:t>. 1998'de </a:t>
-            </a:r>
-            <a:r>
-              <a:rPr lang="en-US" dirty="0" err="1"/>
-              <a:t>LeCun</a:t>
-            </a:r>
-            <a:r>
-              <a:rPr lang="en-US" dirty="0"/>
-              <a:t> </a:t>
-            </a:r>
-            <a:r>
-              <a:rPr lang="en-US" dirty="0" err="1"/>
-              <a:t>tarafından</a:t>
-            </a:r>
-            <a:r>
-              <a:rPr lang="en-US" dirty="0"/>
-              <a:t> </a:t>
-            </a:r>
-            <a:r>
-              <a:rPr lang="en-US" dirty="0" err="1"/>
-              <a:t>tanıtılan</a:t>
-            </a:r>
-            <a:r>
-              <a:rPr lang="en-US" dirty="0"/>
-              <a:t> </a:t>
-            </a:r>
-            <a:r>
-              <a:rPr lang="en-US" dirty="0" err="1"/>
-              <a:t>ve</a:t>
-            </a:r>
-            <a:r>
-              <a:rPr lang="en-US" dirty="0"/>
-              <a:t> 2012'de </a:t>
-            </a:r>
-            <a:r>
-              <a:rPr lang="en-US" dirty="0" err="1"/>
-              <a:t>AlexNet</a:t>
-            </a:r>
-            <a:r>
-              <a:rPr lang="en-US" dirty="0"/>
-              <a:t> </a:t>
-            </a:r>
-            <a:r>
-              <a:rPr lang="en-US" dirty="0" err="1"/>
-              <a:t>ile</a:t>
-            </a:r>
-            <a:r>
-              <a:rPr lang="en-US" dirty="0"/>
-              <a:t> </a:t>
-            </a:r>
-            <a:r>
-              <a:rPr lang="en-US" dirty="0" err="1"/>
-              <a:t>popülerleşen</a:t>
-            </a:r>
-            <a:r>
-              <a:rPr lang="en-US" dirty="0"/>
-              <a:t> </a:t>
-            </a:r>
-            <a:r>
-              <a:rPr lang="en-US" dirty="0" err="1"/>
-              <a:t>Evrişimli</a:t>
-            </a:r>
-            <a:r>
-              <a:rPr lang="en-US" dirty="0"/>
-              <a:t> </a:t>
-            </a:r>
-            <a:r>
-              <a:rPr lang="en-US" dirty="0" err="1"/>
-              <a:t>Sinir</a:t>
-            </a:r>
-            <a:r>
-              <a:rPr lang="en-US" dirty="0"/>
-              <a:t> </a:t>
-            </a:r>
-            <a:r>
-              <a:rPr lang="en-US" dirty="0" err="1"/>
-              <a:t>Ağları</a:t>
-            </a:r>
-            <a:r>
-              <a:rPr lang="en-US" dirty="0"/>
-              <a:t> (</a:t>
-            </a:r>
-            <a:r>
-              <a:rPr lang="en-US" dirty="0" err="1"/>
-              <a:t>CNN'ler</a:t>
-            </a:r>
-            <a:r>
-              <a:rPr lang="en-US" dirty="0"/>
-              <a:t>), </a:t>
-            </a:r>
-            <a:r>
-              <a:rPr lang="en-US" dirty="0" err="1"/>
-              <a:t>özellikle</a:t>
-            </a:r>
-            <a:r>
-              <a:rPr lang="en-US" dirty="0"/>
-              <a:t> el </a:t>
-            </a:r>
-            <a:r>
-              <a:rPr lang="en-US" dirty="0" err="1"/>
-              <a:t>hareketi</a:t>
-            </a:r>
-            <a:r>
-              <a:rPr lang="en-US" dirty="0"/>
-              <a:t> </a:t>
-            </a:r>
-            <a:r>
-              <a:rPr lang="en-US" dirty="0" err="1"/>
-              <a:t>tanıma</a:t>
-            </a:r>
-            <a:r>
-              <a:rPr lang="en-US" dirty="0"/>
-              <a:t> </a:t>
-            </a:r>
-            <a:r>
-              <a:rPr lang="en-US" dirty="0" err="1"/>
-              <a:t>gibi</a:t>
-            </a:r>
-            <a:r>
-              <a:rPr lang="en-US" dirty="0"/>
-              <a:t> </a:t>
-            </a:r>
-            <a:r>
-              <a:rPr lang="en-US" dirty="0" err="1"/>
-              <a:t>görüntü</a:t>
-            </a:r>
-            <a:r>
-              <a:rPr lang="en-US" dirty="0"/>
-              <a:t> </a:t>
-            </a:r>
-            <a:r>
-              <a:rPr lang="en-US" dirty="0" err="1"/>
-              <a:t>sınıflandırma</a:t>
-            </a:r>
-            <a:r>
-              <a:rPr lang="en-US" dirty="0"/>
-              <a:t> </a:t>
-            </a:r>
-            <a:r>
-              <a:rPr lang="en-US" dirty="0" err="1"/>
-              <a:t>görevlerinde</a:t>
-            </a:r>
-            <a:r>
-              <a:rPr lang="en-US" dirty="0"/>
-              <a:t> </a:t>
-            </a:r>
-            <a:r>
-              <a:rPr lang="en-US" dirty="0" err="1"/>
-              <a:t>büyük</a:t>
-            </a:r>
-            <a:r>
-              <a:rPr lang="en-US" dirty="0"/>
-              <a:t> </a:t>
-            </a:r>
-            <a:r>
-              <a:rPr lang="en-US" dirty="0" err="1"/>
-              <a:t>başarı</a:t>
-            </a:r>
-            <a:r>
-              <a:rPr lang="en-US" dirty="0"/>
-              <a:t> </a:t>
-            </a:r>
-            <a:r>
-              <a:rPr lang="en-US" dirty="0" err="1"/>
-              <a:t>elde</a:t>
-            </a:r>
-            <a:r>
-              <a:rPr lang="en-US" dirty="0"/>
-              <a:t> </a:t>
-            </a:r>
-            <a:r>
-              <a:rPr lang="en-US" dirty="0" err="1"/>
-              <a:t>etmiştir</a:t>
-            </a:r>
-            <a:endParaRPr lang="en-US" dirty="0" smtClean="0"/>
-          </a:p>
-          <a:p>
-            <a:pPr algn="l" rtl="0"/>
-            <a:endParaRPr lang="ar-SA" dirty="0"/>
-          </a:p>
-        </p:txBody>
-      </p:sp>
-    </p:spTree>
-    <p:extLst>
-      <p:ext uri="{BB962C8B-B14F-4D97-AF65-F5344CB8AC3E}">
-        <p14:creationId xmlns:p14="http://schemas.microsoft.com/office/powerpoint/2010/main" val="3540906054"/>
-      </p:ext>
-    </p:extLst>
-  </p:cSld>
-  <p:clrMapOvr>
-    <a:masterClrMapping/>
-  </p:clrMapOvr>
-  <p:timing>
-    <p:tnLst>
-      <p:par>
-        <p:cTn id="1" dur="indefinite" restart="never" nodeType="tmRoot"/>
-      </p:par>
-    </p:tnLst>
-  </p:timing>
-</p:sld>
-</file>
-
-<file path=ppt/slides/slide4.xml><?xml version="1.0" encoding="utf-8"?>
-<p:sld xmlns:a="http://schemas.openxmlformats.org/drawingml/2006/main" xmlns:r="http://schemas.openxmlformats.org/officeDocument/2006/relationships" xmlns:p="http://schemas.openxmlformats.org/presentationml/2006/main">
-  <p:cSld>
-    <p:spTree>
-      <p:nvGrpSpPr>
-        <p:cNvPr id="1" name=""/>
-        <p:cNvGrpSpPr/>
-        <p:nvPr/>
-      </p:nvGrpSpPr>
-      <p:grpSpPr>
-        <a:xfrm>
-          <a:off x="0" y="0"/>
-          <a:ext cx="0" cy="0"/>
-          <a:chOff x="0" y="0"/>
-          <a:chExt cx="0" cy="0"/>
-        </a:xfrm>
-      </p:grpSpPr>
-      <p:sp>
-        <p:nvSpPr>
-          <p:cNvPr id="2" name="Title 1"/>
-          <p:cNvSpPr>
-            <a:spLocks noGrp="1"/>
-          </p:cNvSpPr>
-          <p:nvPr>
-            <p:ph type="title"/>
-          </p:nvPr>
-        </p:nvSpPr>
-        <p:spPr/>
-        <p:txBody>
-          <a:bodyPr/>
-          <a:lstStyle/>
-          <a:p>
-            <a:r>
-              <a:rPr lang="en-US" dirty="0" err="1" smtClean="0"/>
-              <a:t>Giriş</a:t>
-            </a:r>
-            <a:r>
-              <a:rPr lang="en-US" dirty="0" smtClean="0"/>
-              <a:t> </a:t>
-            </a:r>
-            <a:endParaRPr lang="ar-SA" dirty="0"/>
-          </a:p>
-        </p:txBody>
-      </p:sp>
-      <p:sp>
-        <p:nvSpPr>
-          <p:cNvPr id="3" name="Content Placeholder 2"/>
-          <p:cNvSpPr>
-            <a:spLocks noGrp="1"/>
-          </p:cNvSpPr>
-          <p:nvPr>
-            <p:ph idx="1"/>
-          </p:nvPr>
-        </p:nvSpPr>
-        <p:spPr/>
-        <p:txBody>
-          <a:bodyPr>
-            <a:normAutofit/>
-          </a:bodyPr>
-          <a:lstStyle/>
-          <a:p>
-            <a:pPr algn="l" rtl="0">
-              <a:lnSpc>
-                <a:spcPct val="150000"/>
-              </a:lnSpc>
-            </a:pPr>
-            <a:r>
-              <a:rPr lang="en-US" dirty="0" err="1"/>
-              <a:t>Birkaç</a:t>
-            </a:r>
-            <a:r>
-              <a:rPr lang="en-US" dirty="0"/>
-              <a:t> </a:t>
-            </a:r>
-            <a:r>
-              <a:rPr lang="en-US" dirty="0" err="1"/>
-              <a:t>çalışma</a:t>
-            </a:r>
-            <a:r>
-              <a:rPr lang="en-US" dirty="0"/>
-              <a:t>, </a:t>
-            </a:r>
-            <a:r>
-              <a:rPr lang="en-US" dirty="0" err="1"/>
-              <a:t>işaret</a:t>
-            </a:r>
-            <a:r>
-              <a:rPr lang="en-US" dirty="0"/>
-              <a:t> </a:t>
-            </a:r>
-            <a:r>
-              <a:rPr lang="en-US" dirty="0" err="1"/>
-              <a:t>dili</a:t>
-            </a:r>
-            <a:r>
-              <a:rPr lang="en-US" dirty="0"/>
-              <a:t> </a:t>
-            </a:r>
-            <a:r>
-              <a:rPr lang="en-US" dirty="0" err="1"/>
-              <a:t>tanımada</a:t>
-            </a:r>
-            <a:r>
-              <a:rPr lang="en-US" dirty="0"/>
-              <a:t> </a:t>
-            </a:r>
-            <a:r>
-              <a:rPr lang="en-US" dirty="0" err="1"/>
-              <a:t>CNN'lerin</a:t>
-            </a:r>
-            <a:r>
-              <a:rPr lang="en-US" dirty="0"/>
-              <a:t> </a:t>
-            </a:r>
-            <a:r>
-              <a:rPr lang="en-US" dirty="0" err="1"/>
-              <a:t>kullanımını</a:t>
-            </a:r>
-            <a:r>
-              <a:rPr lang="en-US" dirty="0"/>
-              <a:t> </a:t>
-            </a:r>
-            <a:r>
-              <a:rPr lang="en-US" dirty="0" err="1"/>
-              <a:t>incelemiş</a:t>
-            </a:r>
-            <a:r>
-              <a:rPr lang="en-US" dirty="0"/>
-              <a:t> </a:t>
-            </a:r>
-            <a:r>
-              <a:rPr lang="en-US" dirty="0" err="1"/>
-              <a:t>olsa</a:t>
-            </a:r>
-            <a:r>
-              <a:rPr lang="en-US" dirty="0"/>
-              <a:t> da (</a:t>
-            </a:r>
-            <a:r>
-              <a:rPr lang="en-US" dirty="0" err="1"/>
-              <a:t>özellikle</a:t>
-            </a:r>
-            <a:r>
-              <a:rPr lang="en-US" dirty="0"/>
-              <a:t> </a:t>
-            </a:r>
-            <a:r>
-              <a:rPr lang="en-US" dirty="0" err="1"/>
-              <a:t>Amerikan</a:t>
-            </a:r>
-            <a:r>
-              <a:rPr lang="en-US" dirty="0"/>
-              <a:t> </a:t>
-            </a:r>
-            <a:r>
-              <a:rPr lang="en-US" dirty="0" err="1"/>
-              <a:t>İşaret</a:t>
-            </a:r>
-            <a:r>
-              <a:rPr lang="en-US" dirty="0"/>
-              <a:t> </a:t>
-            </a:r>
-            <a:r>
-              <a:rPr lang="en-US" dirty="0" err="1"/>
-              <a:t>Dili</a:t>
-            </a:r>
-            <a:r>
-              <a:rPr lang="en-US" dirty="0"/>
-              <a:t> (ASL) </a:t>
-            </a:r>
-            <a:r>
-              <a:rPr lang="en-US" dirty="0" err="1"/>
-              <a:t>için</a:t>
-            </a:r>
-            <a:r>
-              <a:rPr lang="en-US" dirty="0"/>
-              <a:t>), </a:t>
-            </a:r>
-            <a:r>
-              <a:rPr lang="en-US" dirty="0" err="1"/>
-              <a:t>Türk</a:t>
-            </a:r>
-            <a:r>
-              <a:rPr lang="en-US" dirty="0"/>
-              <a:t> </a:t>
-            </a:r>
-            <a:r>
-              <a:rPr lang="en-US" dirty="0" err="1"/>
-              <a:t>İşaret</a:t>
-            </a:r>
-            <a:r>
-              <a:rPr lang="en-US" dirty="0"/>
-              <a:t> </a:t>
-            </a:r>
-            <a:r>
-              <a:rPr lang="en-US" dirty="0" err="1"/>
-              <a:t>Dili</a:t>
-            </a:r>
-            <a:r>
-              <a:rPr lang="en-US" dirty="0"/>
-              <a:t> </a:t>
-            </a:r>
-            <a:r>
-              <a:rPr lang="en-US" dirty="0" err="1"/>
-              <a:t>hakkında</a:t>
-            </a:r>
-            <a:r>
-              <a:rPr lang="en-US" dirty="0"/>
-              <a:t> </a:t>
-            </a:r>
-            <a:r>
-              <a:rPr lang="en-US" dirty="0" err="1"/>
-              <a:t>çok</a:t>
-            </a:r>
-            <a:r>
-              <a:rPr lang="en-US" dirty="0"/>
-              <a:t> </a:t>
-            </a:r>
-            <a:r>
-              <a:rPr lang="en-US" dirty="0" err="1"/>
-              <a:t>az</a:t>
-            </a:r>
-            <a:r>
-              <a:rPr lang="en-US" dirty="0"/>
-              <a:t> </a:t>
-            </a:r>
-            <a:r>
-              <a:rPr lang="en-US" dirty="0" err="1"/>
-              <a:t>araştırma</a:t>
-            </a:r>
-            <a:r>
-              <a:rPr lang="en-US" dirty="0"/>
-              <a:t> </a:t>
-            </a:r>
-            <a:r>
-              <a:rPr lang="en-US" dirty="0" err="1"/>
-              <a:t>ve</a:t>
-            </a:r>
-            <a:r>
-              <a:rPr lang="en-US" dirty="0"/>
-              <a:t> </a:t>
-            </a:r>
-            <a:r>
-              <a:rPr lang="en-US" dirty="0" err="1"/>
-              <a:t>yaygın</a:t>
-            </a:r>
-            <a:r>
-              <a:rPr lang="en-US" dirty="0"/>
-              <a:t> </a:t>
-            </a:r>
-            <a:r>
-              <a:rPr lang="en-US" dirty="0" err="1"/>
-              <a:t>olarak</a:t>
-            </a:r>
-            <a:r>
-              <a:rPr lang="en-US" dirty="0"/>
-              <a:t> </a:t>
-            </a:r>
-            <a:r>
-              <a:rPr lang="en-US" dirty="0" err="1"/>
-              <a:t>erişilebilen</a:t>
-            </a:r>
-            <a:r>
-              <a:rPr lang="en-US" dirty="0"/>
-              <a:t> </a:t>
-            </a:r>
-            <a:r>
-              <a:rPr lang="en-US" dirty="0" err="1"/>
-              <a:t>veri</a:t>
-            </a:r>
-            <a:r>
-              <a:rPr lang="en-US" dirty="0"/>
-              <a:t> </a:t>
-            </a:r>
-            <a:r>
-              <a:rPr lang="en-US" dirty="0" err="1"/>
-              <a:t>kümeleri</a:t>
-            </a:r>
-            <a:r>
-              <a:rPr lang="en-US" dirty="0"/>
-              <a:t> </a:t>
-            </a:r>
-            <a:r>
-              <a:rPr lang="en-US" dirty="0" err="1"/>
-              <a:t>bulunmaktadır</a:t>
-            </a:r>
-            <a:r>
-              <a:rPr lang="en-US" dirty="0" smtClean="0"/>
-              <a:t>.</a:t>
-            </a:r>
-          </a:p>
-          <a:p>
-            <a:pPr algn="l" rtl="0">
-              <a:lnSpc>
-                <a:spcPct val="150000"/>
-              </a:lnSpc>
-            </a:pPr>
-            <a:r>
-              <a:rPr lang="en-US" dirty="0" smtClean="0"/>
-              <a:t>Bu </a:t>
-            </a:r>
-            <a:r>
-              <a:rPr lang="en-US" dirty="0" err="1" smtClean="0"/>
-              <a:t>proje</a:t>
-            </a:r>
-            <a:r>
-              <a:rPr lang="en-US" dirty="0"/>
-              <a:t>, CNN </a:t>
-            </a:r>
-            <a:r>
-              <a:rPr lang="en-US" dirty="0" err="1"/>
-              <a:t>tabanlı</a:t>
-            </a:r>
-            <a:r>
-              <a:rPr lang="en-US" dirty="0"/>
-              <a:t> </a:t>
-            </a:r>
-            <a:r>
-              <a:rPr lang="en-US" dirty="0" err="1"/>
-              <a:t>derin</a:t>
-            </a:r>
-            <a:r>
-              <a:rPr lang="en-US" dirty="0"/>
-              <a:t> </a:t>
-            </a:r>
-            <a:r>
-              <a:rPr lang="en-US" dirty="0" err="1"/>
-              <a:t>öğrenmeye</a:t>
-            </a:r>
-            <a:r>
-              <a:rPr lang="en-US" dirty="0"/>
-              <a:t> </a:t>
-            </a:r>
-            <a:r>
-              <a:rPr lang="en-US" dirty="0" err="1"/>
-              <a:t>dayalı</a:t>
-            </a:r>
-            <a:r>
-              <a:rPr lang="en-US" dirty="0"/>
-              <a:t> </a:t>
-            </a:r>
-            <a:r>
-              <a:rPr lang="en-US" dirty="0" err="1"/>
-              <a:t>statik</a:t>
-            </a:r>
-            <a:r>
-              <a:rPr lang="en-US" dirty="0"/>
-              <a:t> </a:t>
-            </a:r>
-            <a:r>
-              <a:rPr lang="en-US" dirty="0" err="1"/>
-              <a:t>bir</a:t>
-            </a:r>
-            <a:r>
-              <a:rPr lang="en-US" dirty="0"/>
-              <a:t> TSL </a:t>
-            </a:r>
-            <a:r>
-              <a:rPr lang="en-US" dirty="0" err="1"/>
-              <a:t>alfabe</a:t>
-            </a:r>
-            <a:r>
-              <a:rPr lang="en-US" dirty="0"/>
-              <a:t> </a:t>
-            </a:r>
-            <a:r>
-              <a:rPr lang="en-US" dirty="0" err="1"/>
-              <a:t>işareti</a:t>
-            </a:r>
-            <a:r>
-              <a:rPr lang="en-US" dirty="0"/>
-              <a:t> </a:t>
-            </a:r>
-            <a:r>
-              <a:rPr lang="en-US" dirty="0" err="1"/>
-              <a:t>algılama</a:t>
-            </a:r>
-            <a:r>
-              <a:rPr lang="en-US" dirty="0"/>
-              <a:t> </a:t>
-            </a:r>
-            <a:r>
-              <a:rPr lang="en-US" dirty="0" err="1"/>
-              <a:t>sistemi</a:t>
-            </a:r>
-            <a:r>
-              <a:rPr lang="en-US" dirty="0"/>
-              <a:t> </a:t>
-            </a:r>
-            <a:r>
-              <a:rPr lang="en-US" dirty="0" err="1"/>
-              <a:t>oluşturmaya</a:t>
-            </a:r>
-            <a:r>
-              <a:rPr lang="en-US" dirty="0"/>
-              <a:t> </a:t>
-            </a:r>
-            <a:r>
-              <a:rPr lang="en-US" dirty="0" err="1"/>
-              <a:t>odaklanmaktadır</a:t>
-            </a:r>
-            <a:r>
-              <a:rPr lang="en-US" dirty="0"/>
-              <a:t>. </a:t>
-            </a:r>
-            <a:endParaRPr lang="ar-SA" dirty="0"/>
-          </a:p>
-        </p:txBody>
-      </p:sp>
-    </p:spTree>
-    <p:extLst>
-      <p:ext uri="{BB962C8B-B14F-4D97-AF65-F5344CB8AC3E}">
-        <p14:creationId xmlns:p14="http://schemas.microsoft.com/office/powerpoint/2010/main" val="1328124933"/>
-      </p:ext>
-    </p:extLst>
-  </p:cSld>
-  <p:clrMapOvr>
-    <a:masterClrMapping/>
-  </p:clrMapOvr>
-  <p:timing>
-    <p:tnLst>
-      <p:par>
-        <p:cTn id="1" dur="indefinite" restart="never" nodeType="tmRoot"/>
-      </p:par>
-    </p:tnLst>
-  </p:timing>
-</p:sld>
-</file>
-
-<file path=ppt/slides/slide5.xml><?xml version="1.0" encoding="utf-8"?>
-<p:sld xmlns:a="http://schemas.openxmlformats.org/drawingml/2006/main" xmlns:r="http://schemas.openxmlformats.org/officeDocument/2006/relationships" xmlns:p="http://schemas.openxmlformats.org/presentationml/2006/main">
-  <p:cSld>
-    <p:spTree>
-      <p:nvGrpSpPr>
-        <p:cNvPr id="1" name=""/>
-        <p:cNvGrpSpPr/>
-        <p:nvPr/>
-      </p:nvGrpSpPr>
-      <p:grpSpPr>
-        <a:xfrm>
-          <a:off x="0" y="0"/>
-          <a:ext cx="0" cy="0"/>
-          <a:chOff x="0" y="0"/>
-          <a:chExt cx="0" cy="0"/>
-        </a:xfrm>
-      </p:grpSpPr>
-      <p:sp>
-        <p:nvSpPr>
-          <p:cNvPr id="2" name="Title 1"/>
-          <p:cNvSpPr>
-            <a:spLocks noGrp="1"/>
-          </p:cNvSpPr>
-          <p:nvPr>
-            <p:ph type="title"/>
-          </p:nvPr>
-        </p:nvSpPr>
-        <p:spPr/>
-        <p:txBody>
-          <a:bodyPr/>
-          <a:lstStyle/>
-          <a:p>
-            <a:r>
-              <a:rPr lang="en-US" dirty="0" err="1"/>
-              <a:t>Veri</a:t>
-            </a:r>
-            <a:r>
-              <a:rPr lang="en-US" dirty="0"/>
-              <a:t> </a:t>
-            </a:r>
-            <a:r>
-              <a:rPr lang="en-US" dirty="0" err="1"/>
-              <a:t>Seti</a:t>
-            </a:r>
-            <a:endParaRPr lang="ar-SA" dirty="0"/>
-          </a:p>
-        </p:txBody>
-      </p:sp>
-      <p:sp>
-        <p:nvSpPr>
-          <p:cNvPr id="3" name="Content Placeholder 2"/>
-          <p:cNvSpPr>
-            <a:spLocks noGrp="1"/>
-          </p:cNvSpPr>
-          <p:nvPr>
-            <p:ph idx="1"/>
-          </p:nvPr>
-        </p:nvSpPr>
-        <p:spPr>
-          <a:xfrm>
-            <a:off x="1154954" y="2603500"/>
-            <a:ext cx="7681397" cy="4028036"/>
-          </a:xfrm>
-        </p:spPr>
-        <p:txBody>
-          <a:bodyPr>
-            <a:normAutofit/>
-          </a:bodyPr>
-          <a:lstStyle/>
-          <a:p>
-            <a:pPr algn="l" rtl="0"/>
-            <a:r>
-              <a:rPr lang="en-US" dirty="0" err="1"/>
-              <a:t>Türkçe</a:t>
-            </a:r>
-            <a:r>
-              <a:rPr lang="en-US" dirty="0"/>
-              <a:t> </a:t>
-            </a:r>
-            <a:r>
-              <a:rPr lang="en-US" dirty="0" err="1"/>
-              <a:t>alfabe</a:t>
-            </a:r>
-            <a:r>
-              <a:rPr lang="en-US" dirty="0"/>
-              <a:t> </a:t>
-            </a:r>
-            <a:r>
-              <a:rPr lang="en-US" dirty="0" err="1"/>
-              <a:t>için</a:t>
-            </a:r>
-            <a:r>
-              <a:rPr lang="en-US" dirty="0"/>
-              <a:t> el </a:t>
-            </a:r>
-            <a:r>
-              <a:rPr lang="en-US" dirty="0" err="1"/>
-              <a:t>hareketlerinin</a:t>
-            </a:r>
-            <a:r>
-              <a:rPr lang="en-US" dirty="0"/>
-              <a:t> </a:t>
-            </a:r>
-            <a:r>
-              <a:rPr lang="en-US" dirty="0" err="1"/>
-              <a:t>fotoğraflanmasıyla</a:t>
-            </a:r>
-            <a:r>
-              <a:rPr lang="en-US" dirty="0"/>
-              <a:t> </a:t>
-            </a:r>
-            <a:r>
-              <a:rPr lang="en-US" dirty="0" err="1"/>
-              <a:t>kişisel</a:t>
-            </a:r>
-            <a:r>
-              <a:rPr lang="en-US" dirty="0"/>
-              <a:t> </a:t>
-            </a:r>
-            <a:r>
-              <a:rPr lang="en-US" dirty="0" err="1"/>
-              <a:t>bir</a:t>
-            </a:r>
-            <a:r>
-              <a:rPr lang="en-US" dirty="0"/>
-              <a:t> </a:t>
-            </a:r>
-            <a:r>
-              <a:rPr lang="en-US" dirty="0" err="1"/>
-              <a:t>veri</a:t>
-            </a:r>
-            <a:r>
-              <a:rPr lang="en-US" dirty="0"/>
-              <a:t> </a:t>
-            </a:r>
-            <a:r>
-              <a:rPr lang="en-US" dirty="0" err="1"/>
-              <a:t>seti</a:t>
-            </a:r>
-            <a:r>
-              <a:rPr lang="en-US" dirty="0"/>
-              <a:t> </a:t>
-            </a:r>
-            <a:r>
-              <a:rPr lang="en-US" dirty="0" err="1"/>
-              <a:t>oluşturuldu</a:t>
-            </a:r>
-            <a:r>
-              <a:rPr lang="en-US" dirty="0"/>
-              <a:t>. </a:t>
-            </a:r>
-            <a:endParaRPr lang="en-US" dirty="0" smtClean="0"/>
-          </a:p>
-          <a:p>
-            <a:pPr algn="l" rtl="0"/>
-            <a:r>
-              <a:rPr lang="en-US" dirty="0" err="1"/>
-              <a:t>Görüntü</a:t>
-            </a:r>
-            <a:r>
-              <a:rPr lang="en-US" dirty="0"/>
-              <a:t> </a:t>
-            </a:r>
-            <a:r>
-              <a:rPr lang="en-US" dirty="0" err="1"/>
-              <a:t>toplama</a:t>
-            </a:r>
-            <a:r>
-              <a:rPr lang="en-US" dirty="0"/>
-              <a:t> </a:t>
-            </a:r>
-            <a:r>
-              <a:rPr lang="en-US" dirty="0" err="1"/>
-              <a:t>süreci</a:t>
-            </a:r>
-            <a:r>
-              <a:rPr lang="en-US" dirty="0"/>
-              <a:t>, </a:t>
-            </a:r>
-            <a:r>
-              <a:rPr lang="en-US" dirty="0" err="1"/>
-              <a:t>arka</a:t>
-            </a:r>
-            <a:r>
-              <a:rPr lang="en-US" dirty="0"/>
-              <a:t> plan </a:t>
-            </a:r>
-            <a:r>
-              <a:rPr lang="en-US" dirty="0" err="1"/>
-              <a:t>gürültüsünü</a:t>
-            </a:r>
-            <a:r>
-              <a:rPr lang="en-US" dirty="0"/>
-              <a:t> </a:t>
-            </a:r>
-            <a:r>
-              <a:rPr lang="en-US" dirty="0" err="1"/>
-              <a:t>önlemek</a:t>
-            </a:r>
-            <a:r>
-              <a:rPr lang="en-US" dirty="0"/>
-              <a:t> </a:t>
-            </a:r>
-            <a:r>
-              <a:rPr lang="en-US" dirty="0" err="1"/>
-              <a:t>için</a:t>
-            </a:r>
-            <a:r>
-              <a:rPr lang="en-US" dirty="0"/>
-              <a:t> </a:t>
-            </a:r>
-            <a:r>
-              <a:rPr lang="en-US" dirty="0" err="1"/>
-              <a:t>kontrollü</a:t>
-            </a:r>
-            <a:r>
-              <a:rPr lang="en-US" dirty="0"/>
-              <a:t> </a:t>
-            </a:r>
-            <a:r>
-              <a:rPr lang="en-US" dirty="0" err="1"/>
-              <a:t>ışık</a:t>
-            </a:r>
-            <a:r>
-              <a:rPr lang="en-US" dirty="0"/>
-              <a:t> </a:t>
-            </a:r>
-            <a:r>
-              <a:rPr lang="en-US" dirty="0" err="1"/>
-              <a:t>ortamında</a:t>
-            </a:r>
-            <a:r>
-              <a:rPr lang="en-US" dirty="0"/>
-              <a:t> </a:t>
-            </a:r>
-            <a:r>
-              <a:rPr lang="en-US" dirty="0" err="1"/>
-              <a:t>bir</a:t>
-            </a:r>
-            <a:r>
-              <a:rPr lang="en-US" dirty="0"/>
-              <a:t> web </a:t>
-            </a:r>
-            <a:r>
-              <a:rPr lang="en-US" dirty="0" err="1"/>
-              <a:t>kamerası</a:t>
-            </a:r>
-            <a:r>
-              <a:rPr lang="en-US" dirty="0"/>
-              <a:t> </a:t>
-            </a:r>
-            <a:r>
-              <a:rPr lang="en-US" dirty="0" err="1"/>
-              <a:t>kullanılarak</a:t>
-            </a:r>
-            <a:r>
-              <a:rPr lang="en-US" dirty="0"/>
-              <a:t> </a:t>
-            </a:r>
-            <a:r>
-              <a:rPr lang="en-US" dirty="0" err="1"/>
-              <a:t>gerçekleştirildi</a:t>
-            </a:r>
-            <a:r>
-              <a:rPr lang="en-US" dirty="0"/>
-              <a:t>. </a:t>
-            </a:r>
-            <a:endParaRPr lang="en-US" dirty="0" smtClean="0"/>
-          </a:p>
-          <a:p>
-            <a:pPr algn="l" rtl="0"/>
-            <a:r>
-              <a:rPr lang="en-US" dirty="0" err="1"/>
-              <a:t>CVZone'un</a:t>
-            </a:r>
-            <a:r>
-              <a:rPr lang="en-US" dirty="0"/>
-              <a:t> el </a:t>
-            </a:r>
-            <a:r>
-              <a:rPr lang="en-US" dirty="0" err="1"/>
-              <a:t>algılama</a:t>
-            </a:r>
-            <a:r>
-              <a:rPr lang="en-US" dirty="0"/>
-              <a:t> </a:t>
-            </a:r>
-            <a:r>
-              <a:rPr lang="en-US" dirty="0" err="1"/>
-              <a:t>modülü</a:t>
-            </a:r>
-            <a:r>
-              <a:rPr lang="en-US" dirty="0"/>
-              <a:t>, her </a:t>
-            </a:r>
-            <a:r>
-              <a:rPr lang="en-US" dirty="0" err="1"/>
-              <a:t>kareden</a:t>
-            </a:r>
-            <a:r>
-              <a:rPr lang="en-US" dirty="0"/>
-              <a:t> </a:t>
-            </a:r>
-            <a:r>
-              <a:rPr lang="en-US" dirty="0" err="1"/>
-              <a:t>elin</a:t>
-            </a:r>
-            <a:r>
-              <a:rPr lang="en-US" dirty="0"/>
-              <a:t> </a:t>
-            </a:r>
-            <a:r>
-              <a:rPr lang="en-US" dirty="0" err="1"/>
-              <a:t>ilgi</a:t>
-            </a:r>
-            <a:r>
-              <a:rPr lang="en-US" dirty="0"/>
-              <a:t> </a:t>
-            </a:r>
-            <a:r>
-              <a:rPr lang="en-US" dirty="0" err="1"/>
-              <a:t>alanını</a:t>
-            </a:r>
-            <a:r>
-              <a:rPr lang="en-US" dirty="0"/>
-              <a:t> </a:t>
-            </a:r>
-            <a:r>
-              <a:rPr lang="en-US" dirty="0" err="1"/>
-              <a:t>kırpmak</a:t>
-            </a:r>
-            <a:r>
-              <a:rPr lang="en-US" dirty="0"/>
-              <a:t> </a:t>
-            </a:r>
-            <a:r>
-              <a:rPr lang="en-US" dirty="0" err="1"/>
-              <a:t>ve</a:t>
-            </a:r>
-            <a:r>
-              <a:rPr lang="en-US" dirty="0"/>
-              <a:t> </a:t>
-            </a:r>
-            <a:r>
-              <a:rPr lang="en-US" dirty="0" err="1"/>
-              <a:t>çıkarmak</a:t>
-            </a:r>
-            <a:r>
-              <a:rPr lang="en-US" dirty="0"/>
-              <a:t> </a:t>
-            </a:r>
-            <a:r>
-              <a:rPr lang="en-US" dirty="0" err="1"/>
-              <a:t>için</a:t>
-            </a:r>
-            <a:r>
-              <a:rPr lang="en-US" dirty="0"/>
-              <a:t> </a:t>
-            </a:r>
-            <a:r>
-              <a:rPr lang="en-US" dirty="0" err="1"/>
-              <a:t>kullanıldı</a:t>
-            </a:r>
-            <a:r>
-              <a:rPr lang="en-US" dirty="0"/>
-              <a:t> </a:t>
-            </a:r>
-            <a:endParaRPr lang="en-US" dirty="0" smtClean="0"/>
-          </a:p>
-          <a:p>
-            <a:pPr algn="l" rtl="0"/>
-            <a:r>
-              <a:rPr lang="en-US" dirty="0" err="1" smtClean="0"/>
-              <a:t>Daha</a:t>
-            </a:r>
-            <a:r>
-              <a:rPr lang="en-US" dirty="0" smtClean="0"/>
-              <a:t> </a:t>
-            </a:r>
-            <a:r>
-              <a:rPr lang="en-US" dirty="0" err="1"/>
-              <a:t>sonra</a:t>
-            </a:r>
-            <a:r>
-              <a:rPr lang="en-US" dirty="0"/>
-              <a:t> </a:t>
-            </a:r>
-            <a:r>
-              <a:rPr lang="en-US" dirty="0" err="1"/>
-              <a:t>görsel</a:t>
-            </a:r>
-            <a:r>
-              <a:rPr lang="en-US" dirty="0"/>
-              <a:t> </a:t>
-            </a:r>
-            <a:r>
-              <a:rPr lang="en-US" dirty="0" err="1"/>
-              <a:t>değişkenliği</a:t>
-            </a:r>
-            <a:r>
-              <a:rPr lang="en-US" dirty="0"/>
-              <a:t> </a:t>
-            </a:r>
-            <a:r>
-              <a:rPr lang="en-US" dirty="0" err="1"/>
-              <a:t>azaltmak</a:t>
-            </a:r>
-            <a:r>
-              <a:rPr lang="en-US" dirty="0"/>
-              <a:t> </a:t>
-            </a:r>
-            <a:r>
-              <a:rPr lang="en-US" dirty="0" err="1"/>
-              <a:t>için</a:t>
-            </a:r>
-            <a:r>
-              <a:rPr lang="en-US" dirty="0"/>
-              <a:t> </a:t>
-            </a:r>
-            <a:r>
-              <a:rPr lang="en-US" dirty="0" err="1"/>
-              <a:t>boş</a:t>
-            </a:r>
-            <a:r>
-              <a:rPr lang="en-US" dirty="0"/>
-              <a:t> </a:t>
-            </a:r>
-            <a:r>
-              <a:rPr lang="en-US" dirty="0" err="1"/>
-              <a:t>bir</a:t>
-            </a:r>
-            <a:r>
-              <a:rPr lang="en-US" dirty="0"/>
-              <a:t> </a:t>
-            </a:r>
-            <a:r>
-              <a:rPr lang="en-US" dirty="0" err="1"/>
-              <a:t>arka</a:t>
-            </a:r>
-            <a:r>
-              <a:rPr lang="en-US" dirty="0"/>
-              <a:t> plan </a:t>
-            </a:r>
-            <a:r>
-              <a:rPr lang="en-US" dirty="0" err="1"/>
-              <a:t>üzerinde</a:t>
-            </a:r>
-            <a:r>
-              <a:rPr lang="en-US" dirty="0"/>
-              <a:t> </a:t>
-            </a:r>
-            <a:r>
-              <a:rPr lang="en-US" dirty="0" err="1"/>
-              <a:t>sabit</a:t>
-            </a:r>
-            <a:r>
-              <a:rPr lang="en-US" dirty="0"/>
-              <a:t> </a:t>
-            </a:r>
-            <a:r>
-              <a:rPr lang="en-US" dirty="0" err="1"/>
-              <a:t>bir</a:t>
-            </a:r>
-            <a:r>
-              <a:rPr lang="en-US" dirty="0"/>
-              <a:t> </a:t>
-            </a:r>
-            <a:r>
-              <a:rPr lang="en-US" dirty="0" err="1"/>
-              <a:t>boyuta</a:t>
-            </a:r>
-            <a:r>
-              <a:rPr lang="en-US" dirty="0"/>
-              <a:t> (</a:t>
-            </a:r>
-            <a:r>
-              <a:rPr lang="en-US" dirty="0" err="1"/>
-              <a:t>örneğin</a:t>
-            </a:r>
-            <a:r>
-              <a:rPr lang="en-US" dirty="0"/>
-              <a:t> 300x300 </a:t>
-            </a:r>
-            <a:r>
-              <a:rPr lang="en-US" dirty="0" err="1"/>
-              <a:t>piksel</a:t>
-            </a:r>
-            <a:r>
-              <a:rPr lang="en-US" dirty="0"/>
-              <a:t>) </a:t>
-            </a:r>
-            <a:r>
-              <a:rPr lang="en-US" dirty="0" err="1"/>
-              <a:t>normalleştirildi</a:t>
-            </a:r>
-            <a:r>
-              <a:rPr lang="en-US" dirty="0" smtClean="0"/>
-              <a:t>.</a:t>
-            </a:r>
-          </a:p>
-          <a:p>
-            <a:pPr algn="l" rtl="0"/>
-            <a:r>
-              <a:rPr lang="en-US" dirty="0"/>
-              <a:t>Her </a:t>
-            </a:r>
-            <a:r>
-              <a:rPr lang="en-US" dirty="0" err="1"/>
-              <a:t>sınıfın</a:t>
-            </a:r>
-            <a:r>
-              <a:rPr lang="en-US" dirty="0"/>
-              <a:t> </a:t>
-            </a:r>
-            <a:r>
-              <a:rPr lang="en-US" dirty="0" err="1"/>
-              <a:t>yeterli</a:t>
-            </a:r>
-            <a:r>
-              <a:rPr lang="en-US" dirty="0"/>
-              <a:t> </a:t>
-            </a:r>
-            <a:r>
-              <a:rPr lang="en-US" dirty="0" err="1"/>
-              <a:t>temsilini</a:t>
-            </a:r>
-            <a:r>
-              <a:rPr lang="en-US" dirty="0"/>
-              <a:t> </a:t>
-            </a:r>
-            <a:r>
-              <a:rPr lang="en-US" dirty="0" err="1"/>
-              <a:t>sağlamak</a:t>
-            </a:r>
-            <a:r>
-              <a:rPr lang="en-US" dirty="0"/>
-              <a:t> </a:t>
-            </a:r>
-            <a:r>
-              <a:rPr lang="en-US" dirty="0" err="1"/>
-              <a:t>için</a:t>
-            </a:r>
-            <a:r>
-              <a:rPr lang="en-US" dirty="0"/>
-              <a:t> </a:t>
-            </a:r>
-            <a:r>
-              <a:rPr lang="en-US" dirty="0" err="1"/>
-              <a:t>tüm</a:t>
-            </a:r>
-            <a:r>
-              <a:rPr lang="en-US" dirty="0"/>
-              <a:t> el </a:t>
-            </a:r>
-            <a:r>
-              <a:rPr lang="en-US" dirty="0" err="1"/>
-              <a:t>işaretleri</a:t>
-            </a:r>
-            <a:r>
-              <a:rPr lang="en-US" dirty="0"/>
-              <a:t> </a:t>
-            </a:r>
-            <a:r>
-              <a:rPr lang="en-US" dirty="0" err="1"/>
-              <a:t>yaklaşık</a:t>
-            </a:r>
-            <a:r>
-              <a:rPr lang="en-US" dirty="0"/>
-              <a:t> 300 </a:t>
-            </a:r>
-            <a:r>
-              <a:rPr lang="en-US" dirty="0" err="1"/>
-              <a:t>kez</a:t>
-            </a:r>
-            <a:r>
-              <a:rPr lang="en-US" dirty="0"/>
-              <a:t> </a:t>
-            </a:r>
-            <a:r>
-              <a:rPr lang="en-US" dirty="0" err="1"/>
-              <a:t>kaydedildi</a:t>
-            </a:r>
-            <a:r>
-              <a:rPr lang="en-US" dirty="0"/>
-              <a:t>.</a:t>
-            </a:r>
-            <a:endParaRPr lang="en-US" dirty="0" smtClean="0"/>
-          </a:p>
-          <a:p>
-            <a:pPr algn="l" rtl="0"/>
-            <a:endParaRPr lang="ar-SA" dirty="0"/>
-          </a:p>
-        </p:txBody>
-      </p:sp>
-      <p:pic>
-        <p:nvPicPr>
-          <p:cNvPr id="4" name="Content Placeholder 3"/>
-          <p:cNvPicPr>
-            <a:picLocks noChangeAspect="1"/>
-          </p:cNvPicPr>
-          <p:nvPr/>
-        </p:nvPicPr>
-        <p:blipFill>
-          <a:blip r:embed="rId2">
-            <a:extLst>
-              <a:ext uri="{28A0092B-C50C-407E-A947-70E740481C1C}">
-                <a14:useLocalDpi xmlns:a14="http://schemas.microsoft.com/office/drawing/2010/main" val="0"/>
-              </a:ext>
-            </a:extLst>
-          </a:blip>
-          <a:stretch>
-            <a:fillRect/>
-          </a:stretch>
-        </p:blipFill>
-        <p:spPr>
-          <a:xfrm>
-            <a:off x="9001963" y="2823080"/>
-            <a:ext cx="2857500" cy="2857500"/>
-          </a:xfrm>
-          <a:prstGeom prst="rect">
-            <a:avLst/>
-          </a:prstGeom>
-          <a:ln>
-            <a:solidFill>
-              <a:schemeClr val="tx1"/>
-            </a:solidFill>
-          </a:ln>
-        </p:spPr>
-      </p:pic>
-    </p:spTree>
-    <p:extLst>
-      <p:ext uri="{BB962C8B-B14F-4D97-AF65-F5344CB8AC3E}">
-        <p14:creationId xmlns:p14="http://schemas.microsoft.com/office/powerpoint/2010/main" val="1170161912"/>
-      </p:ext>
-    </p:extLst>
-  </p:cSld>
-  <p:clrMapOvr>
-    <a:masterClrMapping/>
-  </p:clrMapOvr>
-  <p:timing>
-    <p:tnLst>
-      <p:par>
-        <p:cTn id="1" dur="indefinite" restart="never" nodeType="tmRoot"/>
-      </p:par>
-    </p:tnLst>
-  </p:timing>
-</p:sld>
-</file>
-
-<file path=ppt/slides/slide6.xml><?xml version="1.0" encoding="utf-8"?>
-<p:sld xmlns:a="http://schemas.openxmlformats.org/drawingml/2006/main" xmlns:r="http://schemas.openxmlformats.org/officeDocument/2006/relationships" xmlns:p="http://schemas.openxmlformats.org/presentationml/2006/main">
-  <p:cSld>
-    <p:spTree>
-      <p:nvGrpSpPr>
-        <p:cNvPr id="1" name=""/>
-        <p:cNvGrpSpPr/>
-        <p:nvPr/>
-      </p:nvGrpSpPr>
-      <p:grpSpPr>
-        <a:xfrm>
-          <a:off x="0" y="0"/>
-          <a:ext cx="0" cy="0"/>
-          <a:chOff x="0" y="0"/>
-          <a:chExt cx="0" cy="0"/>
-        </a:xfrm>
-      </p:grpSpPr>
-      <p:sp>
-        <p:nvSpPr>
-          <p:cNvPr id="2" name="Title 1"/>
-          <p:cNvSpPr>
-            <a:spLocks noGrp="1"/>
-          </p:cNvSpPr>
-          <p:nvPr>
-            <p:ph type="title"/>
-          </p:nvPr>
-        </p:nvSpPr>
-        <p:spPr/>
-        <p:txBody>
-          <a:bodyPr/>
-          <a:lstStyle/>
-          <a:p>
-            <a:r>
-              <a:rPr lang="en-US" dirty="0" err="1"/>
-              <a:t>Veri</a:t>
-            </a:r>
-            <a:r>
-              <a:rPr lang="en-US" dirty="0"/>
-              <a:t> </a:t>
-            </a:r>
-            <a:r>
-              <a:rPr lang="en-US" dirty="0" err="1"/>
-              <a:t>Arttırma</a:t>
-            </a:r>
-            <a:endParaRPr lang="ar-SA" dirty="0"/>
-          </a:p>
-        </p:txBody>
-      </p:sp>
-      <p:sp>
-        <p:nvSpPr>
-          <p:cNvPr id="5" name="Content Placeholder 4"/>
-          <p:cNvSpPr>
-            <a:spLocks noGrp="1"/>
-          </p:cNvSpPr>
-          <p:nvPr>
-            <p:ph idx="1"/>
-          </p:nvPr>
-        </p:nvSpPr>
-        <p:spPr/>
-        <p:txBody>
-          <a:bodyPr/>
-          <a:lstStyle/>
-          <a:p>
-            <a:pPr algn="l" rtl="0"/>
-            <a:r>
-              <a:rPr lang="en-US" dirty="0" err="1"/>
-              <a:t>Modelin</a:t>
-            </a:r>
-            <a:r>
-              <a:rPr lang="en-US" dirty="0"/>
-              <a:t> </a:t>
-            </a:r>
-            <a:r>
-              <a:rPr lang="en-US" dirty="0" err="1"/>
-              <a:t>farklı</a:t>
-            </a:r>
-            <a:r>
-              <a:rPr lang="en-US" dirty="0"/>
-              <a:t> el </a:t>
-            </a:r>
-            <a:r>
-              <a:rPr lang="en-US" dirty="0" err="1"/>
-              <a:t>pozisyonlarına</a:t>
-            </a:r>
-            <a:r>
-              <a:rPr lang="en-US" dirty="0"/>
-              <a:t>, </a:t>
-            </a:r>
-            <a:r>
-              <a:rPr lang="en-US" dirty="0" err="1"/>
-              <a:t>yönelimlerine</a:t>
-            </a:r>
-            <a:r>
-              <a:rPr lang="en-US" dirty="0"/>
-              <a:t> </a:t>
-            </a:r>
-            <a:r>
-              <a:rPr lang="en-US" dirty="0" err="1"/>
-              <a:t>ve</a:t>
-            </a:r>
-            <a:r>
-              <a:rPr lang="en-US" dirty="0"/>
-              <a:t> </a:t>
-            </a:r>
-            <a:r>
-              <a:rPr lang="en-US" dirty="0" err="1"/>
-              <a:t>aydınlatmaya</a:t>
-            </a:r>
-            <a:r>
-              <a:rPr lang="en-US" dirty="0"/>
-              <a:t> </a:t>
-            </a:r>
-            <a:r>
-              <a:rPr lang="en-US" dirty="0" err="1"/>
-              <a:t>genelleme</a:t>
-            </a:r>
-            <a:r>
-              <a:rPr lang="en-US" dirty="0"/>
-              <a:t> </a:t>
-            </a:r>
-            <a:r>
-              <a:rPr lang="en-US" dirty="0" err="1"/>
-              <a:t>yapma</a:t>
-            </a:r>
-            <a:r>
-              <a:rPr lang="en-US" dirty="0"/>
-              <a:t> </a:t>
-            </a:r>
-            <a:r>
-              <a:rPr lang="en-US" dirty="0" err="1"/>
-              <a:t>yeteneğini</a:t>
-            </a:r>
-            <a:r>
-              <a:rPr lang="en-US" dirty="0"/>
-              <a:t> </a:t>
-            </a:r>
-            <a:r>
-              <a:rPr lang="en-US" dirty="0" err="1"/>
-              <a:t>geliştirmek</a:t>
-            </a:r>
-            <a:r>
-              <a:rPr lang="en-US" dirty="0"/>
-              <a:t> </a:t>
-            </a:r>
-            <a:r>
-              <a:rPr lang="en-US" dirty="0" err="1"/>
-              <a:t>için</a:t>
-            </a:r>
-            <a:r>
-              <a:rPr lang="en-US" dirty="0"/>
-              <a:t> </a:t>
-            </a:r>
-            <a:r>
-              <a:rPr lang="en-US" dirty="0" err="1"/>
-              <a:t>çeşitli</a:t>
-            </a:r>
-            <a:r>
-              <a:rPr lang="en-US" dirty="0"/>
-              <a:t> </a:t>
-            </a:r>
-            <a:r>
-              <a:rPr lang="en-US" dirty="0" err="1"/>
-              <a:t>artırma</a:t>
-            </a:r>
-            <a:r>
-              <a:rPr lang="en-US" dirty="0"/>
-              <a:t> </a:t>
-            </a:r>
-            <a:r>
-              <a:rPr lang="en-US" dirty="0" err="1"/>
-              <a:t>teknikleri</a:t>
-            </a:r>
-            <a:r>
-              <a:rPr lang="en-US" dirty="0"/>
-              <a:t> </a:t>
-            </a:r>
-            <a:r>
-              <a:rPr lang="en-US" dirty="0" err="1"/>
-              <a:t>kullanıldı</a:t>
-            </a:r>
-            <a:r>
-              <a:rPr lang="en-US" dirty="0"/>
-              <a:t>. </a:t>
-            </a:r>
-            <a:endParaRPr lang="en-US" dirty="0" smtClean="0"/>
-          </a:p>
-          <a:p>
-            <a:pPr lvl="1" algn="l" rtl="0">
-              <a:buFont typeface="Courier New" panose="02070309020205020404" pitchFamily="49" charset="0"/>
-              <a:buChar char="o"/>
-            </a:pPr>
-            <a:r>
-              <a:rPr lang="en-US" dirty="0" smtClean="0"/>
-              <a:t>Rotation</a:t>
-            </a:r>
-          </a:p>
-          <a:p>
-            <a:pPr lvl="1" algn="l" rtl="0">
-              <a:buFont typeface="Courier New" panose="02070309020205020404" pitchFamily="49" charset="0"/>
-              <a:buChar char="o"/>
-            </a:pPr>
-            <a:r>
-              <a:rPr lang="en-US" dirty="0" smtClean="0"/>
-              <a:t>Translation</a:t>
-            </a:r>
-          </a:p>
-          <a:p>
-            <a:pPr lvl="1" algn="l" rtl="0">
-              <a:buFont typeface="Courier New" panose="02070309020205020404" pitchFamily="49" charset="0"/>
-              <a:buChar char="o"/>
-            </a:pPr>
-            <a:r>
-              <a:rPr lang="en-US" dirty="0" smtClean="0"/>
-              <a:t>Zoom</a:t>
-            </a:r>
-            <a:endParaRPr lang="en-US" dirty="0"/>
-          </a:p>
-          <a:p>
-            <a:pPr lvl="1" algn="l" rtl="0">
-              <a:buFont typeface="Courier New" panose="02070309020205020404" pitchFamily="49" charset="0"/>
-              <a:buChar char="o"/>
-            </a:pPr>
-            <a:r>
-              <a:rPr lang="en-US" dirty="0" smtClean="0"/>
-              <a:t>Flip</a:t>
-            </a:r>
-          </a:p>
-          <a:p>
-            <a:pPr lvl="1" algn="l" rtl="0">
-              <a:buFont typeface="Courier New" panose="02070309020205020404" pitchFamily="49" charset="0"/>
-              <a:buChar char="o"/>
-            </a:pPr>
-            <a:r>
-              <a:rPr lang="en-US" dirty="0" err="1" smtClean="0"/>
-              <a:t>Shearinng</a:t>
-            </a:r>
-            <a:endParaRPr lang="en-US" dirty="0" smtClean="0"/>
-          </a:p>
-          <a:p>
-            <a:pPr algn="l" rtl="0">
-              <a:buFont typeface="Century Gothic" panose="020B0502020202020204" pitchFamily="34" charset="0"/>
-              <a:buChar char="►"/>
-            </a:pPr>
-            <a:r>
-              <a:rPr lang="en-US" dirty="0"/>
-              <a:t>Bu </a:t>
-            </a:r>
-            <a:r>
-              <a:rPr lang="en-US" dirty="0" err="1"/>
-              <a:t>değişiklikler</a:t>
-            </a:r>
-            <a:r>
-              <a:rPr lang="en-US" dirty="0"/>
-              <a:t> </a:t>
-            </a:r>
-            <a:r>
-              <a:rPr lang="en-US" dirty="0" err="1"/>
-              <a:t>veri</a:t>
-            </a:r>
-            <a:r>
-              <a:rPr lang="en-US" dirty="0"/>
-              <a:t> </a:t>
-            </a:r>
-            <a:r>
-              <a:rPr lang="en-US" dirty="0" err="1"/>
-              <a:t>setindeki</a:t>
-            </a:r>
-            <a:r>
-              <a:rPr lang="en-US" dirty="0"/>
-              <a:t> </a:t>
-            </a:r>
-            <a:r>
-              <a:rPr lang="en-US" dirty="0" err="1"/>
-              <a:t>çeşitliliği</a:t>
-            </a:r>
-            <a:r>
-              <a:rPr lang="en-US" dirty="0"/>
-              <a:t> </a:t>
-            </a:r>
-            <a:r>
-              <a:rPr lang="en-US" dirty="0" err="1"/>
-              <a:t>artırarak</a:t>
-            </a:r>
-            <a:r>
-              <a:rPr lang="en-US" dirty="0"/>
-              <a:t> model </a:t>
-            </a:r>
-            <a:r>
-              <a:rPr lang="en-US" dirty="0" err="1"/>
-              <a:t>aşırı</a:t>
-            </a:r>
-            <a:r>
-              <a:rPr lang="en-US" dirty="0"/>
-              <a:t> </a:t>
-            </a:r>
-            <a:r>
-              <a:rPr lang="en-US" dirty="0" err="1"/>
-              <a:t>uyumunu</a:t>
-            </a:r>
-            <a:r>
-              <a:rPr lang="en-US" dirty="0"/>
-              <a:t> </a:t>
-            </a:r>
-            <a:r>
-              <a:rPr lang="en-US" dirty="0" err="1"/>
-              <a:t>önledi</a:t>
-            </a:r>
-            <a:r>
-              <a:rPr lang="en-US" dirty="0"/>
-              <a:t> </a:t>
-            </a:r>
-            <a:r>
-              <a:rPr lang="en-US" dirty="0" err="1"/>
-              <a:t>ve</a:t>
-            </a:r>
-            <a:r>
-              <a:rPr lang="en-US" dirty="0"/>
-              <a:t> </a:t>
-            </a:r>
-            <a:r>
-              <a:rPr lang="en-US" dirty="0" err="1"/>
-              <a:t>gerçek</a:t>
-            </a:r>
-            <a:r>
-              <a:rPr lang="en-US" dirty="0"/>
-              <a:t> </a:t>
-            </a:r>
-            <a:r>
-              <a:rPr lang="en-US" dirty="0" err="1"/>
-              <a:t>dünyadaki</a:t>
-            </a:r>
-            <a:r>
-              <a:rPr lang="en-US" dirty="0"/>
-              <a:t> </a:t>
-            </a:r>
-            <a:r>
-              <a:rPr lang="en-US" dirty="0" err="1"/>
-              <a:t>sağlamlığı</a:t>
-            </a:r>
-            <a:r>
-              <a:rPr lang="en-US" dirty="0"/>
-              <a:t> </a:t>
-            </a:r>
-            <a:r>
-              <a:rPr lang="en-US" dirty="0" err="1"/>
-              <a:t>iyileştirdi</a:t>
-            </a:r>
-            <a:endParaRPr lang="en-US" dirty="0" smtClean="0"/>
-          </a:p>
-        </p:txBody>
-      </p:sp>
-    </p:spTree>
-    <p:extLst>
-      <p:ext uri="{BB962C8B-B14F-4D97-AF65-F5344CB8AC3E}">
-        <p14:creationId xmlns:p14="http://schemas.microsoft.com/office/powerpoint/2010/main" val="3948619642"/>
-      </p:ext>
-    </p:extLst>
-  </p:cSld>
-  <p:clrMapOvr>
-    <a:masterClrMapping/>
-  </p:clrMapOvr>
-  <p:timing>
-    <p:tnLst>
-      <p:par>
-        <p:cTn id="1" dur="indefinite" restart="never" nodeType="tmRoot"/>
-      </p:par>
-    </p:tnLst>
-  </p:timing>
-</p:sld>
-</file>
-
-<file path=ppt/slides/slide7.xml><?xml version="1.0" encoding="utf-8"?>
-<p:sld xmlns:a="http://schemas.openxmlformats.org/drawingml/2006/main" xmlns:r="http://schemas.openxmlformats.org/officeDocument/2006/relationships" xmlns:p="http://schemas.openxmlformats.org/presentationml/2006/main">
-  <p:cSld>
-    <p:spTree>
-      <p:nvGrpSpPr>
-        <p:cNvPr id="1" name=""/>
-        <p:cNvGrpSpPr/>
-        <p:nvPr/>
-      </p:nvGrpSpPr>
-      <p:grpSpPr>
-        <a:xfrm>
-          <a:off x="0" y="0"/>
-          <a:ext cx="0" cy="0"/>
-          <a:chOff x="0" y="0"/>
-          <a:chExt cx="0" cy="0"/>
-        </a:xfrm>
-      </p:grpSpPr>
-      <p:sp>
-        <p:nvSpPr>
-          <p:cNvPr id="2" name="Title 1"/>
-          <p:cNvSpPr>
-            <a:spLocks noGrp="1"/>
-          </p:cNvSpPr>
-          <p:nvPr>
-            <p:ph type="title"/>
-          </p:nvPr>
-        </p:nvSpPr>
-        <p:spPr/>
-        <p:txBody>
-          <a:bodyPr/>
-          <a:lstStyle/>
-          <a:p>
-            <a:r>
-              <a:rPr lang="en-US" dirty="0"/>
-              <a:t>Model </a:t>
-            </a:r>
-            <a:r>
-              <a:rPr lang="en-US" dirty="0" err="1"/>
-              <a:t>Mimarisi</a:t>
-            </a:r>
-            <a:r>
-              <a:rPr lang="en-US" dirty="0"/>
-              <a:t> </a:t>
-            </a:r>
-            <a:endParaRPr lang="ar-SA" dirty="0"/>
-          </a:p>
-        </p:txBody>
-      </p:sp>
-      <p:sp>
-        <p:nvSpPr>
-          <p:cNvPr id="3" name="Content Placeholder 2"/>
-          <p:cNvSpPr>
-            <a:spLocks noGrp="1"/>
-          </p:cNvSpPr>
-          <p:nvPr>
-            <p:ph idx="1"/>
-          </p:nvPr>
-        </p:nvSpPr>
-        <p:spPr>
-          <a:xfrm>
-            <a:off x="958401" y="2577863"/>
-            <a:ext cx="10407506" cy="3891304"/>
-          </a:xfrm>
-        </p:spPr>
-        <p:txBody>
-          <a:bodyPr>
-            <a:normAutofit/>
-          </a:bodyPr>
-          <a:lstStyle/>
-          <a:p>
-            <a:pPr algn="l" rtl="0"/>
-            <a:r>
-              <a:rPr lang="en-US" dirty="0" err="1"/>
-              <a:t>Düşük</a:t>
-            </a:r>
-            <a:r>
-              <a:rPr lang="en-US" dirty="0"/>
-              <a:t> </a:t>
-            </a:r>
-            <a:r>
-              <a:rPr lang="en-US" dirty="0" err="1"/>
-              <a:t>seviyeden</a:t>
-            </a:r>
-            <a:r>
-              <a:rPr lang="en-US" dirty="0"/>
-              <a:t> </a:t>
-            </a:r>
-            <a:r>
-              <a:rPr lang="en-US" dirty="0" err="1"/>
-              <a:t>yüksek</a:t>
-            </a:r>
-            <a:r>
-              <a:rPr lang="en-US" dirty="0"/>
-              <a:t> </a:t>
-            </a:r>
-            <a:r>
-              <a:rPr lang="en-US" dirty="0" err="1"/>
-              <a:t>seviyeye</a:t>
-            </a:r>
-            <a:r>
-              <a:rPr lang="en-US" dirty="0"/>
-              <a:t> </a:t>
-            </a:r>
-            <a:r>
-              <a:rPr lang="en-US" dirty="0" err="1"/>
-              <a:t>özellikler</a:t>
-            </a:r>
-            <a:r>
-              <a:rPr lang="en-US" dirty="0"/>
-              <a:t> </a:t>
-            </a:r>
-            <a:r>
-              <a:rPr lang="en-US" dirty="0" err="1"/>
-              <a:t>elde</a:t>
-            </a:r>
-            <a:r>
-              <a:rPr lang="en-US" dirty="0"/>
-              <a:t> </a:t>
-            </a:r>
-            <a:r>
-              <a:rPr lang="en-US" dirty="0" err="1"/>
-              <a:t>etmek</a:t>
-            </a:r>
-            <a:r>
-              <a:rPr lang="en-US" dirty="0"/>
-              <a:t> </a:t>
-            </a:r>
-            <a:r>
-              <a:rPr lang="en-US" dirty="0" err="1"/>
-              <a:t>için</a:t>
-            </a:r>
-            <a:r>
-              <a:rPr lang="en-US" dirty="0"/>
-              <a:t> </a:t>
-            </a:r>
-            <a:r>
-              <a:rPr lang="en-US" dirty="0" err="1"/>
-              <a:t>bir</a:t>
-            </a:r>
-            <a:r>
-              <a:rPr lang="en-US" dirty="0"/>
-              <a:t> </a:t>
-            </a:r>
-            <a:r>
-              <a:rPr lang="en-US" dirty="0" err="1"/>
-              <a:t>dizi</a:t>
-            </a:r>
-            <a:r>
-              <a:rPr lang="en-US" dirty="0"/>
-              <a:t> </a:t>
-            </a:r>
-            <a:r>
-              <a:rPr lang="en-US" dirty="0" err="1"/>
-              <a:t>evrişimsel</a:t>
-            </a:r>
-            <a:r>
-              <a:rPr lang="en-US" dirty="0"/>
-              <a:t> </a:t>
-            </a:r>
-            <a:r>
-              <a:rPr lang="en-US" dirty="0" err="1"/>
-              <a:t>katmanla</a:t>
-            </a:r>
-            <a:r>
-              <a:rPr lang="en-US" dirty="0"/>
-              <a:t> </a:t>
-            </a:r>
-            <a:r>
-              <a:rPr lang="en-US" dirty="0" err="1"/>
-              <a:t>bir</a:t>
-            </a:r>
-            <a:r>
-              <a:rPr lang="en-US" dirty="0"/>
-              <a:t> </a:t>
-            </a:r>
-            <a:r>
-              <a:rPr lang="en-US" dirty="0" err="1"/>
-              <a:t>Evrişimsel</a:t>
-            </a:r>
-            <a:r>
-              <a:rPr lang="en-US" dirty="0"/>
-              <a:t> </a:t>
-            </a:r>
-            <a:r>
-              <a:rPr lang="en-US" dirty="0" err="1"/>
-              <a:t>Sinir</a:t>
-            </a:r>
-            <a:r>
-              <a:rPr lang="en-US" dirty="0"/>
-              <a:t> </a:t>
-            </a:r>
-            <a:r>
-              <a:rPr lang="en-US" dirty="0" err="1"/>
-              <a:t>Ağı</a:t>
-            </a:r>
-            <a:r>
-              <a:rPr lang="en-US" dirty="0"/>
-              <a:t> </a:t>
-            </a:r>
-            <a:r>
-              <a:rPr lang="en-US" dirty="0" err="1" smtClean="0"/>
-              <a:t>kullanıldı</a:t>
-            </a:r>
-            <a:r>
-              <a:rPr lang="en-US" dirty="0" smtClean="0"/>
-              <a:t>. (Conv2D)</a:t>
-            </a:r>
-          </a:p>
-          <a:p>
-            <a:pPr algn="l" rtl="0"/>
-            <a:r>
-              <a:rPr lang="en-US" dirty="0" err="1" smtClean="0"/>
-              <a:t>Ardından</a:t>
-            </a:r>
-            <a:r>
-              <a:rPr lang="en-US" dirty="0" smtClean="0"/>
-              <a:t> </a:t>
-            </a:r>
-            <a:r>
-              <a:rPr lang="en-US" dirty="0" err="1"/>
-              <a:t>aşağı</a:t>
-            </a:r>
-            <a:r>
-              <a:rPr lang="en-US" dirty="0"/>
-              <a:t> </a:t>
-            </a:r>
-            <a:r>
-              <a:rPr lang="en-US" dirty="0" err="1"/>
-              <a:t>örnekleme</a:t>
-            </a:r>
-            <a:r>
-              <a:rPr lang="en-US" dirty="0"/>
-              <a:t> </a:t>
-            </a:r>
-            <a:r>
-              <a:rPr lang="en-US" dirty="0" err="1"/>
-              <a:t>için</a:t>
-            </a:r>
-            <a:r>
-              <a:rPr lang="en-US" dirty="0"/>
-              <a:t> </a:t>
-            </a:r>
-            <a:r>
-              <a:rPr lang="en-US" dirty="0" err="1"/>
-              <a:t>maksimum</a:t>
-            </a:r>
-            <a:r>
-              <a:rPr lang="en-US" dirty="0"/>
-              <a:t> </a:t>
-            </a:r>
-            <a:r>
-              <a:rPr lang="en-US" dirty="0" err="1"/>
-              <a:t>havuzlama</a:t>
-            </a:r>
-            <a:r>
-              <a:rPr lang="en-US" dirty="0"/>
-              <a:t> </a:t>
-            </a:r>
-            <a:r>
-              <a:rPr lang="en-US" dirty="0" err="1"/>
-              <a:t>katmanları</a:t>
-            </a:r>
-            <a:r>
-              <a:rPr lang="en-US" dirty="0"/>
-              <a:t> </a:t>
-            </a:r>
-            <a:r>
-              <a:rPr lang="en-US" dirty="0" err="1"/>
-              <a:t>kullanıldı</a:t>
-            </a:r>
-            <a:r>
-              <a:rPr lang="en-US" dirty="0" smtClean="0"/>
-              <a:t>. (</a:t>
-            </a:r>
-            <a:r>
-              <a:rPr lang="en-US" dirty="0" err="1" smtClean="0"/>
-              <a:t>MaxPooling</a:t>
-            </a:r>
-            <a:r>
-              <a:rPr lang="en-US" dirty="0" smtClean="0"/>
-              <a:t>)</a:t>
-            </a:r>
-          </a:p>
-          <a:p>
-            <a:pPr algn="l" rtl="0"/>
-            <a:r>
-              <a:rPr lang="en-US" dirty="0"/>
-              <a:t>Her </a:t>
-            </a:r>
-            <a:r>
-              <a:rPr lang="en-US" dirty="0" err="1"/>
-              <a:t>bir</a:t>
-            </a:r>
-            <a:r>
-              <a:rPr lang="en-US" dirty="0"/>
-              <a:t> </a:t>
-            </a:r>
-            <a:r>
-              <a:rPr lang="en-US" dirty="0" err="1"/>
-              <a:t>evrişimden</a:t>
-            </a:r>
-            <a:r>
-              <a:rPr lang="en-US" dirty="0"/>
-              <a:t> </a:t>
-            </a:r>
-            <a:r>
-              <a:rPr lang="en-US" dirty="0" err="1"/>
-              <a:t>sonra</a:t>
-            </a:r>
-            <a:r>
-              <a:rPr lang="en-US" dirty="0"/>
-              <a:t> </a:t>
-            </a:r>
-            <a:r>
-              <a:rPr lang="en-US" dirty="0" err="1"/>
-              <a:t>yakınsamayı</a:t>
-            </a:r>
-            <a:r>
-              <a:rPr lang="en-US" dirty="0"/>
-              <a:t> </a:t>
-            </a:r>
-            <a:r>
-              <a:rPr lang="en-US" dirty="0" err="1"/>
-              <a:t>hızlandırmak</a:t>
-            </a:r>
-            <a:r>
-              <a:rPr lang="en-US" dirty="0"/>
-              <a:t> </a:t>
-            </a:r>
-            <a:r>
-              <a:rPr lang="en-US" dirty="0" err="1"/>
-              <a:t>ve</a:t>
-            </a:r>
-            <a:r>
-              <a:rPr lang="en-US" dirty="0"/>
-              <a:t> </a:t>
-            </a:r>
-            <a:r>
-              <a:rPr lang="en-US" dirty="0" err="1"/>
-              <a:t>kararlılığı</a:t>
-            </a:r>
-            <a:r>
-              <a:rPr lang="en-US" dirty="0"/>
-              <a:t> </a:t>
-            </a:r>
-            <a:r>
-              <a:rPr lang="en-US" dirty="0" err="1"/>
-              <a:t>iyileştirmek</a:t>
-            </a:r>
-            <a:r>
-              <a:rPr lang="en-US" dirty="0"/>
-              <a:t> </a:t>
-            </a:r>
-            <a:r>
-              <a:rPr lang="en-US" dirty="0" err="1"/>
-              <a:t>için</a:t>
-            </a:r>
-            <a:r>
-              <a:rPr lang="en-US" dirty="0"/>
-              <a:t> </a:t>
-            </a:r>
-            <a:r>
-              <a:rPr lang="en-US" dirty="0" err="1"/>
-              <a:t>toplu</a:t>
-            </a:r>
-            <a:r>
-              <a:rPr lang="en-US" dirty="0"/>
-              <a:t> </a:t>
-            </a:r>
-            <a:r>
-              <a:rPr lang="en-US" dirty="0" err="1"/>
-              <a:t>normalizasyon</a:t>
-            </a:r>
-            <a:r>
-              <a:rPr lang="en-US" dirty="0"/>
-              <a:t> </a:t>
-            </a:r>
-            <a:r>
-              <a:rPr lang="en-US" dirty="0" err="1"/>
-              <a:t>tanıtıldı</a:t>
-            </a:r>
-            <a:r>
-              <a:rPr lang="en-US" dirty="0"/>
-              <a:t>. </a:t>
-            </a:r>
-            <a:r>
-              <a:rPr lang="en-US" dirty="0" smtClean="0"/>
-              <a:t>(Batch Normalization)</a:t>
-            </a:r>
-          </a:p>
-          <a:p>
-            <a:pPr algn="l" rtl="0"/>
-            <a:r>
-              <a:rPr lang="en-US" dirty="0" err="1"/>
-              <a:t>Eğitim</a:t>
-            </a:r>
-            <a:r>
-              <a:rPr lang="en-US" dirty="0"/>
-              <a:t> </a:t>
-            </a:r>
-            <a:r>
-              <a:rPr lang="en-US" dirty="0" err="1"/>
-              <a:t>sırasında</a:t>
-            </a:r>
-            <a:r>
-              <a:rPr lang="en-US" dirty="0"/>
-              <a:t> </a:t>
-            </a:r>
-            <a:r>
-              <a:rPr lang="en-US" dirty="0" err="1"/>
-              <a:t>nöronların</a:t>
-            </a:r>
-            <a:r>
-              <a:rPr lang="en-US" dirty="0"/>
-              <a:t> </a:t>
-            </a:r>
-            <a:r>
-              <a:rPr lang="en-US" dirty="0" err="1"/>
-              <a:t>bir</a:t>
-            </a:r>
-            <a:r>
-              <a:rPr lang="en-US" dirty="0"/>
-              <a:t> </a:t>
-            </a:r>
-            <a:r>
-              <a:rPr lang="en-US" dirty="0" err="1"/>
-              <a:t>kısmını</a:t>
-            </a:r>
-            <a:r>
-              <a:rPr lang="en-US" dirty="0"/>
-              <a:t> </a:t>
-            </a:r>
-            <a:r>
-              <a:rPr lang="en-US" dirty="0" err="1"/>
-              <a:t>rastgele</a:t>
-            </a:r>
-            <a:r>
-              <a:rPr lang="en-US" dirty="0"/>
-              <a:t> </a:t>
-            </a:r>
-            <a:r>
-              <a:rPr lang="en-US" dirty="0" err="1"/>
-              <a:t>devre</a:t>
-            </a:r>
-            <a:r>
-              <a:rPr lang="en-US" dirty="0"/>
-              <a:t> </a:t>
-            </a:r>
-            <a:r>
-              <a:rPr lang="en-US" dirty="0" err="1"/>
-              <a:t>dışı</a:t>
-            </a:r>
-            <a:r>
-              <a:rPr lang="en-US" dirty="0"/>
-              <a:t> </a:t>
-            </a:r>
-            <a:r>
-              <a:rPr lang="en-US" dirty="0" err="1"/>
-              <a:t>bırakarak</a:t>
-            </a:r>
-            <a:r>
-              <a:rPr lang="en-US" dirty="0"/>
-              <a:t> </a:t>
-            </a:r>
-            <a:r>
-              <a:rPr lang="en-US" dirty="0" err="1"/>
-              <a:t>aşırı</a:t>
-            </a:r>
-            <a:r>
-              <a:rPr lang="en-US" dirty="0"/>
-              <a:t> </a:t>
-            </a:r>
-            <a:r>
-              <a:rPr lang="en-US" dirty="0" err="1"/>
-              <a:t>uyumu</a:t>
-            </a:r>
-            <a:r>
-              <a:rPr lang="en-US" dirty="0"/>
-              <a:t> </a:t>
-            </a:r>
-            <a:r>
-              <a:rPr lang="en-US" dirty="0" err="1"/>
-              <a:t>önlemek</a:t>
-            </a:r>
-            <a:r>
-              <a:rPr lang="en-US" dirty="0"/>
-              <a:t> </a:t>
-            </a:r>
-            <a:r>
-              <a:rPr lang="en-US" dirty="0" err="1"/>
-              <a:t>için</a:t>
-            </a:r>
-            <a:r>
-              <a:rPr lang="en-US" dirty="0"/>
-              <a:t> </a:t>
-            </a:r>
-            <a:r>
-              <a:rPr lang="en-US" dirty="0" err="1"/>
-              <a:t>bırakma</a:t>
-            </a:r>
-            <a:r>
-              <a:rPr lang="en-US" dirty="0"/>
-              <a:t> </a:t>
-            </a:r>
-            <a:r>
-              <a:rPr lang="en-US" dirty="0" err="1"/>
-              <a:t>katmanları</a:t>
-            </a:r>
-            <a:r>
-              <a:rPr lang="en-US" dirty="0"/>
-              <a:t> </a:t>
-            </a:r>
-            <a:r>
-              <a:rPr lang="en-US" dirty="0" err="1"/>
-              <a:t>tanıtıldı</a:t>
-            </a:r>
-            <a:r>
-              <a:rPr lang="en-US" dirty="0"/>
-              <a:t>. </a:t>
-            </a:r>
-            <a:r>
-              <a:rPr lang="en-US" dirty="0" smtClean="0"/>
-              <a:t>(Dropout) </a:t>
-            </a:r>
-          </a:p>
-          <a:p>
-            <a:pPr algn="l" rtl="0"/>
-            <a:r>
-              <a:rPr lang="en-US" dirty="0"/>
-              <a:t>Son </a:t>
-            </a:r>
-            <a:r>
-              <a:rPr lang="en-US" dirty="0" err="1"/>
-              <a:t>katmanlar</a:t>
-            </a:r>
-            <a:r>
-              <a:rPr lang="en-US" dirty="0"/>
-              <a:t>, </a:t>
-            </a:r>
-            <a:r>
-              <a:rPr lang="en-US" dirty="0" err="1"/>
-              <a:t>özellik</a:t>
-            </a:r>
-            <a:r>
-              <a:rPr lang="en-US" dirty="0"/>
-              <a:t> </a:t>
-            </a:r>
-            <a:r>
-              <a:rPr lang="en-US" dirty="0" err="1"/>
-              <a:t>boyutunun</a:t>
-            </a:r>
-            <a:r>
-              <a:rPr lang="en-US" dirty="0"/>
-              <a:t> </a:t>
-            </a:r>
-            <a:r>
-              <a:rPr lang="en-US" dirty="0" err="1"/>
-              <a:t>azaltılması</a:t>
-            </a:r>
-            <a:r>
-              <a:rPr lang="en-US" dirty="0"/>
-              <a:t> </a:t>
-            </a:r>
-            <a:r>
-              <a:rPr lang="en-US" dirty="0" err="1"/>
-              <a:t>için</a:t>
-            </a:r>
-            <a:r>
-              <a:rPr lang="en-US" dirty="0"/>
-              <a:t> </a:t>
-            </a:r>
-            <a:r>
-              <a:rPr lang="en-US" dirty="0" err="1"/>
-              <a:t>küresel</a:t>
-            </a:r>
-            <a:r>
-              <a:rPr lang="en-US" dirty="0"/>
-              <a:t> </a:t>
-            </a:r>
-            <a:r>
-              <a:rPr lang="en-US" dirty="0" err="1"/>
-              <a:t>ortalama</a:t>
-            </a:r>
-            <a:r>
-              <a:rPr lang="en-US" dirty="0"/>
-              <a:t> </a:t>
-            </a:r>
-            <a:r>
-              <a:rPr lang="en-US" dirty="0" err="1"/>
-              <a:t>havuzlama</a:t>
-            </a:r>
-            <a:r>
-              <a:rPr lang="en-US" dirty="0"/>
-              <a:t> </a:t>
-            </a:r>
-            <a:r>
-              <a:rPr lang="en-US" dirty="0" err="1"/>
-              <a:t>katmanı</a:t>
-            </a:r>
-            <a:r>
-              <a:rPr lang="en-US" dirty="0"/>
-              <a:t> </a:t>
-            </a:r>
-            <a:r>
-              <a:rPr lang="en-US" dirty="0" err="1"/>
-              <a:t>ve</a:t>
-            </a:r>
-            <a:r>
-              <a:rPr lang="en-US" dirty="0"/>
-              <a:t> </a:t>
-            </a:r>
-            <a:r>
-              <a:rPr lang="en-US" dirty="0" err="1"/>
-              <a:t>özellik</a:t>
-            </a:r>
-            <a:r>
-              <a:rPr lang="en-US" dirty="0"/>
-              <a:t> </a:t>
-            </a:r>
-            <a:r>
-              <a:rPr lang="en-US" dirty="0" err="1"/>
-              <a:t>yorumlaması</a:t>
-            </a:r>
-            <a:r>
-              <a:rPr lang="en-US" dirty="0"/>
-              <a:t> </a:t>
-            </a:r>
-            <a:r>
-              <a:rPr lang="en-US" dirty="0" err="1"/>
-              <a:t>için</a:t>
-            </a:r>
-            <a:r>
-              <a:rPr lang="en-US" dirty="0"/>
-              <a:t> </a:t>
-            </a:r>
-            <a:r>
-              <a:rPr lang="en-US" dirty="0" err="1"/>
-              <a:t>ReLU</a:t>
-            </a:r>
-            <a:r>
-              <a:rPr lang="en-US" dirty="0"/>
-              <a:t> </a:t>
-            </a:r>
-            <a:r>
-              <a:rPr lang="en-US" dirty="0" err="1"/>
-              <a:t>ile</a:t>
-            </a:r>
-            <a:r>
-              <a:rPr lang="en-US" dirty="0"/>
-              <a:t> </a:t>
-            </a:r>
-            <a:r>
-              <a:rPr lang="en-US" dirty="0" err="1"/>
-              <a:t>etkinleştirilen</a:t>
-            </a:r>
-            <a:r>
-              <a:rPr lang="en-US" dirty="0"/>
-              <a:t> </a:t>
-            </a:r>
-            <a:r>
-              <a:rPr lang="en-US" dirty="0" err="1"/>
-              <a:t>yoğun</a:t>
-            </a:r>
-            <a:r>
-              <a:rPr lang="en-US" dirty="0"/>
-              <a:t> (tam </a:t>
-            </a:r>
-            <a:r>
-              <a:rPr lang="en-US" dirty="0" err="1"/>
-              <a:t>bağlı</a:t>
-            </a:r>
-            <a:r>
-              <a:rPr lang="en-US" dirty="0"/>
-              <a:t>) </a:t>
-            </a:r>
-            <a:r>
-              <a:rPr lang="en-US" dirty="0" err="1"/>
-              <a:t>katmanları</a:t>
-            </a:r>
-            <a:r>
-              <a:rPr lang="en-US" dirty="0"/>
-              <a:t> </a:t>
-            </a:r>
-            <a:r>
-              <a:rPr lang="en-US" dirty="0" err="1"/>
-              <a:t>içeriyordu</a:t>
-            </a:r>
-            <a:r>
-              <a:rPr lang="en-US" dirty="0" smtClean="0"/>
-              <a:t>. (</a:t>
-            </a:r>
-            <a:r>
-              <a:rPr lang="en-US" dirty="0" err="1" smtClean="0"/>
-              <a:t>GlobalAveragePooling</a:t>
-            </a:r>
-            <a:r>
-              <a:rPr lang="en-US" dirty="0" smtClean="0"/>
-              <a:t>)</a:t>
-            </a:r>
-          </a:p>
-          <a:p>
-            <a:pPr algn="l" rtl="0"/>
-            <a:r>
-              <a:rPr lang="en-US" dirty="0" err="1"/>
-              <a:t>Softmax</a:t>
-            </a:r>
-            <a:r>
-              <a:rPr lang="en-US" dirty="0"/>
-              <a:t> </a:t>
-            </a:r>
-            <a:r>
-              <a:rPr lang="en-US" dirty="0" err="1"/>
-              <a:t>etkinleştirilmiş</a:t>
-            </a:r>
-            <a:r>
-              <a:rPr lang="en-US" dirty="0"/>
-              <a:t> </a:t>
-            </a:r>
-            <a:r>
-              <a:rPr lang="en-US" dirty="0" err="1"/>
-              <a:t>çıktı</a:t>
-            </a:r>
-            <a:r>
-              <a:rPr lang="en-US" dirty="0"/>
-              <a:t> </a:t>
-            </a:r>
-            <a:r>
-              <a:rPr lang="en-US" dirty="0" err="1"/>
-              <a:t>katmanı</a:t>
-            </a:r>
-            <a:r>
-              <a:rPr lang="en-US" dirty="0"/>
-              <a:t>, 29 TSL </a:t>
-            </a:r>
-            <a:r>
-              <a:rPr lang="en-US" dirty="0" err="1"/>
-              <a:t>harfinin</a:t>
-            </a:r>
-            <a:r>
-              <a:rPr lang="en-US" dirty="0"/>
-              <a:t> </a:t>
-            </a:r>
-            <a:r>
-              <a:rPr lang="en-US" dirty="0" err="1"/>
-              <a:t>sınıf</a:t>
-            </a:r>
-            <a:r>
-              <a:rPr lang="en-US" dirty="0"/>
-              <a:t> </a:t>
-            </a:r>
-            <a:r>
-              <a:rPr lang="en-US" dirty="0" err="1"/>
-              <a:t>olasılıklarını</a:t>
-            </a:r>
-            <a:r>
-              <a:rPr lang="en-US" dirty="0"/>
-              <a:t> </a:t>
-            </a:r>
-            <a:r>
-              <a:rPr lang="en-US" dirty="0" err="1"/>
-              <a:t>sundu</a:t>
-            </a:r>
-            <a:r>
-              <a:rPr lang="en-US" dirty="0"/>
-              <a:t>.</a:t>
-            </a:r>
-            <a:endParaRPr lang="ar-SA" dirty="0"/>
-          </a:p>
-        </p:txBody>
-      </p:sp>
-    </p:spTree>
-    <p:extLst>
-      <p:ext uri="{BB962C8B-B14F-4D97-AF65-F5344CB8AC3E}">
-        <p14:creationId xmlns:p14="http://schemas.microsoft.com/office/powerpoint/2010/main" val="2887388674"/>
-      </p:ext>
-    </p:extLst>
-  </p:cSld>
-  <p:clrMapOvr>
-    <a:masterClrMapping/>
-  </p:clrMapOvr>
-  <p:timing>
-    <p:tnLst>
-      <p:par>
-        <p:cTn id="1" dur="indefinite" restart="never" nodeType="tmRoot"/>
-      </p:par>
-    </p:tnLst>
-  </p:timing>
-</p:sld>
-</file>
-
-<file path=ppt/slides/slide8.xml><?xml version="1.0" encoding="utf-8"?>
-<p:sld xmlns:a="http://schemas.openxmlformats.org/drawingml/2006/main" xmlns:r="http://schemas.openxmlformats.org/officeDocument/2006/relationships" xmlns:p="http://schemas.openxmlformats.org/presentationml/2006/main">
-  <p:cSld>
-    <p:spTree>
-      <p:nvGrpSpPr>
-        <p:cNvPr id="1" name=""/>
-        <p:cNvGrpSpPr/>
-        <p:nvPr/>
-      </p:nvGrpSpPr>
-      <p:grpSpPr>
-        <a:xfrm>
-          <a:off x="0" y="0"/>
-          <a:ext cx="0" cy="0"/>
-          <a:chOff x="0" y="0"/>
-          <a:chExt cx="0" cy="0"/>
-        </a:xfrm>
-      </p:grpSpPr>
-      <p:sp>
-        <p:nvSpPr>
-          <p:cNvPr id="2" name="Title 1"/>
-          <p:cNvSpPr>
-            <a:spLocks noGrp="1"/>
-          </p:cNvSpPr>
-          <p:nvPr>
-            <p:ph type="title"/>
-          </p:nvPr>
-        </p:nvSpPr>
-        <p:spPr/>
-        <p:txBody>
-          <a:bodyPr/>
-          <a:lstStyle/>
-          <a:p>
-            <a:r>
-              <a:rPr lang="en-US" dirty="0"/>
-              <a:t>Model </a:t>
-            </a:r>
-            <a:r>
-              <a:rPr lang="en-US" dirty="0" err="1"/>
-              <a:t>Mimarisi</a:t>
-            </a:r>
-            <a:r>
-              <a:rPr lang="en-US" dirty="0"/>
-              <a:t> </a:t>
-            </a:r>
-            <a:endParaRPr lang="ar-SA" dirty="0"/>
-          </a:p>
-        </p:txBody>
-      </p:sp>
-      <p:pic>
-        <p:nvPicPr>
-          <p:cNvPr id="5" name="Content Placeholder 4"/>
-          <p:cNvPicPr>
-            <a:picLocks noGrp="1" noChangeAspect="1"/>
-          </p:cNvPicPr>
-          <p:nvPr>
-            <p:ph idx="1"/>
-          </p:nvPr>
-        </p:nvPicPr>
-        <p:blipFill>
-          <a:blip r:embed="rId2" cstate="print">
-            <a:extLst>
-              <a:ext uri="{28A0092B-C50C-407E-A947-70E740481C1C}">
-                <a14:useLocalDpi xmlns:a14="http://schemas.microsoft.com/office/drawing/2010/main" val="0"/>
-              </a:ext>
-            </a:extLst>
-          </a:blip>
-          <a:stretch>
-            <a:fillRect/>
-          </a:stretch>
-        </p:blipFill>
-        <p:spPr>
-          <a:xfrm>
-            <a:off x="3973795" y="2347126"/>
-            <a:ext cx="4210352" cy="4226584"/>
-          </a:xfrm>
-        </p:spPr>
-      </p:pic>
-    </p:spTree>
-    <p:extLst>
-      <p:ext uri="{BB962C8B-B14F-4D97-AF65-F5344CB8AC3E}">
-        <p14:creationId xmlns:p14="http://schemas.microsoft.com/office/powerpoint/2010/main" val="990404177"/>
-      </p:ext>
-    </p:extLst>
-  </p:cSld>
-  <p:clrMapOvr>
-    <a:masterClrMapping/>
-  </p:clrMapOvr>
-  <p:timing>
-    <p:tnLst>
-      <p:par>
-        <p:cTn id="1" dur="indefinite" restart="never" nodeType="tmRoot"/>
-      </p:par>
-    </p:tnLst>
-  </p:timing>
-</p:sld>
-</file>
-
-<file path=ppt/slides/slide9.xml><?xml version="1.0" encoding="utf-8"?>
-<p:sld xmlns:a="http://schemas.openxmlformats.org/drawingml/2006/main" xmlns:r="http://schemas.openxmlformats.org/officeDocument/2006/relationships" xmlns:p="http://schemas.openxmlformats.org/presentationml/2006/main">
-  <p:cSld>
-    <p:spTree>
-      <p:nvGrpSpPr>
-        <p:cNvPr id="1" name=""/>
-        <p:cNvGrpSpPr/>
-        <p:nvPr/>
-      </p:nvGrpSpPr>
-      <p:grpSpPr>
-        <a:xfrm>
-          <a:off x="0" y="0"/>
-          <a:ext cx="0" cy="0"/>
-          <a:chOff x="0" y="0"/>
-          <a:chExt cx="0" cy="0"/>
-        </a:xfrm>
-      </p:grpSpPr>
-      <p:sp>
-        <p:nvSpPr>
-          <p:cNvPr id="2" name="Title 1"/>
-          <p:cNvSpPr>
-            <a:spLocks noGrp="1"/>
-          </p:cNvSpPr>
-          <p:nvPr>
-            <p:ph type="title"/>
-          </p:nvPr>
-        </p:nvSpPr>
-        <p:spPr/>
-        <p:txBody>
-          <a:bodyPr/>
-          <a:lstStyle/>
-          <a:p>
-            <a:r>
-              <a:rPr lang="en-US" dirty="0"/>
-              <a:t>Model </a:t>
-            </a:r>
-            <a:r>
-              <a:rPr lang="en-US" dirty="0" err="1"/>
-              <a:t>Eğitimi</a:t>
-            </a:r>
-            <a:r>
-              <a:rPr lang="en-US" dirty="0"/>
-              <a:t> </a:t>
-            </a:r>
-            <a:r>
-              <a:rPr lang="en-US" dirty="0" err="1"/>
-              <a:t>ve</a:t>
-            </a:r>
-            <a:r>
-              <a:rPr lang="en-US" dirty="0"/>
-              <a:t> </a:t>
-            </a:r>
-            <a:r>
-              <a:rPr lang="en-US" dirty="0" err="1"/>
-              <a:t>Değerlendirmesi</a:t>
-            </a:r>
-            <a:r>
-              <a:rPr lang="en-US" dirty="0"/>
-              <a:t> </a:t>
-            </a:r>
-            <a:endParaRPr lang="ar-SA" dirty="0"/>
-          </a:p>
-        </p:txBody>
-      </p:sp>
-      <p:sp>
-        <p:nvSpPr>
-          <p:cNvPr id="3" name="Content Placeholder 2"/>
-          <p:cNvSpPr>
-            <a:spLocks noGrp="1"/>
-          </p:cNvSpPr>
-          <p:nvPr>
-            <p:ph idx="1"/>
-          </p:nvPr>
-        </p:nvSpPr>
-        <p:spPr/>
-        <p:txBody>
-          <a:bodyPr/>
-          <a:lstStyle/>
-          <a:p>
-            <a:pPr algn="l" rtl="0"/>
-            <a:r>
-              <a:rPr lang="en-US" dirty="0"/>
-              <a:t>Model, </a:t>
-            </a:r>
-            <a:r>
-              <a:rPr lang="en-US" dirty="0" err="1"/>
-              <a:t>kategorik</a:t>
-            </a:r>
-            <a:r>
-              <a:rPr lang="en-US" dirty="0"/>
-              <a:t> </a:t>
-            </a:r>
-            <a:r>
-              <a:rPr lang="en-US" dirty="0" err="1"/>
-              <a:t>çapraz</a:t>
-            </a:r>
-            <a:r>
-              <a:rPr lang="en-US" dirty="0"/>
-              <a:t> </a:t>
-            </a:r>
-            <a:r>
-              <a:rPr lang="en-US" dirty="0" err="1"/>
-              <a:t>entropi</a:t>
-            </a:r>
-            <a:r>
-              <a:rPr lang="en-US" dirty="0"/>
-              <a:t> </a:t>
-            </a:r>
-            <a:r>
-              <a:rPr lang="en-US" dirty="0" err="1"/>
-              <a:t>kaybı</a:t>
-            </a:r>
-            <a:r>
-              <a:rPr lang="en-US" dirty="0"/>
-              <a:t> </a:t>
-            </a:r>
-            <a:r>
-              <a:rPr lang="en-US" dirty="0" err="1"/>
-              <a:t>ve</a:t>
-            </a:r>
-            <a:r>
-              <a:rPr lang="en-US" dirty="0"/>
-              <a:t> </a:t>
-            </a:r>
-            <a:r>
-              <a:rPr lang="en-US" dirty="0" err="1"/>
-              <a:t>parametre</a:t>
-            </a:r>
-            <a:r>
-              <a:rPr lang="en-US" dirty="0"/>
-              <a:t> </a:t>
-            </a:r>
-            <a:r>
-              <a:rPr lang="en-US" dirty="0" err="1"/>
-              <a:t>başına</a:t>
-            </a:r>
-            <a:r>
-              <a:rPr lang="en-US" dirty="0"/>
-              <a:t> </a:t>
-            </a:r>
-            <a:r>
-              <a:rPr lang="en-US" dirty="0" err="1"/>
-              <a:t>öğrenme</a:t>
-            </a:r>
-            <a:r>
-              <a:rPr lang="en-US" dirty="0"/>
-              <a:t> </a:t>
-            </a:r>
-            <a:r>
-              <a:rPr lang="en-US" dirty="0" err="1"/>
-              <a:t>oranı</a:t>
-            </a:r>
-            <a:r>
-              <a:rPr lang="en-US" dirty="0"/>
-              <a:t> </a:t>
-            </a:r>
-            <a:r>
-              <a:rPr lang="en-US" dirty="0" err="1"/>
-              <a:t>uyarlaması</a:t>
-            </a:r>
-            <a:r>
-              <a:rPr lang="en-US" dirty="0"/>
-              <a:t> </a:t>
-            </a:r>
-            <a:r>
-              <a:rPr lang="en-US" dirty="0" err="1"/>
-              <a:t>olan</a:t>
-            </a:r>
-            <a:r>
-              <a:rPr lang="en-US" dirty="0"/>
-              <a:t> Adam optimize </a:t>
-            </a:r>
-            <a:r>
-              <a:rPr lang="en-US" dirty="0" err="1"/>
-              <a:t>edicisi</a:t>
-            </a:r>
-            <a:r>
-              <a:rPr lang="en-US" dirty="0"/>
-              <a:t> </a:t>
-            </a:r>
-            <a:r>
-              <a:rPr lang="en-US" dirty="0" err="1"/>
-              <a:t>ile</a:t>
-            </a:r>
-            <a:r>
-              <a:rPr lang="en-US" dirty="0"/>
-              <a:t> </a:t>
-            </a:r>
-            <a:r>
-              <a:rPr lang="en-US" dirty="0" err="1"/>
-              <a:t>eğitildi</a:t>
-            </a:r>
-            <a:r>
-              <a:rPr lang="en-US" dirty="0"/>
-              <a:t>. </a:t>
-            </a:r>
-            <a:endParaRPr lang="en-US" dirty="0" smtClean="0"/>
-          </a:p>
-          <a:p>
-            <a:pPr algn="l" rtl="0"/>
-            <a:r>
-              <a:rPr lang="en-US" dirty="0" err="1"/>
-              <a:t>Aşırı</a:t>
-            </a:r>
-            <a:r>
-              <a:rPr lang="en-US" dirty="0"/>
-              <a:t> </a:t>
-            </a:r>
-            <a:r>
-              <a:rPr lang="en-US" dirty="0" err="1"/>
-              <a:t>uyumu</a:t>
-            </a:r>
-            <a:r>
-              <a:rPr lang="en-US" dirty="0"/>
-              <a:t> </a:t>
-            </a:r>
-            <a:r>
-              <a:rPr lang="en-US" dirty="0" err="1"/>
-              <a:t>önlemek</a:t>
-            </a:r>
-            <a:r>
-              <a:rPr lang="en-US" dirty="0"/>
-              <a:t> </a:t>
-            </a:r>
-            <a:r>
-              <a:rPr lang="en-US" dirty="0" err="1"/>
-              <a:t>ve</a:t>
-            </a:r>
-            <a:r>
-              <a:rPr lang="en-US" dirty="0"/>
-              <a:t> en </a:t>
-            </a:r>
-            <a:r>
-              <a:rPr lang="en-US" dirty="0" err="1"/>
-              <a:t>iyi</a:t>
-            </a:r>
-            <a:r>
-              <a:rPr lang="en-US" dirty="0"/>
-              <a:t> </a:t>
-            </a:r>
-            <a:r>
-              <a:rPr lang="en-US" dirty="0" err="1"/>
-              <a:t>performans</a:t>
-            </a:r>
-            <a:r>
-              <a:rPr lang="en-US" dirty="0"/>
-              <a:t> </a:t>
-            </a:r>
-            <a:r>
-              <a:rPr lang="en-US" dirty="0" err="1"/>
-              <a:t>gösteren</a:t>
-            </a:r>
-            <a:r>
-              <a:rPr lang="en-US" dirty="0"/>
-              <a:t> </a:t>
-            </a:r>
-            <a:r>
-              <a:rPr lang="en-US" dirty="0" err="1"/>
-              <a:t>modeli</a:t>
-            </a:r>
-            <a:r>
-              <a:rPr lang="en-US" dirty="0"/>
-              <a:t> </a:t>
-            </a:r>
-            <a:r>
-              <a:rPr lang="en-US" dirty="0" err="1"/>
-              <a:t>korumak</a:t>
-            </a:r>
-            <a:r>
-              <a:rPr lang="en-US" dirty="0"/>
-              <a:t> </a:t>
-            </a:r>
-            <a:r>
-              <a:rPr lang="en-US" dirty="0" err="1"/>
-              <a:t>için</a:t>
-            </a:r>
-            <a:r>
-              <a:rPr lang="en-US" dirty="0"/>
-              <a:t> </a:t>
-            </a:r>
-            <a:r>
-              <a:rPr lang="en-US" dirty="0" err="1"/>
-              <a:t>erken</a:t>
-            </a:r>
-            <a:r>
-              <a:rPr lang="en-US" dirty="0"/>
-              <a:t> </a:t>
-            </a:r>
-            <a:r>
-              <a:rPr lang="en-US" dirty="0" err="1"/>
-              <a:t>durdurma</a:t>
-            </a:r>
-            <a:r>
-              <a:rPr lang="en-US" dirty="0"/>
-              <a:t> </a:t>
-            </a:r>
-            <a:r>
-              <a:rPr lang="en-US" dirty="0" err="1"/>
-              <a:t>ve</a:t>
-            </a:r>
-            <a:r>
-              <a:rPr lang="en-US" dirty="0"/>
-              <a:t> model </a:t>
-            </a:r>
-            <a:r>
-              <a:rPr lang="en-US" dirty="0" err="1"/>
-              <a:t>kontrol</a:t>
-            </a:r>
-            <a:r>
-              <a:rPr lang="en-US" dirty="0"/>
-              <a:t> </a:t>
-            </a:r>
-            <a:r>
-              <a:rPr lang="en-US" dirty="0" err="1"/>
-              <a:t>noktası</a:t>
-            </a:r>
-            <a:r>
-              <a:rPr lang="en-US" dirty="0"/>
-              <a:t> </a:t>
-            </a:r>
-            <a:r>
-              <a:rPr lang="en-US" dirty="0" err="1"/>
-              <a:t>uygulandı</a:t>
-            </a:r>
-            <a:r>
-              <a:rPr lang="en-US" dirty="0"/>
-              <a:t>. </a:t>
-            </a:r>
-            <a:endParaRPr lang="en-US" dirty="0" smtClean="0"/>
-          </a:p>
-          <a:p>
-            <a:pPr algn="l" rtl="0"/>
-            <a:r>
-              <a:rPr lang="en-US" dirty="0"/>
-              <a:t>Test, </a:t>
-            </a:r>
-            <a:r>
-              <a:rPr lang="en-US" dirty="0" err="1"/>
-              <a:t>verilen</a:t>
-            </a:r>
-            <a:r>
-              <a:rPr lang="en-US" dirty="0"/>
-              <a:t> test </a:t>
-            </a:r>
-            <a:r>
-              <a:rPr lang="en-US" dirty="0" err="1"/>
-              <a:t>setinde</a:t>
-            </a:r>
-            <a:r>
-              <a:rPr lang="en-US" dirty="0"/>
-              <a:t> </a:t>
-            </a:r>
-            <a:r>
-              <a:rPr lang="en-US" dirty="0" err="1"/>
-              <a:t>bir</a:t>
-            </a:r>
-            <a:r>
-              <a:rPr lang="en-US" dirty="0"/>
-              <a:t> </a:t>
-            </a:r>
-            <a:r>
-              <a:rPr lang="en-US" dirty="0" err="1"/>
-              <a:t>karışıklık</a:t>
-            </a:r>
-            <a:r>
-              <a:rPr lang="en-US" dirty="0"/>
-              <a:t> </a:t>
-            </a:r>
-            <a:r>
-              <a:rPr lang="en-US" dirty="0" err="1"/>
-              <a:t>matrisinde</a:t>
-            </a:r>
-            <a:r>
-              <a:rPr lang="en-US" dirty="0"/>
-              <a:t> </a:t>
-            </a:r>
-            <a:r>
-              <a:rPr lang="en-US" dirty="0" err="1"/>
-              <a:t>gerçekleştirildi</a:t>
-            </a:r>
-            <a:r>
-              <a:rPr lang="en-US" dirty="0"/>
-              <a:t> </a:t>
-            </a:r>
-            <a:r>
-              <a:rPr lang="en-US" dirty="0" err="1"/>
-              <a:t>ve</a:t>
-            </a:r>
-            <a:r>
-              <a:rPr lang="en-US" dirty="0"/>
-              <a:t> </a:t>
-            </a:r>
-            <a:r>
-              <a:rPr lang="en-US" dirty="0" err="1"/>
-              <a:t>sınıf</a:t>
-            </a:r>
-            <a:r>
-              <a:rPr lang="en-US" dirty="0"/>
-              <a:t> </a:t>
-            </a:r>
-            <a:r>
-              <a:rPr lang="en-US" dirty="0" err="1"/>
-              <a:t>bazında</a:t>
-            </a:r>
-            <a:r>
-              <a:rPr lang="en-US" dirty="0"/>
-              <a:t> </a:t>
-            </a:r>
-            <a:r>
-              <a:rPr lang="en-US" dirty="0" err="1"/>
-              <a:t>içgörüler</a:t>
-            </a:r>
-            <a:r>
-              <a:rPr lang="en-US" dirty="0"/>
-              <a:t> </a:t>
-            </a:r>
-            <a:r>
-              <a:rPr lang="en-US" dirty="0" err="1"/>
-              <a:t>sağladı</a:t>
-            </a:r>
-            <a:r>
-              <a:rPr lang="en-US" dirty="0"/>
-              <a:t>. </a:t>
-            </a:r>
-            <a:r>
-              <a:rPr lang="en-US" dirty="0" err="1"/>
-              <a:t>Görsel</a:t>
-            </a:r>
-            <a:r>
-              <a:rPr lang="en-US" dirty="0"/>
-              <a:t> </a:t>
-            </a:r>
-            <a:r>
-              <a:rPr lang="en-US" dirty="0" err="1"/>
-              <a:t>olarak</a:t>
-            </a:r>
-            <a:r>
-              <a:rPr lang="en-US" dirty="0"/>
-              <a:t> </a:t>
-            </a:r>
-            <a:r>
-              <a:rPr lang="en-US" dirty="0" err="1"/>
-              <a:t>belirsiz</a:t>
-            </a:r>
-            <a:r>
-              <a:rPr lang="en-US" dirty="0"/>
-              <a:t> </a:t>
-            </a:r>
-            <a:r>
-              <a:rPr lang="en-US" dirty="0" err="1"/>
-              <a:t>harfler</a:t>
-            </a:r>
-            <a:r>
-              <a:rPr lang="en-US" dirty="0"/>
-              <a:t> (</a:t>
-            </a:r>
-            <a:r>
-              <a:rPr lang="en-US" dirty="0" err="1"/>
-              <a:t>örneğin</a:t>
-            </a:r>
-            <a:r>
-              <a:rPr lang="en-US" dirty="0"/>
-              <a:t>, 'J' </a:t>
-            </a:r>
-            <a:r>
-              <a:rPr lang="en-US" dirty="0" err="1"/>
-              <a:t>ve</a:t>
-            </a:r>
-            <a:r>
-              <a:rPr lang="en-US" dirty="0"/>
-              <a:t> 'K') </a:t>
-            </a:r>
-            <a:r>
-              <a:rPr lang="en-US" dirty="0" err="1"/>
-              <a:t>yanlış</a:t>
-            </a:r>
-            <a:r>
-              <a:rPr lang="en-US" dirty="0"/>
-              <a:t> </a:t>
-            </a:r>
-            <a:r>
-              <a:rPr lang="en-US" dirty="0" err="1"/>
-              <a:t>sınıflandırma</a:t>
-            </a:r>
-            <a:r>
-              <a:rPr lang="en-US" dirty="0"/>
-              <a:t> </a:t>
-            </a:r>
-            <a:r>
-              <a:rPr lang="en-US" dirty="0" err="1"/>
-              <a:t>kalıpları</a:t>
-            </a:r>
-            <a:r>
-              <a:rPr lang="en-US" dirty="0"/>
-              <a:t> </a:t>
-            </a:r>
-            <a:r>
-              <a:rPr lang="en-US" dirty="0" err="1"/>
-              <a:t>için</a:t>
-            </a:r>
-            <a:r>
-              <a:rPr lang="en-US" dirty="0"/>
-              <a:t> </a:t>
-            </a:r>
-            <a:r>
-              <a:rPr lang="en-US" dirty="0" err="1"/>
-              <a:t>kapsamlı</a:t>
-            </a:r>
-            <a:r>
-              <a:rPr lang="en-US" dirty="0"/>
-              <a:t> </a:t>
-            </a:r>
-            <a:r>
-              <a:rPr lang="en-US" dirty="0" err="1"/>
-              <a:t>bir</a:t>
-            </a:r>
-            <a:r>
-              <a:rPr lang="en-US" dirty="0"/>
-              <a:t> </a:t>
-            </a:r>
-            <a:r>
-              <a:rPr lang="en-US" dirty="0" err="1"/>
-              <a:t>şekilde</a:t>
-            </a:r>
-            <a:r>
-              <a:rPr lang="en-US" dirty="0"/>
-              <a:t> </a:t>
-            </a:r>
-            <a:r>
-              <a:rPr lang="en-US" dirty="0" err="1"/>
-              <a:t>incelendi</a:t>
-            </a:r>
-            <a:r>
-              <a:rPr lang="en-US" dirty="0"/>
-              <a:t>. </a:t>
-            </a:r>
-            <a:endParaRPr lang="ar-SA" dirty="0"/>
-          </a:p>
-        </p:txBody>
-      </p:sp>
-    </p:spTree>
-    <p:extLst>
-      <p:ext uri="{BB962C8B-B14F-4D97-AF65-F5344CB8AC3E}">
-        <p14:creationId xmlns:p14="http://schemas.microsoft.com/office/powerpoint/2010/main" val="1576364845"/>
       </p:ext>
     </p:extLst>
   </p:cSld>

--- a/Sunum.pptx
+++ b/Sunum.pptx
@@ -292,7 +292,7 @@
           </a:lstStyle>
           <a:p>
             <a:r>
-              <a:rPr lang="en-US" smtClean="0"/>
+              <a:rPr lang="en-US"/>
               <a:t>Click to edit Master title style</a:t>
             </a:r>
             <a:endParaRPr lang="en-US" dirty="0"/>
@@ -412,7 +412,7 @@
           </a:lstStyle>
           <a:p>
             <a:r>
-              <a:rPr lang="en-US" smtClean="0"/>
+              <a:rPr lang="en-US"/>
               <a:t>Click to edit Master subtitle style</a:t>
             </a:r>
             <a:endParaRPr lang="en-US" dirty="0"/>
@@ -451,7 +451,7 @@
           <a:p>
             <a:fld id="{1407A3B7-58FE-4A18-9F42-1771B36034B8}" type="datetimeFigureOut">
               <a:rPr lang="ar-SA" smtClean="0"/>
-              <a:t>14/12/1446</a:t>
+              <a:t>17/01/1447</a:t>
             </a:fld>
             <a:endParaRPr lang="ar-SA"/>
           </a:p>
@@ -1362,7 +1362,7 @@
           </a:lstStyle>
           <a:p>
             <a:r>
-              <a:rPr lang="en-US" smtClean="0"/>
+              <a:rPr lang="en-US"/>
               <a:t>Click to edit Master title style</a:t>
             </a:r>
             <a:endParaRPr lang="en-US" dirty="0"/>
@@ -1441,7 +1441,7 @@
           </a:lstStyle>
           <a:p>
             <a:r>
-              <a:rPr lang="en-US" smtClean="0"/>
+              <a:rPr lang="en-US"/>
               <a:t>Click icon to add picture</a:t>
             </a:r>
             <a:endParaRPr lang="en-US" dirty="0"/>
@@ -1516,7 +1516,7 @@
           <a:p>
             <a:pPr lvl="0"/>
             <a:r>
-              <a:rPr lang="en-US" smtClean="0"/>
+              <a:rPr lang="en-US"/>
               <a:t>Click to edit Master text styles</a:t>
             </a:r>
           </a:p>
@@ -1539,7 +1539,7 @@
           <a:p>
             <a:fld id="{1407A3B7-58FE-4A18-9F42-1771B36034B8}" type="datetimeFigureOut">
               <a:rPr lang="ar-SA" smtClean="0"/>
-              <a:t>14/12/1446</a:t>
+              <a:t>17/01/1447</a:t>
             </a:fld>
             <a:endParaRPr lang="ar-SA"/>
           </a:p>
@@ -2428,7 +2428,7 @@
           </a:lstStyle>
           <a:p>
             <a:r>
-              <a:rPr lang="en-US" smtClean="0"/>
+              <a:rPr lang="en-US"/>
               <a:t>Click to edit Master title style</a:t>
             </a:r>
             <a:endParaRPr lang="en-US" dirty="0"/>
@@ -2496,7 +2496,7 @@
           <a:p>
             <a:pPr lvl="0"/>
             <a:r>
-              <a:rPr lang="en-US" smtClean="0"/>
+              <a:rPr lang="en-US"/>
               <a:t>Click to edit Master text styles</a:t>
             </a:r>
           </a:p>
@@ -2519,7 +2519,7 @@
           <a:p>
             <a:fld id="{1407A3B7-58FE-4A18-9F42-1771B36034B8}" type="datetimeFigureOut">
               <a:rPr lang="ar-SA" smtClean="0"/>
-              <a:t>14/12/1446</a:t>
+              <a:t>17/01/1447</a:t>
             </a:fld>
             <a:endParaRPr lang="ar-SA"/>
           </a:p>
@@ -3486,7 +3486,7 @@
           </a:lstStyle>
           <a:p>
             <a:r>
-              <a:rPr lang="en-US" smtClean="0"/>
+              <a:rPr lang="en-US"/>
               <a:t>Click to edit Master title style</a:t>
             </a:r>
             <a:endParaRPr lang="en-US" dirty="0"/>
@@ -3563,7 +3563,7 @@
           <a:p>
             <a:pPr lvl="0"/>
             <a:r>
-              <a:rPr lang="en-US" smtClean="0"/>
+              <a:rPr lang="en-US"/>
               <a:t>Click to edit Master text styles</a:t>
             </a:r>
           </a:p>
@@ -3630,7 +3630,7 @@
           <a:p>
             <a:pPr lvl="0"/>
             <a:r>
-              <a:rPr lang="en-US" smtClean="0"/>
+              <a:rPr lang="en-US"/>
               <a:t>Click to edit Master text styles</a:t>
             </a:r>
           </a:p>
@@ -3653,7 +3653,7 @@
           <a:p>
             <a:fld id="{1407A3B7-58FE-4A18-9F42-1771B36034B8}" type="datetimeFigureOut">
               <a:rPr lang="ar-SA" smtClean="0"/>
-              <a:t>14/12/1446</a:t>
+              <a:t>17/01/1447</a:t>
             </a:fld>
             <a:endParaRPr lang="ar-SA"/>
           </a:p>
@@ -4542,7 +4542,7 @@
           </a:lstStyle>
           <a:p>
             <a:r>
-              <a:rPr lang="en-US" smtClean="0"/>
+              <a:rPr lang="en-US"/>
               <a:t>Click to edit Master title style</a:t>
             </a:r>
             <a:endParaRPr lang="en-US" dirty="0"/>
@@ -4663,7 +4663,7 @@
           <a:p>
             <a:pPr lvl="0"/>
             <a:r>
-              <a:rPr lang="en-US" smtClean="0"/>
+              <a:rPr lang="en-US"/>
               <a:t>Click to edit Master text styles</a:t>
             </a:r>
           </a:p>
@@ -4686,7 +4686,7 @@
           <a:p>
             <a:fld id="{1407A3B7-58FE-4A18-9F42-1771B36034B8}" type="datetimeFigureOut">
               <a:rPr lang="ar-SA" smtClean="0"/>
-              <a:t>14/12/1446</a:t>
+              <a:t>17/01/1447</a:t>
             </a:fld>
             <a:endParaRPr lang="ar-SA"/>
           </a:p>
@@ -4825,7 +4825,7 @@
           </a:lstStyle>
           <a:p>
             <a:r>
-              <a:rPr lang="en-US" smtClean="0"/>
+              <a:rPr lang="en-US"/>
               <a:t>Click to edit Master title style</a:t>
             </a:r>
             <a:endParaRPr lang="en-US" dirty="0"/>
@@ -4900,7 +4900,7 @@
           <a:p>
             <a:pPr lvl="0"/>
             <a:r>
-              <a:rPr lang="en-US" smtClean="0"/>
+              <a:rPr lang="en-US"/>
               <a:t>Click to edit Master text styles</a:t>
             </a:r>
           </a:p>
@@ -4967,7 +4967,7 @@
           <a:p>
             <a:pPr lvl="0"/>
             <a:r>
-              <a:rPr lang="en-US" smtClean="0"/>
+              <a:rPr lang="en-US"/>
               <a:t>Click to edit Master text styles</a:t>
             </a:r>
           </a:p>
@@ -5041,7 +5041,7 @@
           <a:p>
             <a:pPr lvl="0"/>
             <a:r>
-              <a:rPr lang="en-US" smtClean="0"/>
+              <a:rPr lang="en-US"/>
               <a:t>Click to edit Master text styles</a:t>
             </a:r>
           </a:p>
@@ -5108,7 +5108,7 @@
           <a:p>
             <a:pPr lvl="0"/>
             <a:r>
-              <a:rPr lang="en-US" smtClean="0"/>
+              <a:rPr lang="en-US"/>
               <a:t>Click to edit Master text styles</a:t>
             </a:r>
           </a:p>
@@ -5182,7 +5182,7 @@
           <a:p>
             <a:pPr lvl="0"/>
             <a:r>
-              <a:rPr lang="en-US" smtClean="0"/>
+              <a:rPr lang="en-US"/>
               <a:t>Click to edit Master text styles</a:t>
             </a:r>
           </a:p>
@@ -5249,7 +5249,7 @@
           <a:p>
             <a:pPr lvl="0"/>
             <a:r>
-              <a:rPr lang="en-US" smtClean="0"/>
+              <a:rPr lang="en-US"/>
               <a:t>Click to edit Master text styles</a:t>
             </a:r>
           </a:p>
@@ -5346,7 +5346,7 @@
           <a:p>
             <a:fld id="{1407A3B7-58FE-4A18-9F42-1771B36034B8}" type="datetimeFigureOut">
               <a:rPr lang="ar-SA" smtClean="0"/>
-              <a:t>14/12/1446</a:t>
+              <a:t>17/01/1447</a:t>
             </a:fld>
             <a:endParaRPr lang="ar-SA"/>
           </a:p>
@@ -5449,7 +5449,7 @@
           </a:lstStyle>
           <a:p>
             <a:r>
-              <a:rPr lang="en-US" smtClean="0"/>
+              <a:rPr lang="en-US"/>
               <a:t>Click to edit Master title style</a:t>
             </a:r>
             <a:endParaRPr lang="en-US" dirty="0"/>
@@ -5524,7 +5524,7 @@
           <a:p>
             <a:pPr lvl="0"/>
             <a:r>
-              <a:rPr lang="en-US" smtClean="0"/>
+              <a:rPr lang="en-US"/>
               <a:t>Click to edit Master text styles</a:t>
             </a:r>
           </a:p>
@@ -5602,7 +5602,7 @@
           </a:lstStyle>
           <a:p>
             <a:r>
-              <a:rPr lang="en-US" smtClean="0"/>
+              <a:rPr lang="en-US"/>
               <a:t>Click icon to add picture</a:t>
             </a:r>
             <a:endParaRPr lang="en-US" dirty="0"/>
@@ -5670,7 +5670,7 @@
           <a:p>
             <a:pPr lvl="0"/>
             <a:r>
-              <a:rPr lang="en-US" smtClean="0"/>
+              <a:rPr lang="en-US"/>
               <a:t>Click to edit Master text styles</a:t>
             </a:r>
           </a:p>
@@ -5744,7 +5744,7 @@
           <a:p>
             <a:pPr lvl="0"/>
             <a:r>
-              <a:rPr lang="en-US" smtClean="0"/>
+              <a:rPr lang="en-US"/>
               <a:t>Click to edit Master text styles</a:t>
             </a:r>
           </a:p>
@@ -5822,7 +5822,7 @@
           </a:lstStyle>
           <a:p>
             <a:r>
-              <a:rPr lang="en-US" smtClean="0"/>
+              <a:rPr lang="en-US"/>
               <a:t>Click icon to add picture</a:t>
             </a:r>
             <a:endParaRPr lang="en-US" dirty="0"/>
@@ -5890,7 +5890,7 @@
           <a:p>
             <a:pPr lvl="0"/>
             <a:r>
-              <a:rPr lang="en-US" smtClean="0"/>
+              <a:rPr lang="en-US"/>
               <a:t>Click to edit Master text styles</a:t>
             </a:r>
           </a:p>
@@ -5964,7 +5964,7 @@
           <a:p>
             <a:pPr lvl="0"/>
             <a:r>
-              <a:rPr lang="en-US" smtClean="0"/>
+              <a:rPr lang="en-US"/>
               <a:t>Click to edit Master text styles</a:t>
             </a:r>
           </a:p>
@@ -6042,7 +6042,7 @@
           </a:lstStyle>
           <a:p>
             <a:r>
-              <a:rPr lang="en-US" smtClean="0"/>
+              <a:rPr lang="en-US"/>
               <a:t>Click icon to add picture</a:t>
             </a:r>
             <a:endParaRPr lang="en-US" dirty="0"/>
@@ -6110,7 +6110,7 @@
           <a:p>
             <a:pPr lvl="0"/>
             <a:r>
-              <a:rPr lang="en-US" smtClean="0"/>
+              <a:rPr lang="en-US"/>
               <a:t>Click to edit Master text styles</a:t>
             </a:r>
           </a:p>
@@ -6207,7 +6207,7 @@
           <a:p>
             <a:fld id="{1407A3B7-58FE-4A18-9F42-1771B36034B8}" type="datetimeFigureOut">
               <a:rPr lang="ar-SA" smtClean="0"/>
-              <a:t>14/12/1446</a:t>
+              <a:t>17/01/1447</a:t>
             </a:fld>
             <a:endParaRPr lang="ar-SA"/>
           </a:p>
@@ -6311,7 +6311,7 @@
           <a:lstStyle/>
           <a:p>
             <a:r>
-              <a:rPr lang="en-US" smtClean="0"/>
+              <a:rPr lang="en-US"/>
               <a:t>Click to edit Master title style</a:t>
             </a:r>
             <a:endParaRPr lang="en-US" dirty="0"/>
@@ -6340,35 +6340,35 @@
           <a:p>
             <a:pPr lvl="0"/>
             <a:r>
-              <a:rPr lang="en-US" smtClean="0"/>
+              <a:rPr lang="en-US"/>
               <a:t>Click to edit Master text styles</a:t>
             </a:r>
           </a:p>
           <a:p>
             <a:pPr lvl="1"/>
             <a:r>
-              <a:rPr lang="en-US" smtClean="0"/>
+              <a:rPr lang="en-US"/>
               <a:t>Second level</a:t>
             </a:r>
           </a:p>
           <a:p>
             <a:pPr lvl="2"/>
             <a:r>
-              <a:rPr lang="en-US" smtClean="0"/>
+              <a:rPr lang="en-US"/>
               <a:t>Third level</a:t>
             </a:r>
           </a:p>
           <a:p>
             <a:pPr lvl="3"/>
             <a:r>
-              <a:rPr lang="en-US" smtClean="0"/>
+              <a:rPr lang="en-US"/>
               <a:t>Fourth level</a:t>
             </a:r>
           </a:p>
           <a:p>
             <a:pPr lvl="4"/>
             <a:r>
-              <a:rPr lang="en-US" smtClean="0"/>
+              <a:rPr lang="en-US"/>
               <a:t>Fifth level</a:t>
             </a:r>
             <a:endParaRPr lang="en-US" dirty="0"/>
@@ -6397,7 +6397,7 @@
           <a:p>
             <a:fld id="{1407A3B7-58FE-4A18-9F42-1771B36034B8}" type="datetimeFigureOut">
               <a:rPr lang="ar-SA" smtClean="0"/>
-              <a:t>14/12/1446</a:t>
+              <a:t>17/01/1447</a:t>
             </a:fld>
             <a:endParaRPr lang="ar-SA"/>
           </a:p>
@@ -7283,7 +7283,7 @@
           <a:lstStyle/>
           <a:p>
             <a:r>
-              <a:rPr lang="en-US" smtClean="0"/>
+              <a:rPr lang="en-US"/>
               <a:t>Click to edit Master title style</a:t>
             </a:r>
             <a:endParaRPr lang="en-US" dirty="0"/>
@@ -7312,35 +7312,35 @@
           <a:p>
             <a:pPr lvl="0"/>
             <a:r>
-              <a:rPr lang="en-US" smtClean="0"/>
+              <a:rPr lang="en-US"/>
               <a:t>Click to edit Master text styles</a:t>
             </a:r>
           </a:p>
           <a:p>
             <a:pPr lvl="1"/>
             <a:r>
-              <a:rPr lang="en-US" smtClean="0"/>
+              <a:rPr lang="en-US"/>
               <a:t>Second level</a:t>
             </a:r>
           </a:p>
           <a:p>
             <a:pPr lvl="2"/>
             <a:r>
-              <a:rPr lang="en-US" smtClean="0"/>
+              <a:rPr lang="en-US"/>
               <a:t>Third level</a:t>
             </a:r>
           </a:p>
           <a:p>
             <a:pPr lvl="3"/>
             <a:r>
-              <a:rPr lang="en-US" smtClean="0"/>
+              <a:rPr lang="en-US"/>
               <a:t>Fourth level</a:t>
             </a:r>
           </a:p>
           <a:p>
             <a:pPr lvl="4"/>
             <a:r>
-              <a:rPr lang="en-US" smtClean="0"/>
+              <a:rPr lang="en-US"/>
               <a:t>Fifth level</a:t>
             </a:r>
             <a:endParaRPr lang="en-US" dirty="0"/>
@@ -7369,7 +7369,7 @@
           <a:p>
             <a:fld id="{1407A3B7-58FE-4A18-9F42-1771B36034B8}" type="datetimeFigureOut">
               <a:rPr lang="ar-SA" smtClean="0"/>
-              <a:t>14/12/1446</a:t>
+              <a:t>17/01/1447</a:t>
             </a:fld>
             <a:endParaRPr lang="ar-SA"/>
           </a:p>
@@ -7499,7 +7499,7 @@
           <a:lstStyle/>
           <a:p>
             <a:r>
-              <a:rPr lang="en-US" smtClean="0"/>
+              <a:rPr lang="en-US"/>
               <a:t>Click to edit Master title style</a:t>
             </a:r>
             <a:endParaRPr lang="en-US" dirty="0"/>
@@ -7528,35 +7528,35 @@
           <a:p>
             <a:pPr lvl="0"/>
             <a:r>
-              <a:rPr lang="en-US" smtClean="0"/>
+              <a:rPr lang="en-US"/>
               <a:t>Click to edit Master text styles</a:t>
             </a:r>
           </a:p>
           <a:p>
             <a:pPr lvl="1"/>
             <a:r>
-              <a:rPr lang="en-US" smtClean="0"/>
+              <a:rPr lang="en-US"/>
               <a:t>Second level</a:t>
             </a:r>
           </a:p>
           <a:p>
             <a:pPr lvl="2"/>
             <a:r>
-              <a:rPr lang="en-US" smtClean="0"/>
+              <a:rPr lang="en-US"/>
               <a:t>Third level</a:t>
             </a:r>
           </a:p>
           <a:p>
             <a:pPr lvl="3"/>
             <a:r>
-              <a:rPr lang="en-US" smtClean="0"/>
+              <a:rPr lang="en-US"/>
               <a:t>Fourth level</a:t>
             </a:r>
           </a:p>
           <a:p>
             <a:pPr lvl="4"/>
             <a:r>
-              <a:rPr lang="en-US" smtClean="0"/>
+              <a:rPr lang="en-US"/>
               <a:t>Fifth level</a:t>
             </a:r>
             <a:endParaRPr lang="en-US" dirty="0"/>
@@ -7580,7 +7580,7 @@
           <a:p>
             <a:fld id="{1407A3B7-58FE-4A18-9F42-1771B36034B8}" type="datetimeFigureOut">
               <a:rPr lang="ar-SA" smtClean="0"/>
-              <a:t>14/12/1446</a:t>
+              <a:t>17/01/1447</a:t>
             </a:fld>
             <a:endParaRPr lang="ar-SA"/>
           </a:p>
@@ -8470,7 +8470,7 @@
           </a:lstStyle>
           <a:p>
             <a:r>
-              <a:rPr lang="en-US" smtClean="0"/>
+              <a:rPr lang="en-US"/>
               <a:t>Click to edit Master title style</a:t>
             </a:r>
             <a:endParaRPr lang="en-US" dirty="0"/>
@@ -8591,7 +8591,7 @@
           <a:p>
             <a:pPr lvl="0"/>
             <a:r>
-              <a:rPr lang="en-US" smtClean="0"/>
+              <a:rPr lang="en-US"/>
               <a:t>Click to edit Master text styles</a:t>
             </a:r>
           </a:p>
@@ -8614,7 +8614,7 @@
           <a:p>
             <a:fld id="{1407A3B7-58FE-4A18-9F42-1771B36034B8}" type="datetimeFigureOut">
               <a:rPr lang="ar-SA" smtClean="0"/>
-              <a:t>14/12/1446</a:t>
+              <a:t>17/01/1447</a:t>
             </a:fld>
             <a:endParaRPr lang="ar-SA"/>
           </a:p>
@@ -8744,7 +8744,7 @@
           <a:lstStyle/>
           <a:p>
             <a:r>
-              <a:rPr lang="en-US" smtClean="0"/>
+              <a:rPr lang="en-US"/>
               <a:t>Click to edit Master title style</a:t>
             </a:r>
             <a:endParaRPr lang="en-US" dirty="0"/>
@@ -8775,35 +8775,35 @@
           <a:p>
             <a:pPr lvl="0"/>
             <a:r>
-              <a:rPr lang="en-US" smtClean="0"/>
+              <a:rPr lang="en-US"/>
               <a:t>Click to edit Master text styles</a:t>
             </a:r>
           </a:p>
           <a:p>
             <a:pPr lvl="1"/>
             <a:r>
-              <a:rPr lang="en-US" smtClean="0"/>
+              <a:rPr lang="en-US"/>
               <a:t>Second level</a:t>
             </a:r>
           </a:p>
           <a:p>
             <a:pPr lvl="2"/>
             <a:r>
-              <a:rPr lang="en-US" smtClean="0"/>
+              <a:rPr lang="en-US"/>
               <a:t>Third level</a:t>
             </a:r>
           </a:p>
           <a:p>
             <a:pPr lvl="3"/>
             <a:r>
-              <a:rPr lang="en-US" smtClean="0"/>
+              <a:rPr lang="en-US"/>
               <a:t>Fourth level</a:t>
             </a:r>
           </a:p>
           <a:p>
             <a:pPr lvl="4"/>
             <a:r>
-              <a:rPr lang="en-US" smtClean="0"/>
+              <a:rPr lang="en-US"/>
               <a:t>Fifth level</a:t>
             </a:r>
             <a:endParaRPr lang="en-US" dirty="0"/>
@@ -8834,35 +8834,35 @@
           <a:p>
             <a:pPr lvl="0"/>
             <a:r>
-              <a:rPr lang="en-US" smtClean="0"/>
+              <a:rPr lang="en-US"/>
               <a:t>Click to edit Master text styles</a:t>
             </a:r>
           </a:p>
           <a:p>
             <a:pPr lvl="1"/>
             <a:r>
-              <a:rPr lang="en-US" smtClean="0"/>
+              <a:rPr lang="en-US"/>
               <a:t>Second level</a:t>
             </a:r>
           </a:p>
           <a:p>
             <a:pPr lvl="2"/>
             <a:r>
-              <a:rPr lang="en-US" smtClean="0"/>
+              <a:rPr lang="en-US"/>
               <a:t>Third level</a:t>
             </a:r>
           </a:p>
           <a:p>
             <a:pPr lvl="3"/>
             <a:r>
-              <a:rPr lang="en-US" smtClean="0"/>
+              <a:rPr lang="en-US"/>
               <a:t>Fourth level</a:t>
             </a:r>
           </a:p>
           <a:p>
             <a:pPr lvl="4"/>
             <a:r>
-              <a:rPr lang="en-US" smtClean="0"/>
+              <a:rPr lang="en-US"/>
               <a:t>Fifth level</a:t>
             </a:r>
             <a:endParaRPr lang="en-US" dirty="0"/>
@@ -8886,7 +8886,7 @@
           <a:p>
             <a:fld id="{1407A3B7-58FE-4A18-9F42-1771B36034B8}" type="datetimeFigureOut">
               <a:rPr lang="ar-SA" smtClean="0"/>
-              <a:t>14/12/1446</a:t>
+              <a:t>17/01/1447</a:t>
             </a:fld>
             <a:endParaRPr lang="ar-SA"/>
           </a:p>
@@ -8984,7 +8984,7 @@
           </a:lstStyle>
           <a:p>
             <a:r>
-              <a:rPr lang="en-US" smtClean="0"/>
+              <a:rPr lang="en-US"/>
               <a:t>Click to edit Master title style</a:t>
             </a:r>
             <a:endParaRPr lang="en-US" dirty="0"/>
@@ -9056,7 +9056,7 @@
           <a:p>
             <a:pPr lvl="0"/>
             <a:r>
-              <a:rPr lang="en-US" smtClean="0"/>
+              <a:rPr lang="en-US"/>
               <a:t>Click to edit Master text styles</a:t>
             </a:r>
           </a:p>
@@ -9086,35 +9086,35 @@
           <a:p>
             <a:pPr lvl="0"/>
             <a:r>
-              <a:rPr lang="en-US" smtClean="0"/>
+              <a:rPr lang="en-US"/>
               <a:t>Click to edit Master text styles</a:t>
             </a:r>
           </a:p>
           <a:p>
             <a:pPr lvl="1"/>
             <a:r>
-              <a:rPr lang="en-US" smtClean="0"/>
+              <a:rPr lang="en-US"/>
               <a:t>Second level</a:t>
             </a:r>
           </a:p>
           <a:p>
             <a:pPr lvl="2"/>
             <a:r>
-              <a:rPr lang="en-US" smtClean="0"/>
+              <a:rPr lang="en-US"/>
               <a:t>Third level</a:t>
             </a:r>
           </a:p>
           <a:p>
             <a:pPr lvl="3"/>
             <a:r>
-              <a:rPr lang="en-US" smtClean="0"/>
+              <a:rPr lang="en-US"/>
               <a:t>Fourth level</a:t>
             </a:r>
           </a:p>
           <a:p>
             <a:pPr lvl="4"/>
             <a:r>
-              <a:rPr lang="en-US" smtClean="0"/>
+              <a:rPr lang="en-US"/>
               <a:t>Fifth level</a:t>
             </a:r>
             <a:endParaRPr lang="en-US" dirty="0"/>
@@ -9186,7 +9186,7 @@
           <a:p>
             <a:pPr lvl="0"/>
             <a:r>
-              <a:rPr lang="en-US" smtClean="0"/>
+              <a:rPr lang="en-US"/>
               <a:t>Click to edit Master text styles</a:t>
             </a:r>
           </a:p>
@@ -9244,35 +9244,35 @@
           <a:p>
             <a:pPr lvl="0"/>
             <a:r>
-              <a:rPr lang="en-US" smtClean="0"/>
+              <a:rPr lang="en-US"/>
               <a:t>Click to edit Master text styles</a:t>
             </a:r>
           </a:p>
           <a:p>
             <a:pPr lvl="1"/>
             <a:r>
-              <a:rPr lang="en-US" smtClean="0"/>
+              <a:rPr lang="en-US"/>
               <a:t>Second level</a:t>
             </a:r>
           </a:p>
           <a:p>
             <a:pPr lvl="2"/>
             <a:r>
-              <a:rPr lang="en-US" smtClean="0"/>
+              <a:rPr lang="en-US"/>
               <a:t>Third level</a:t>
             </a:r>
           </a:p>
           <a:p>
             <a:pPr lvl="3"/>
             <a:r>
-              <a:rPr lang="en-US" smtClean="0"/>
+              <a:rPr lang="en-US"/>
               <a:t>Fourth level</a:t>
             </a:r>
           </a:p>
           <a:p>
             <a:pPr lvl="4"/>
             <a:r>
-              <a:rPr lang="en-US" smtClean="0"/>
+              <a:rPr lang="en-US"/>
               <a:t>Fifth level</a:t>
             </a:r>
             <a:endParaRPr lang="en-US" dirty="0"/>
@@ -9296,7 +9296,7 @@
           <a:p>
             <a:fld id="{1407A3B7-58FE-4A18-9F42-1771B36034B8}" type="datetimeFigureOut">
               <a:rPr lang="ar-SA" smtClean="0"/>
-              <a:t>14/12/1446</a:t>
+              <a:t>17/01/1447</a:t>
             </a:fld>
             <a:endParaRPr lang="ar-SA"/>
           </a:p>
@@ -9399,7 +9399,7 @@
           </a:lstStyle>
           <a:p>
             <a:r>
-              <a:rPr lang="en-US" smtClean="0"/>
+              <a:rPr lang="en-US"/>
               <a:t>Click to edit Master title style</a:t>
             </a:r>
             <a:endParaRPr lang="en-US" dirty="0"/>
@@ -9423,7 +9423,7 @@
           <a:p>
             <a:fld id="{1407A3B7-58FE-4A18-9F42-1771B36034B8}" type="datetimeFigureOut">
               <a:rPr lang="ar-SA" smtClean="0"/>
-              <a:t>14/12/1446</a:t>
+              <a:t>17/01/1447</a:t>
             </a:fld>
             <a:endParaRPr lang="ar-SA"/>
           </a:p>
@@ -9518,7 +9518,7 @@
           <a:p>
             <a:fld id="{1407A3B7-58FE-4A18-9F42-1771B36034B8}" type="datetimeFigureOut">
               <a:rPr lang="ar-SA" smtClean="0"/>
-              <a:t>14/12/1446</a:t>
+              <a:t>17/01/1447</a:t>
             </a:fld>
             <a:endParaRPr lang="ar-SA"/>
           </a:p>
@@ -10444,7 +10444,7 @@
           </a:lstStyle>
           <a:p>
             <a:r>
-              <a:rPr lang="en-US" smtClean="0"/>
+              <a:rPr lang="en-US"/>
               <a:t>Click to edit Master title style</a:t>
             </a:r>
             <a:endParaRPr lang="en-US" dirty="0"/>
@@ -10475,35 +10475,35 @@
           <a:p>
             <a:pPr lvl="0"/>
             <a:r>
-              <a:rPr lang="en-US" smtClean="0"/>
+              <a:rPr lang="en-US"/>
               <a:t>Click to edit Master text styles</a:t>
             </a:r>
           </a:p>
           <a:p>
             <a:pPr lvl="1"/>
             <a:r>
-              <a:rPr lang="en-US" smtClean="0"/>
+              <a:rPr lang="en-US"/>
               <a:t>Second level</a:t>
             </a:r>
           </a:p>
           <a:p>
             <a:pPr lvl="2"/>
             <a:r>
-              <a:rPr lang="en-US" smtClean="0"/>
+              <a:rPr lang="en-US"/>
               <a:t>Third level</a:t>
             </a:r>
           </a:p>
           <a:p>
             <a:pPr lvl="3"/>
             <a:r>
-              <a:rPr lang="en-US" smtClean="0"/>
+              <a:rPr lang="en-US"/>
               <a:t>Fourth level</a:t>
             </a:r>
           </a:p>
           <a:p>
             <a:pPr lvl="4"/>
             <a:r>
-              <a:rPr lang="en-US" smtClean="0"/>
+              <a:rPr lang="en-US"/>
               <a:t>Fifth level</a:t>
             </a:r>
             <a:endParaRPr lang="en-US" dirty="0"/>
@@ -10576,7 +10576,7 @@
           <a:p>
             <a:pPr lvl="0"/>
             <a:r>
-              <a:rPr lang="en-US" smtClean="0"/>
+              <a:rPr lang="en-US"/>
               <a:t>Click to edit Master text styles</a:t>
             </a:r>
           </a:p>
@@ -10599,7 +10599,7 @@
           <a:p>
             <a:fld id="{1407A3B7-58FE-4A18-9F42-1771B36034B8}" type="datetimeFigureOut">
               <a:rPr lang="ar-SA" smtClean="0"/>
-              <a:t>14/12/1446</a:t>
+              <a:t>17/01/1447</a:t>
             </a:fld>
             <a:endParaRPr lang="ar-SA"/>
           </a:p>
@@ -11527,7 +11527,7 @@
           </a:lstStyle>
           <a:p>
             <a:r>
-              <a:rPr lang="en-US" smtClean="0"/>
+              <a:rPr lang="en-US"/>
               <a:t>Click to edit Master title style</a:t>
             </a:r>
             <a:endParaRPr lang="en-US" dirty="0"/>
@@ -11609,7 +11609,7 @@
               <a:buNone/>
             </a:pPr>
             <a:r>
-              <a:rPr lang="en-US" smtClean="0"/>
+              <a:rPr lang="en-US"/>
               <a:t>Click icon to add picture</a:t>
             </a:r>
             <a:endParaRPr lang="en-US" dirty="0"/>
@@ -11684,7 +11684,7 @@
           <a:p>
             <a:pPr lvl="0"/>
             <a:r>
-              <a:rPr lang="en-US" smtClean="0"/>
+              <a:rPr lang="en-US"/>
               <a:t>Click to edit Master text styles</a:t>
             </a:r>
           </a:p>
@@ -11707,7 +11707,7 @@
           <a:p>
             <a:fld id="{1407A3B7-58FE-4A18-9F42-1771B36034B8}" type="datetimeFigureOut">
               <a:rPr lang="ar-SA" smtClean="0"/>
-              <a:t>14/12/1446</a:t>
+              <a:t>17/01/1447</a:t>
             </a:fld>
             <a:endParaRPr lang="ar-SA"/>
           </a:p>
@@ -12602,7 +12602,7 @@
           <a:lstStyle/>
           <a:p>
             <a:r>
-              <a:rPr lang="en-US" smtClean="0"/>
+              <a:rPr lang="en-US"/>
               <a:t>Click to edit Master title style</a:t>
             </a:r>
             <a:endParaRPr lang="en-US" dirty="0"/>
@@ -12636,35 +12636,35 @@
           <a:p>
             <a:pPr lvl="0"/>
             <a:r>
-              <a:rPr lang="en-US" smtClean="0"/>
+              <a:rPr lang="en-US"/>
               <a:t>Click to edit Master text styles</a:t>
             </a:r>
           </a:p>
           <a:p>
             <a:pPr lvl="1"/>
             <a:r>
-              <a:rPr lang="en-US" smtClean="0"/>
+              <a:rPr lang="en-US"/>
               <a:t>Second level</a:t>
             </a:r>
           </a:p>
           <a:p>
             <a:pPr lvl="2"/>
             <a:r>
-              <a:rPr lang="en-US" smtClean="0"/>
+              <a:rPr lang="en-US"/>
               <a:t>Third level</a:t>
             </a:r>
           </a:p>
           <a:p>
             <a:pPr lvl="3"/>
             <a:r>
-              <a:rPr lang="en-US" smtClean="0"/>
+              <a:rPr lang="en-US"/>
               <a:t>Fourth level</a:t>
             </a:r>
           </a:p>
           <a:p>
             <a:pPr lvl="4"/>
             <a:r>
-              <a:rPr lang="en-US" smtClean="0"/>
+              <a:rPr lang="en-US"/>
               <a:t>Fifth level</a:t>
             </a:r>
             <a:endParaRPr lang="en-US" dirty="0"/>
@@ -12704,7 +12704,7 @@
           <a:p>
             <a:fld id="{1407A3B7-58FE-4A18-9F42-1771B36034B8}" type="datetimeFigureOut">
               <a:rPr lang="ar-SA" smtClean="0"/>
-              <a:t>14/12/1446</a:t>
+              <a:t>17/01/1447</a:t>
             </a:fld>
             <a:endParaRPr lang="ar-SA"/>
           </a:p>
@@ -13290,9 +13290,6 @@
               </a:rPr>
               <a:t>تطبيق التعرف على أبجدية لغة الإشارة التركية</a:t>
             </a:r>
-            <a:endParaRPr lang="ar-SA" dirty="0">
-              <a:latin typeface="Britannic Bold" panose="020B0903060703020204" pitchFamily="34" charset="0"/>
-            </a:endParaRPr>
           </a:p>
         </p:txBody>
       </p:sp>
@@ -13323,7 +13320,6 @@
               <a:rPr lang="ar-SA" dirty="0"/>
               <a:t>إعداد: عمرو نواف وليدي</a:t>
             </a:r>
-            <a:endParaRPr lang="ar-SA" dirty="0"/>
           </a:p>
         </p:txBody>
       </p:sp>
@@ -13337,13 +13333,6 @@
   <p:clrMapOvr>
     <a:masterClrMapping/>
   </p:clrMapOvr>
-  <p:timing>
-    <p:tnLst>
-      <p:par>
-        <p:cTn id="1" dur="indefinite" restart="never" nodeType="tmRoot"/>
-      </p:par>
-    </p:tnLst>
-  </p:timing>
 </p:sld>
 </file>
 
@@ -13381,11 +13370,11 @@
           <a:p>
             <a:pPr algn="r" rtl="0"/>
             <a:r>
-              <a:rPr lang="en-US" dirty="0" err="1" smtClean="0"/>
-              <a:t>Giriş</a:t>
+              <a:rPr lang="ar-YE" dirty="0"/>
+              <a:t>مدخل</a:t>
             </a:r>
             <a:r>
-              <a:rPr lang="en-US" dirty="0" smtClean="0"/>
+              <a:rPr lang="en-US" dirty="0"/>
               <a:t> </a:t>
             </a:r>
             <a:endParaRPr lang="ar-SA" dirty="0"/>
@@ -13421,23 +13410,15 @@
             </a:pPr>
             <a:r>
               <a:rPr lang="ar-SA" dirty="0"/>
-              <a:t>لغة الإشارة </a:t>
+              <a:t>لغة الإشارة التركية </a:t>
             </a:r>
             <a:r>
-              <a:rPr lang="ar-SA" dirty="0" smtClean="0"/>
-              <a:t>التركية </a:t>
-            </a:r>
-            <a:r>
-              <a:rPr lang="en-US" dirty="0" smtClean="0"/>
+              <a:rPr lang="en-US" dirty="0"/>
               <a:t>(TSL)، </a:t>
             </a:r>
             <a:r>
               <a:rPr lang="ar-SA" dirty="0"/>
-              <a:t>كغيرها من لغات الإشارة الوطنية، هي وسيلة تواصل أساسية للصم وضعاف السمع في تركيا. وتختلف عن اللغة التركية المنطوقة بتركيبها الغني وقواعدها النحوية الفريدة</a:t>
-            </a:r>
-            <a:r>
-              <a:rPr lang="ar-SA" dirty="0" smtClean="0"/>
-              <a:t>.</a:t>
+              <a:t>كغيرها من لغات الإشارة الوطنية، هي وسيلة تواصل أساسية للصم وضعاف السمع في تركيا. وتختلف عن اللغة التركية المنطوقة بتركيبها الغني وقواعدها النحوية الفريدة.</a:t>
             </a:r>
           </a:p>
           <a:p>
@@ -13446,7 +13427,7 @@
                 <a:spcPct val="150000"/>
               </a:lnSpc>
             </a:pPr>
-            <a:endParaRPr lang="en-US" dirty="0" smtClean="0"/>
+            <a:endParaRPr lang="en-US" dirty="0"/>
           </a:p>
           <a:p>
             <a:pPr algn="r"/>
@@ -13455,20 +13436,16 @@
               <a:t>مكّنت التطورات في التعلم العميق الآلات في مجال الرؤية الحاسوبية من تفسير البيانات المرئية بدقة عالية. وحققت الشبكات العصبية </a:t>
             </a:r>
             <a:r>
-              <a:rPr lang="ar-SA" dirty="0" err="1" smtClean="0"/>
+              <a:rPr lang="ar-SA" dirty="0" err="1"/>
               <a:t>التلافيفية</a:t>
             </a:r>
             <a:r>
-              <a:rPr lang="ar-SA" dirty="0" smtClean="0"/>
+              <a:rPr lang="ar-SA" dirty="0"/>
               <a:t> </a:t>
             </a:r>
             <a:r>
-              <a:rPr lang="en-US" dirty="0" smtClean="0"/>
-              <a:t> (CNNs</a:t>
-            </a:r>
-            <a:r>
               <a:rPr lang="en-US" dirty="0"/>
-              <a:t>)، </a:t>
+              <a:t> (CNNs)، </a:t>
             </a:r>
             <a:r>
               <a:rPr lang="ar-SA" dirty="0"/>
@@ -13483,89 +13460,57 @@
               <a:t> </a:t>
             </a:r>
             <a:r>
-              <a:rPr lang="ar-SA" dirty="0" smtClean="0"/>
-              <a:t> عام </a:t>
+              <a:rPr lang="ar-SA" dirty="0"/>
+              <a:t> عام ١٩٩٨ وروجت لها </a:t>
             </a:r>
             <a:r>
-              <a:rPr lang="ar-SA" dirty="0"/>
-              <a:t>١٩٩٨ وروجت لها </a:t>
-            </a:r>
-            <a:r>
-              <a:rPr lang="en-US" dirty="0" smtClean="0"/>
+              <a:rPr lang="en-US" dirty="0"/>
               <a:t> </a:t>
             </a:r>
             <a:r>
-              <a:rPr lang="en-US" dirty="0" err="1" smtClean="0"/>
+              <a:rPr lang="en-US" dirty="0" err="1"/>
               <a:t>AlexNet</a:t>
             </a:r>
             <a:r>
-              <a:rPr lang="en-US" dirty="0" smtClean="0"/>
+              <a:rPr lang="en-US" dirty="0"/>
               <a:t> </a:t>
             </a:r>
             <a:r>
               <a:rPr lang="ar-SA" dirty="0"/>
-              <a:t>عام ٢٠١٢، نجاحًا باهرًا في مهام تصنيف الصور، وخاصةً التعرف على إيماءات اليد</a:t>
+              <a:t>عام ٢٠١٢، نجاحًا باهرًا في مهام تصنيف الصور، وخاصةً التعرف على إيماءات اليد.</a:t>
+            </a:r>
+          </a:p>
+          <a:p>
+            <a:pPr algn="r"/>
+            <a:endParaRPr lang="ar-SA" dirty="0"/>
+          </a:p>
+          <a:p>
+            <a:r>
+              <a:rPr lang="ar-SA" dirty="0"/>
+              <a:t>في حين تناولت العديد من الدراسات استخدام  </a:t>
             </a:r>
             <a:r>
-              <a:rPr lang="ar-SA" dirty="0" smtClean="0"/>
-              <a:t>.</a:t>
-            </a:r>
-          </a:p>
-          <a:p>
-            <a:pPr algn="r"/>
-            <a:endParaRPr lang="ar-SA" dirty="0" smtClean="0"/>
-          </a:p>
-          <a:p>
-            <a:r>
-              <a:rPr lang="ar-SA" dirty="0"/>
-              <a:t>في حين تناولت العديد من الدراسات استخدام </a:t>
-            </a:r>
-            <a:r>
-              <a:rPr lang="ar-SA" dirty="0" smtClean="0"/>
-              <a:t> </a:t>
-            </a:r>
-            <a:r>
-              <a:rPr lang="en-US" dirty="0" smtClean="0"/>
+              <a:rPr lang="en-US" dirty="0"/>
               <a:t>CNN)</a:t>
             </a:r>
             <a:r>
-              <a:rPr lang="ar-SA" dirty="0" smtClean="0"/>
-              <a:t> ) في </a:t>
+              <a:rPr lang="ar-SA" dirty="0"/>
+              <a:t> ) في التعرف على لغة الإشارة خاصةً لغة الإشارة الأمريكية</a:t>
             </a:r>
             <a:r>
-              <a:rPr lang="ar-SA" dirty="0"/>
-              <a:t>التعرف على لغة الإشارة </a:t>
-            </a:r>
-            <a:r>
-              <a:rPr lang="ar-SA" dirty="0" smtClean="0"/>
-              <a:t>خاصةً </a:t>
-            </a:r>
-            <a:r>
-              <a:rPr lang="ar-SA" dirty="0"/>
-              <a:t>لغة الإشارة </a:t>
-            </a:r>
-            <a:r>
-              <a:rPr lang="ar-SA" dirty="0" smtClean="0"/>
-              <a:t>الأمريكية</a:t>
-            </a:r>
-            <a:r>
-              <a:rPr lang="en-US" dirty="0" smtClean="0"/>
+              <a:rPr lang="en-US" dirty="0"/>
               <a:t> (ASL) ، </a:t>
             </a:r>
             <a:r>
               <a:rPr lang="ar-SA" dirty="0"/>
-              <a:t>إلا أن الأبحاث ومجموعات البيانات المتاحة على نطاق واسع حول لغة الإشارة التركية قليلة</a:t>
+              <a:t>إلا أن الأبحاث ومجموعات البيانات المتاحة على نطاق واسع حول لغة الإشارة التركية قليلة.</a:t>
             </a:r>
-            <a:r>
-              <a:rPr lang="ar-SA" dirty="0" smtClean="0"/>
-              <a:t>.</a:t>
-            </a:r>
           </a:p>
           <a:p>
             <a:pPr marL="0" indent="0">
               <a:buNone/>
             </a:pPr>
-            <a:endParaRPr lang="ar-SA" dirty="0" smtClean="0"/>
+            <a:endParaRPr lang="ar-SA" dirty="0"/>
           </a:p>
           <a:p>
             <a:r>
@@ -13573,27 +13518,15 @@
               <a:t>يركز هذا </a:t>
             </a:r>
             <a:r>
-              <a:rPr lang="ar-SA" dirty="0" err="1" smtClean="0"/>
+              <a:rPr lang="ar-SA" dirty="0" err="1"/>
               <a:t>الإختراع</a:t>
             </a:r>
             <a:r>
-              <a:rPr lang="ar-SA" dirty="0" smtClean="0"/>
-              <a:t> على </a:t>
+              <a:rPr lang="ar-SA" dirty="0"/>
+              <a:t> على بناء نظام ثابت للتعرف على إشارات أبجدية لغة الإشارة التركية يعتمد على التعلم العميق القائم على </a:t>
             </a:r>
             <a:r>
-              <a:rPr lang="ar-SA" dirty="0"/>
-              <a:t>بناء نظام ثابت للتعرف على إشارات أبجدية لغة الإشارة </a:t>
-            </a:r>
-            <a:r>
-              <a:rPr lang="ar-SA" dirty="0" smtClean="0"/>
-              <a:t>التركية يعتمد </a:t>
-            </a:r>
-            <a:r>
-              <a:rPr lang="ar-SA" dirty="0"/>
-              <a:t>على التعلم العميق القائم على </a:t>
-            </a:r>
-            <a:r>
-              <a:rPr lang="en-US" dirty="0" smtClean="0"/>
+              <a:rPr lang="en-US" dirty="0"/>
               <a:t> .(CNN)</a:t>
             </a:r>
             <a:endParaRPr lang="ar-SA" dirty="0"/>
@@ -13610,13 +13543,6 @@
   <p:clrMapOvr>
     <a:masterClrMapping/>
   </p:clrMapOvr>
-  <p:timing>
-    <p:tnLst>
-      <p:par>
-        <p:cTn id="1" dur="indefinite" restart="never" nodeType="tmRoot"/>
-      </p:par>
-    </p:tnLst>
-  </p:timing>
 </p:sld>
 </file>
 
@@ -13657,7 +13583,6 @@
               <a:rPr lang="ar-SA" dirty="0"/>
               <a:t>مجموعة البيانات</a:t>
             </a:r>
-            <a:endParaRPr lang="ar-SA" dirty="0"/>
           </a:p>
         </p:txBody>
       </p:sp>
@@ -13693,47 +13618,31 @@
             </a:r>
             <a:r>
               <a:rPr lang="ar-SA" dirty="0"/>
-              <a:t> الإلكتروني، وهي تتكون من 29 فئة من الأبجدية التركية الـ 29، ويتألف كل فئة من حوالي 100 صورة تمثل هذه الأبجدية</a:t>
+              <a:t> الإلكتروني، وهي تتكون من 29 فئة من الأبجدية التركية الـ 29، ويتألف كل فئة من حوالي 100 صورة تمثل هذه الأبجدية.</a:t>
             </a:r>
-            <a:r>
-              <a:rPr lang="ar-SA" dirty="0" smtClean="0"/>
-              <a:t>.</a:t>
-            </a:r>
           </a:p>
           <a:p>
             <a:pPr marL="0" indent="0">
               <a:buNone/>
             </a:pPr>
-            <a:endParaRPr lang="ar-SA" dirty="0" smtClean="0"/>
-          </a:p>
-          <a:p>
-            <a:r>
-              <a:rPr lang="ar-SA" dirty="0" smtClean="0"/>
-              <a:t>تم </a:t>
-            </a:r>
+            <a:endParaRPr lang="ar-SA" dirty="0"/>
+          </a:p>
+          <a:p>
             <a:r>
               <a:rPr lang="ar-SA" dirty="0"/>
-              <a:t>بعد ذلك تغيير حجم جميع الصور إلى حجم ثابت 400 × 400 بكسل، مع استخدام خلفية بيضاء لملء الفراغات في الصورة. تساعد هذه التقنية في الحفاظ على وضوح الصورة وهويتها</a:t>
+              <a:t>تم بعد ذلك تغيير حجم جميع الصور إلى حجم ثابت 400 × 400 بكسل، مع استخدام خلفية بيضاء لملء الفراغات في الصورة. تساعد هذه التقنية في الحفاظ على وضوح الصورة وهويتها.</a:t>
             </a:r>
-            <a:r>
-              <a:rPr lang="ar-SA" dirty="0" smtClean="0"/>
-              <a:t>.</a:t>
-            </a:r>
           </a:p>
           <a:p>
             <a:pPr marL="0" indent="0">
               <a:buNone/>
             </a:pPr>
-            <a:endParaRPr lang="ar-SA" dirty="0" smtClean="0"/>
-          </a:p>
-          <a:p>
-            <a:r>
-              <a:rPr lang="ar-SA" dirty="0" smtClean="0"/>
-              <a:t>بعد </a:t>
-            </a:r>
+            <a:endParaRPr lang="ar-SA" dirty="0"/>
+          </a:p>
+          <a:p>
             <a:r>
               <a:rPr lang="ar-SA" dirty="0"/>
-              <a:t>المعالجة المسبقة للصور لكل صورة، تم إنشاء ملف تسمية لمساعدة نموذج </a:t>
+              <a:t>بعد المعالجة المسبقة للصور لكل صورة، تم إنشاء ملف تسمية لمساعدة نموذج </a:t>
             </a:r>
             <a:r>
               <a:rPr lang="en-US" dirty="0"/>
@@ -13743,7 +13652,6 @@
               <a:rPr lang="ar-SA" dirty="0"/>
               <a:t>في تحديد معرف فئة إشارة اليد وإحداثياتها للتدريب.</a:t>
             </a:r>
-            <a:endParaRPr lang="ar-SA" dirty="0"/>
           </a:p>
         </p:txBody>
       </p:sp>
@@ -13757,13 +13665,6 @@
   <p:clrMapOvr>
     <a:masterClrMapping/>
   </p:clrMapOvr>
-  <p:timing>
-    <p:tnLst>
-      <p:par>
-        <p:cTn id="1" dur="indefinite" restart="never" nodeType="tmRoot"/>
-      </p:par>
-    </p:tnLst>
-  </p:timing>
 </p:sld>
 </file>
 
@@ -13804,7 +13705,6 @@
               <a:rPr lang="ar-SA" dirty="0"/>
               <a:t>توزيع النظام</a:t>
             </a:r>
-            <a:endParaRPr lang="ar-SA" dirty="0"/>
           </a:p>
         </p:txBody>
       </p:sp>
@@ -13827,15 +13727,7 @@
           <a:p>
             <a:r>
               <a:rPr lang="ar-SA" dirty="0"/>
-              <a:t>لقياس قابلية الاستخدام العملي للنموذج، دُمج في نظام </a:t>
-            </a:r>
-            <a:r>
-              <a:rPr lang="ar-SA" dirty="0" smtClean="0"/>
-              <a:t>تعرف </a:t>
-            </a:r>
-            <a:r>
-              <a:rPr lang="ar-SA" dirty="0"/>
-              <a:t>حقيقي.</a:t>
+              <a:t>لقياس قابلية الاستخدام العملي للنموذج، دُمج في نظام تعرف حقيقي.</a:t>
             </a:r>
           </a:p>
           <a:p>
@@ -13847,23 +13739,19 @@
               <a:t>استُخدم خادم </a:t>
             </a:r>
             <a:r>
-              <a:rPr lang="en-US" dirty="0" smtClean="0"/>
+              <a:rPr lang="en-US" dirty="0"/>
               <a:t> Flask </a:t>
             </a:r>
             <a:r>
               <a:rPr lang="ar-SA" dirty="0"/>
-              <a:t>لاستضافة النموذج وقبول مدخلات الصور من تطبيق جوال قائم </a:t>
+              <a:t>لاستضافة النموذج وقبول مدخلات الصور من تطبيق جوال قائم على </a:t>
             </a:r>
             <a:r>
-              <a:rPr lang="ar-SA" dirty="0" smtClean="0"/>
-              <a:t>على </a:t>
-            </a:r>
-            <a:r>
-              <a:rPr lang="en-US" dirty="0" smtClean="0"/>
+              <a:rPr lang="en-US" dirty="0"/>
               <a:t>Flutter</a:t>
             </a:r>
             <a:r>
-              <a:rPr lang="ar-SA" dirty="0" smtClean="0"/>
+              <a:rPr lang="ar-SA" dirty="0"/>
               <a:t>.</a:t>
             </a:r>
           </a:p>
@@ -13876,15 +13764,7 @@
           <a:p>
             <a:r>
               <a:rPr lang="ar-SA" dirty="0"/>
-              <a:t>التقط التطبيق صورًا </a:t>
-            </a:r>
-            <a:r>
-              <a:rPr lang="ar-SA" dirty="0" smtClean="0"/>
-              <a:t>لإشارات </a:t>
-            </a:r>
-            <a:r>
-              <a:rPr lang="ar-SA" dirty="0"/>
-              <a:t>اليد عبر كاميرا الهاتف، وأرسلها إلى الواجهة الخلفية للتنبؤ بها.</a:t>
+              <a:t>التقط التطبيق صورًا لإشارات اليد عبر كاميرا الهاتف، وأرسلها إلى الواجهة الخلفية للتنبؤ بها.</a:t>
             </a:r>
           </a:p>
           <a:p>
@@ -13904,7 +13784,6 @@
               <a:rPr lang="ar-SA" dirty="0"/>
               <a:t>يُعرض الحرف المتوقع في واجهة المستخدم.</a:t>
             </a:r>
-            <a:endParaRPr lang="ar-SA" dirty="0"/>
           </a:p>
         </p:txBody>
       </p:sp>
@@ -13918,13 +13797,6 @@
   <p:clrMapOvr>
     <a:masterClrMapping/>
   </p:clrMapOvr>
-  <p:timing>
-    <p:tnLst>
-      <p:par>
-        <p:cTn id="1" dur="indefinite" restart="never" nodeType="tmRoot"/>
-      </p:par>
-    </p:tnLst>
-  </p:timing>
 </p:sld>
 </file>
 
@@ -13962,10 +13834,9 @@
           <a:p>
             <a:pPr algn="r" rtl="0"/>
             <a:r>
-              <a:rPr lang="ar-SA" dirty="0" smtClean="0"/>
+              <a:rPr lang="ar-SA" dirty="0"/>
               <a:t>التطبيق</a:t>
             </a:r>
-            <a:endParaRPr lang="ar-SA" dirty="0"/>
           </a:p>
         </p:txBody>
       </p:sp>
@@ -14240,13 +14111,6 @@
   <p:clrMapOvr>
     <a:masterClrMapping/>
   </p:clrMapOvr>
-  <p:timing>
-    <p:tnLst>
-      <p:par>
-        <p:cTn id="1" dur="indefinite" restart="never" nodeType="tmRoot"/>
-      </p:par>
-    </p:tnLst>
-  </p:timing>
 </p:sld>
 </file>
 
